--- a/ゼミ発表資料/ctf発表スライド.pptx
+++ b/ゼミ発表資料/ctf発表スライド.pptx
@@ -5,13 +5,14 @@
     <p:sldMasterId id="2147483684" r:id="rId1"/>
   </p:sldMasterIdLst>
   <p:notesMasterIdLst>
-    <p:notesMasterId r:id="rId6"/>
+    <p:notesMasterId r:id="rId7"/>
   </p:notesMasterIdLst>
   <p:sldIdLst>
     <p:sldId id="256" r:id="rId2"/>
     <p:sldId id="257" r:id="rId3"/>
     <p:sldId id="258" r:id="rId4"/>
     <p:sldId id="259" r:id="rId5"/>
+    <p:sldId id="260" r:id="rId6"/>
   </p:sldIdLst>
   <p:sldSz cx="12192000" cy="6858000"/>
   <p:notesSz cx="6858000" cy="9144000"/>
@@ -110,6 +111,11 @@
       </a:defRPr>
     </a:lvl9pPr>
   </p:defaultTextStyle>
+  <p:extLst>
+    <p:ext uri="{EFAFB233-063F-42B5-8137-9DF3F51BA10A}">
+      <p15:sldGuideLst xmlns:p15="http://schemas.microsoft.com/office/powerpoint/2012/main"/>
+    </p:ext>
+  </p:extLst>
 </p:presentation>
 </file>
 
@@ -195,7 +201,7 @@
           <a:p>
             <a:fld id="{87BA2735-DF19-4C03-AFD3-1329772BF7FF}" type="datetimeFigureOut">
               <a:rPr kumimoji="1" lang="ja-JP" altLang="en-US" smtClean="0"/>
-              <a:t>2022/5/17</a:t>
+              <a:t>2022/5/18</a:t>
             </a:fld>
             <a:endParaRPr kumimoji="1" lang="ja-JP" altLang="en-US"/>
           </a:p>
@@ -728,7 +734,7 @@
           <a:p>
             <a:fld id="{1C7DF19C-EDF4-4C81-9E45-CE9699929634}" type="datetimeFigureOut">
               <a:rPr kumimoji="1" lang="ja-JP" altLang="en-US" smtClean="0"/>
-              <a:t>2022/5/17</a:t>
+              <a:t>2022/5/18</a:t>
             </a:fld>
             <a:endParaRPr kumimoji="1" lang="ja-JP" altLang="en-US"/>
           </a:p>
@@ -958,7 +964,7 @@
           <a:p>
             <a:fld id="{1C7DF19C-EDF4-4C81-9E45-CE9699929634}" type="datetimeFigureOut">
               <a:rPr kumimoji="1" lang="ja-JP" altLang="en-US" smtClean="0"/>
-              <a:t>2022/5/17</a:t>
+              <a:t>2022/5/18</a:t>
             </a:fld>
             <a:endParaRPr kumimoji="1" lang="ja-JP" altLang="en-US"/>
           </a:p>
@@ -1198,7 +1204,7 @@
           <a:p>
             <a:fld id="{1C7DF19C-EDF4-4C81-9E45-CE9699929634}" type="datetimeFigureOut">
               <a:rPr kumimoji="1" lang="ja-JP" altLang="en-US" smtClean="0"/>
-              <a:t>2022/5/17</a:t>
+              <a:t>2022/5/18</a:t>
             </a:fld>
             <a:endParaRPr kumimoji="1" lang="ja-JP" altLang="en-US"/>
           </a:p>
@@ -1428,7 +1434,7 @@
           <a:p>
             <a:fld id="{1C7DF19C-EDF4-4C81-9E45-CE9699929634}" type="datetimeFigureOut">
               <a:rPr kumimoji="1" lang="ja-JP" altLang="en-US" smtClean="0"/>
-              <a:t>2022/5/17</a:t>
+              <a:t>2022/5/18</a:t>
             </a:fld>
             <a:endParaRPr kumimoji="1" lang="ja-JP" altLang="en-US"/>
           </a:p>
@@ -1703,7 +1709,7 @@
           <a:p>
             <a:fld id="{1C7DF19C-EDF4-4C81-9E45-CE9699929634}" type="datetimeFigureOut">
               <a:rPr kumimoji="1" lang="ja-JP" altLang="en-US" smtClean="0"/>
-              <a:t>2022/5/17</a:t>
+              <a:t>2022/5/18</a:t>
             </a:fld>
             <a:endParaRPr kumimoji="1" lang="ja-JP" altLang="en-US"/>
           </a:p>
@@ -2032,7 +2038,7 @@
           <a:p>
             <a:fld id="{1C7DF19C-EDF4-4C81-9E45-CE9699929634}" type="datetimeFigureOut">
               <a:rPr kumimoji="1" lang="ja-JP" altLang="en-US" smtClean="0"/>
-              <a:t>2022/5/17</a:t>
+              <a:t>2022/5/18</a:t>
             </a:fld>
             <a:endParaRPr kumimoji="1" lang="ja-JP" altLang="en-US"/>
           </a:p>
@@ -2508,7 +2514,7 @@
           <a:p>
             <a:fld id="{1C7DF19C-EDF4-4C81-9E45-CE9699929634}" type="datetimeFigureOut">
               <a:rPr kumimoji="1" lang="ja-JP" altLang="en-US" smtClean="0"/>
-              <a:t>2022/5/17</a:t>
+              <a:t>2022/5/18</a:t>
             </a:fld>
             <a:endParaRPr kumimoji="1" lang="ja-JP" altLang="en-US"/>
           </a:p>
@@ -2649,7 +2655,7 @@
           <a:p>
             <a:fld id="{1C7DF19C-EDF4-4C81-9E45-CE9699929634}" type="datetimeFigureOut">
               <a:rPr kumimoji="1" lang="ja-JP" altLang="en-US" smtClean="0"/>
-              <a:t>2022/5/17</a:t>
+              <a:t>2022/5/18</a:t>
             </a:fld>
             <a:endParaRPr kumimoji="1" lang="ja-JP" altLang="en-US"/>
           </a:p>
@@ -2762,7 +2768,7 @@
           <a:p>
             <a:fld id="{1C7DF19C-EDF4-4C81-9E45-CE9699929634}" type="datetimeFigureOut">
               <a:rPr kumimoji="1" lang="ja-JP" altLang="en-US" smtClean="0"/>
-              <a:t>2022/5/17</a:t>
+              <a:t>2022/5/18</a:t>
             </a:fld>
             <a:endParaRPr kumimoji="1" lang="ja-JP" altLang="en-US"/>
           </a:p>
@@ -3105,7 +3111,7 @@
           <a:p>
             <a:fld id="{1C7DF19C-EDF4-4C81-9E45-CE9699929634}" type="datetimeFigureOut">
               <a:rPr kumimoji="1" lang="ja-JP" altLang="en-US" smtClean="0"/>
-              <a:t>2022/5/17</a:t>
+              <a:t>2022/5/18</a:t>
             </a:fld>
             <a:endParaRPr kumimoji="1" lang="ja-JP" altLang="en-US"/>
           </a:p>
@@ -3393,7 +3399,7 @@
           <a:p>
             <a:fld id="{1C7DF19C-EDF4-4C81-9E45-CE9699929634}" type="datetimeFigureOut">
               <a:rPr kumimoji="1" lang="ja-JP" altLang="en-US" smtClean="0"/>
-              <a:t>2022/5/17</a:t>
+              <a:t>2022/5/18</a:t>
             </a:fld>
             <a:endParaRPr kumimoji="1" lang="ja-JP" altLang="en-US"/>
           </a:p>
@@ -3666,7 +3672,7 @@
           <a:p>
             <a:fld id="{1C7DF19C-EDF4-4C81-9E45-CE9699929634}" type="datetimeFigureOut">
               <a:rPr kumimoji="1" lang="ja-JP" altLang="en-US" smtClean="0"/>
-              <a:t>2022/5/17</a:t>
+              <a:t>2022/5/18</a:t>
             </a:fld>
             <a:endParaRPr kumimoji="1" lang="ja-JP" altLang="en-US"/>
           </a:p>
@@ -5440,7 +5446,7 @@
             </a:r>
             <a:r>
               <a:rPr kumimoji="1" lang="ja-JP" altLang="en-US" dirty="0"/>
-              <a:t>を探し，</a:t>
+              <a:t>を探し</a:t>
             </a:r>
             <a:endParaRPr kumimoji="1" lang="en-US" altLang="ja-JP" dirty="0"/>
           </a:p>
@@ -5501,7 +5507,7 @@
             </a:pPr>
             <a:r>
               <a:rPr kumimoji="1" lang="ja-JP" altLang="en-US" dirty="0"/>
-              <a:t>基本的にオンラインで開催され，</a:t>
+              <a:t>基本的にオンラインで開催され</a:t>
             </a:r>
             <a:endParaRPr kumimoji="1" lang="en-US" altLang="ja-JP" dirty="0"/>
           </a:p>
@@ -5659,10 +5665,213 @@
           </a:p>
         </p:txBody>
       </p:sp>
+      <p:sp>
+        <p:nvSpPr>
+          <p:cNvPr id="3" name="吹き出し: 円形 2">
+            <a:extLst>
+              <a:ext uri="{FF2B5EF4-FFF2-40B4-BE49-F238E27FC236}">
+                <a16:creationId xmlns:a16="http://schemas.microsoft.com/office/drawing/2014/main" id="{CA418DA7-6095-489D-A01C-6C2B1D266D87}"/>
+              </a:ext>
+            </a:extLst>
+          </p:cNvPr>
+          <p:cNvSpPr/>
+          <p:nvPr/>
+        </p:nvSpPr>
+        <p:spPr>
+          <a:xfrm>
+            <a:off x="66926" y="5915981"/>
+            <a:ext cx="4122683" cy="859221"/>
+          </a:xfrm>
+          <a:prstGeom prst="wedgeEllipseCallout">
+            <a:avLst>
+              <a:gd name="adj1" fmla="val -44160"/>
+              <a:gd name="adj2" fmla="val 46904"/>
+            </a:avLst>
+          </a:prstGeom>
+          <a:solidFill>
+            <a:srgbClr val="002060"/>
+          </a:solidFill>
+          <a:ln>
+            <a:noFill/>
+          </a:ln>
+        </p:spPr>
+        <p:style>
+          <a:lnRef idx="2">
+            <a:schemeClr val="accent1">
+              <a:shade val="50000"/>
+            </a:schemeClr>
+          </a:lnRef>
+          <a:fillRef idx="1">
+            <a:schemeClr val="accent1"/>
+          </a:fillRef>
+          <a:effectRef idx="0">
+            <a:schemeClr val="accent1"/>
+          </a:effectRef>
+          <a:fontRef idx="minor">
+            <a:schemeClr val="lt1"/>
+          </a:fontRef>
+        </p:style>
+        <p:txBody>
+          <a:bodyPr rtlCol="0" anchor="ctr"/>
+          <a:lstStyle/>
+          <a:p>
+            <a:pPr algn="ctr"/>
+            <a:r>
+              <a:rPr kumimoji="1" lang="ja-JP" altLang="en-US" sz="1400" dirty="0"/>
+              <a:t>謎解きゲームみたいで楽しい！</a:t>
+            </a:r>
+          </a:p>
+        </p:txBody>
+      </p:sp>
     </p:spTree>
     <p:extLst>
       <p:ext uri="{BB962C8B-B14F-4D97-AF65-F5344CB8AC3E}">
         <p14:creationId xmlns:p14="http://schemas.microsoft.com/office/powerpoint/2010/main" val="173910678"/>
+      </p:ext>
+    </p:extLst>
+  </p:cSld>
+  <p:clrMapOvr>
+    <a:masterClrMapping/>
+  </p:clrMapOvr>
+</p:sld>
+</file>
+
+<file path=ppt/slides/slide5.xml><?xml version="1.0" encoding="utf-8"?>
+<p:sld xmlns:a="http://schemas.openxmlformats.org/drawingml/2006/main" xmlns:r="http://schemas.openxmlformats.org/officeDocument/2006/relationships" xmlns:p="http://schemas.openxmlformats.org/presentationml/2006/main">
+  <p:cSld>
+    <p:spTree>
+      <p:nvGrpSpPr>
+        <p:cNvPr id="1" name=""/>
+        <p:cNvGrpSpPr/>
+        <p:nvPr/>
+      </p:nvGrpSpPr>
+      <p:grpSpPr>
+        <a:xfrm>
+          <a:off x="0" y="0"/>
+          <a:ext cx="0" cy="0"/>
+          <a:chOff x="0" y="0"/>
+          <a:chExt cx="0" cy="0"/>
+        </a:xfrm>
+      </p:grpSpPr>
+      <p:sp>
+        <p:nvSpPr>
+          <p:cNvPr id="2" name="タイトル 1">
+            <a:extLst>
+              <a:ext uri="{FF2B5EF4-FFF2-40B4-BE49-F238E27FC236}">
+                <a16:creationId xmlns:a16="http://schemas.microsoft.com/office/drawing/2014/main" id="{2F8BA064-5142-6C51-3BBD-DA209E601D42}"/>
+              </a:ext>
+            </a:extLst>
+          </p:cNvPr>
+          <p:cNvSpPr>
+            <a:spLocks noGrp="1"/>
+          </p:cNvSpPr>
+          <p:nvPr>
+            <p:ph type="title"/>
+          </p:nvPr>
+        </p:nvSpPr>
+        <p:spPr/>
+        <p:txBody>
+          <a:bodyPr/>
+          <a:lstStyle/>
+          <a:p>
+            <a:r>
+              <a:rPr kumimoji="1" lang="ja-JP" altLang="en-US" dirty="0"/>
+              <a:t>例題</a:t>
+            </a:r>
+          </a:p>
+        </p:txBody>
+      </p:sp>
+      <p:sp>
+        <p:nvSpPr>
+          <p:cNvPr id="4" name="テキスト ボックス 3">
+            <a:extLst>
+              <a:ext uri="{FF2B5EF4-FFF2-40B4-BE49-F238E27FC236}">
+                <a16:creationId xmlns:a16="http://schemas.microsoft.com/office/drawing/2014/main" id="{5BEEE83F-644D-7864-8C7E-2C1FB761009A}"/>
+              </a:ext>
+            </a:extLst>
+          </p:cNvPr>
+          <p:cNvSpPr txBox="1"/>
+          <p:nvPr/>
+        </p:nvSpPr>
+        <p:spPr>
+          <a:xfrm>
+            <a:off x="7993776" y="1027906"/>
+            <a:ext cx="3706464" cy="369332"/>
+          </a:xfrm>
+          <a:prstGeom prst="rect">
+            <a:avLst/>
+          </a:prstGeom>
+          <a:noFill/>
+        </p:spPr>
+        <p:txBody>
+          <a:bodyPr wrap="none" rtlCol="0">
+            <a:spAutoFit/>
+          </a:bodyPr>
+          <a:lstStyle/>
+          <a:p>
+            <a:r>
+              <a:rPr kumimoji="1" lang="ja-JP" altLang="en-US" dirty="0"/>
+              <a:t>答えの形式は</a:t>
+            </a:r>
+            <a:r>
+              <a:rPr kumimoji="1" lang="en-US" altLang="ja-JP" dirty="0"/>
+              <a:t>Flag{“</a:t>
+            </a:r>
+            <a:r>
+              <a:rPr kumimoji="1" lang="en-US" altLang="ja-JP" dirty="0" err="1"/>
+              <a:t>abc</a:t>
+            </a:r>
+            <a:r>
+              <a:rPr kumimoji="1" lang="en-US" altLang="ja-JP" dirty="0"/>
+              <a:t>…”}</a:t>
+            </a:r>
+            <a:r>
+              <a:rPr kumimoji="1" lang="ja-JP" altLang="en-US" dirty="0"/>
+              <a:t>とする</a:t>
+            </a:r>
+          </a:p>
+        </p:txBody>
+      </p:sp>
+      <p:sp>
+        <p:nvSpPr>
+          <p:cNvPr id="5" name="テキスト ボックス 4">
+            <a:extLst>
+              <a:ext uri="{FF2B5EF4-FFF2-40B4-BE49-F238E27FC236}">
+                <a16:creationId xmlns:a16="http://schemas.microsoft.com/office/drawing/2014/main" id="{0596174E-A371-A1ED-DC57-8252E8465F5E}"/>
+              </a:ext>
+            </a:extLst>
+          </p:cNvPr>
+          <p:cNvSpPr txBox="1"/>
+          <p:nvPr/>
+        </p:nvSpPr>
+        <p:spPr>
+          <a:xfrm flipH="1">
+            <a:off x="1401554" y="2309648"/>
+            <a:ext cx="5243612" cy="646331"/>
+          </a:xfrm>
+          <a:prstGeom prst="rect">
+            <a:avLst/>
+          </a:prstGeom>
+          <a:noFill/>
+        </p:spPr>
+        <p:txBody>
+          <a:bodyPr wrap="square" rtlCol="0">
+            <a:spAutoFit/>
+          </a:bodyPr>
+          <a:lstStyle/>
+          <a:p>
+            <a:r>
+              <a:rPr lang="ja-JP" altLang="en-US" dirty="0"/>
+              <a:t>あああああああああああああああああああああああああああああ</a:t>
+            </a:r>
+            <a:endParaRPr kumimoji="1" lang="ja-JP" altLang="en-US" dirty="0"/>
+          </a:p>
+        </p:txBody>
+      </p:sp>
+    </p:spTree>
+    <p:extLst>
+      <p:ext uri="{BB962C8B-B14F-4D97-AF65-F5344CB8AC3E}">
+        <p14:creationId xmlns:p14="http://schemas.microsoft.com/office/powerpoint/2010/main" val="521621771"/>
       </p:ext>
     </p:extLst>
   </p:cSld>

--- a/ゼミ発表資料/ctf発表スライド.pptx
+++ b/ゼミ発表資料/ctf発表スライド.pptx
@@ -5,7 +5,7 @@
     <p:sldMasterId id="2147483684" r:id="rId1"/>
   </p:sldMasterIdLst>
   <p:notesMasterIdLst>
-    <p:notesMasterId r:id="rId7"/>
+    <p:notesMasterId r:id="rId10"/>
   </p:notesMasterIdLst>
   <p:sldIdLst>
     <p:sldId id="256" r:id="rId2"/>
@@ -13,6 +13,9 @@
     <p:sldId id="258" r:id="rId4"/>
     <p:sldId id="259" r:id="rId5"/>
     <p:sldId id="260" r:id="rId6"/>
+    <p:sldId id="261" r:id="rId7"/>
+    <p:sldId id="262" r:id="rId8"/>
+    <p:sldId id="263" r:id="rId9"/>
   </p:sldIdLst>
   <p:sldSz cx="12192000" cy="6858000"/>
   <p:notesSz cx="6858000" cy="9144000"/>
@@ -201,7 +204,7 @@
           <a:p>
             <a:fld id="{87BA2735-DF19-4C03-AFD3-1329772BF7FF}" type="datetimeFigureOut">
               <a:rPr kumimoji="1" lang="ja-JP" altLang="en-US" smtClean="0"/>
-              <a:t>2022/5/18</a:t>
+              <a:t>2022/5/21</a:t>
             </a:fld>
             <a:endParaRPr kumimoji="1" lang="ja-JP" altLang="en-US"/>
           </a:p>
@@ -587,6 +590,294 @@
 </p:notes>
 </file>
 
+<file path=ppt/notesSlides/notesSlide2.xml><?xml version="1.0" encoding="utf-8"?>
+<p:notes xmlns:a="http://schemas.openxmlformats.org/drawingml/2006/main" xmlns:r="http://schemas.openxmlformats.org/officeDocument/2006/relationships" xmlns:p="http://schemas.openxmlformats.org/presentationml/2006/main">
+  <p:cSld>
+    <p:spTree>
+      <p:nvGrpSpPr>
+        <p:cNvPr id="1" name=""/>
+        <p:cNvGrpSpPr/>
+        <p:nvPr/>
+      </p:nvGrpSpPr>
+      <p:grpSpPr>
+        <a:xfrm>
+          <a:off x="0" y="0"/>
+          <a:ext cx="0" cy="0"/>
+          <a:chOff x="0" y="0"/>
+          <a:chExt cx="0" cy="0"/>
+        </a:xfrm>
+      </p:grpSpPr>
+      <p:sp>
+        <p:nvSpPr>
+          <p:cNvPr id="2" name="スライド イメージ プレースホルダー 1"/>
+          <p:cNvSpPr>
+            <a:spLocks noGrp="1" noRot="1" noChangeAspect="1"/>
+          </p:cNvSpPr>
+          <p:nvPr>
+            <p:ph type="sldImg"/>
+          </p:nvPr>
+        </p:nvSpPr>
+        <p:spPr/>
+      </p:sp>
+      <p:sp>
+        <p:nvSpPr>
+          <p:cNvPr id="3" name="ノート プレースホルダー 2"/>
+          <p:cNvSpPr>
+            <a:spLocks noGrp="1"/>
+          </p:cNvSpPr>
+          <p:nvPr>
+            <p:ph type="body" idx="1"/>
+          </p:nvPr>
+        </p:nvSpPr>
+        <p:spPr/>
+        <p:txBody>
+          <a:bodyPr/>
+          <a:lstStyle/>
+          <a:p>
+            <a:r>
+              <a:rPr kumimoji="1" lang="en-US" altLang="ja-JP" dirty="0" err="1"/>
+              <a:t>exif</a:t>
+            </a:r>
+            <a:r>
+              <a:rPr kumimoji="1" lang="ja-JP" altLang="en-US" dirty="0"/>
+              <a:t>の問題</a:t>
+            </a:r>
+          </a:p>
+        </p:txBody>
+      </p:sp>
+      <p:sp>
+        <p:nvSpPr>
+          <p:cNvPr id="4" name="スライド番号プレースホルダー 3"/>
+          <p:cNvSpPr>
+            <a:spLocks noGrp="1"/>
+          </p:cNvSpPr>
+          <p:nvPr>
+            <p:ph type="sldNum" sz="quarter" idx="5"/>
+          </p:nvPr>
+        </p:nvSpPr>
+        <p:spPr/>
+        <p:txBody>
+          <a:bodyPr/>
+          <a:lstStyle/>
+          <a:p>
+            <a:fld id="{E7386CD3-D5E2-405B-BA6B-1EA98FC51146}" type="slidenum">
+              <a:rPr kumimoji="1" lang="ja-JP" altLang="en-US" smtClean="0"/>
+              <a:t>5</a:t>
+            </a:fld>
+            <a:endParaRPr kumimoji="1" lang="ja-JP" altLang="en-US"/>
+          </a:p>
+        </p:txBody>
+      </p:sp>
+    </p:spTree>
+    <p:extLst>
+      <p:ext uri="{BB962C8B-B14F-4D97-AF65-F5344CB8AC3E}">
+        <p14:creationId xmlns:p14="http://schemas.microsoft.com/office/powerpoint/2010/main" val="2568426002"/>
+      </p:ext>
+    </p:extLst>
+  </p:cSld>
+  <p:clrMapOvr>
+    <a:masterClrMapping/>
+  </p:clrMapOvr>
+</p:notes>
+</file>
+
+<file path=ppt/notesSlides/notesSlide3.xml><?xml version="1.0" encoding="utf-8"?>
+<p:notes xmlns:a="http://schemas.openxmlformats.org/drawingml/2006/main" xmlns:r="http://schemas.openxmlformats.org/officeDocument/2006/relationships" xmlns:p="http://schemas.openxmlformats.org/presentationml/2006/main">
+  <p:cSld>
+    <p:spTree>
+      <p:nvGrpSpPr>
+        <p:cNvPr id="1" name=""/>
+        <p:cNvGrpSpPr/>
+        <p:nvPr/>
+      </p:nvGrpSpPr>
+      <p:grpSpPr>
+        <a:xfrm>
+          <a:off x="0" y="0"/>
+          <a:ext cx="0" cy="0"/>
+          <a:chOff x="0" y="0"/>
+          <a:chExt cx="0" cy="0"/>
+        </a:xfrm>
+      </p:grpSpPr>
+      <p:sp>
+        <p:nvSpPr>
+          <p:cNvPr id="2" name="スライド イメージ プレースホルダー 1"/>
+          <p:cNvSpPr>
+            <a:spLocks noGrp="1" noRot="1" noChangeAspect="1"/>
+          </p:cNvSpPr>
+          <p:nvPr>
+            <p:ph type="sldImg"/>
+          </p:nvPr>
+        </p:nvSpPr>
+        <p:spPr/>
+      </p:sp>
+      <p:sp>
+        <p:nvSpPr>
+          <p:cNvPr id="3" name="ノート プレースホルダー 2"/>
+          <p:cNvSpPr>
+            <a:spLocks noGrp="1"/>
+          </p:cNvSpPr>
+          <p:nvPr>
+            <p:ph type="body" idx="1"/>
+          </p:nvPr>
+        </p:nvSpPr>
+        <p:spPr/>
+        <p:txBody>
+          <a:bodyPr/>
+          <a:lstStyle/>
+          <a:p>
+            <a:r>
+              <a:rPr kumimoji="1" lang="en-US" altLang="ja-JP" dirty="0"/>
+              <a:t>https://github.com/H0ndh11/CTF/blob/main/%E3%82%BC%E3%83%9F%E7%99%BA%E8%A1%A8%E8%B3%87%E6%96%99/%E5%95%8F%E9%A1%8C.md</a:t>
+            </a:r>
+          </a:p>
+          <a:p>
+            <a:r>
+              <a:rPr kumimoji="1" lang="ja-JP" altLang="en-US" dirty="0"/>
+              <a:t>解いている間に開設の準備</a:t>
+            </a:r>
+            <a:endParaRPr kumimoji="1" lang="en-US" altLang="ja-JP" dirty="0"/>
+          </a:p>
+          <a:p>
+            <a:r>
+              <a:rPr kumimoji="1" lang="en-US" altLang="ja-JP" dirty="0" err="1"/>
+              <a:t>kalilinux</a:t>
+            </a:r>
+            <a:r>
+              <a:rPr kumimoji="1" lang="ja-JP" altLang="en-US" dirty="0"/>
+              <a:t>とアスキーコード表と</a:t>
+            </a:r>
+            <a:r>
+              <a:rPr kumimoji="1" lang="en-US" altLang="ja-JP" dirty="0"/>
+              <a:t>PNG</a:t>
+            </a:r>
+            <a:r>
+              <a:rPr kumimoji="1" lang="ja-JP" altLang="en-US" dirty="0"/>
+              <a:t>ヘッダ</a:t>
+            </a:r>
+            <a:endParaRPr kumimoji="1" lang="en-US" altLang="ja-JP" dirty="0"/>
+          </a:p>
+        </p:txBody>
+      </p:sp>
+      <p:sp>
+        <p:nvSpPr>
+          <p:cNvPr id="4" name="スライド番号プレースホルダー 3"/>
+          <p:cNvSpPr>
+            <a:spLocks noGrp="1"/>
+          </p:cNvSpPr>
+          <p:nvPr>
+            <p:ph type="sldNum" sz="quarter" idx="5"/>
+          </p:nvPr>
+        </p:nvSpPr>
+        <p:spPr/>
+        <p:txBody>
+          <a:bodyPr/>
+          <a:lstStyle/>
+          <a:p>
+            <a:fld id="{E7386CD3-D5E2-405B-BA6B-1EA98FC51146}" type="slidenum">
+              <a:rPr kumimoji="1" lang="ja-JP" altLang="en-US" smtClean="0"/>
+              <a:t>6</a:t>
+            </a:fld>
+            <a:endParaRPr kumimoji="1" lang="ja-JP" altLang="en-US"/>
+          </a:p>
+        </p:txBody>
+      </p:sp>
+    </p:spTree>
+    <p:extLst>
+      <p:ext uri="{BB962C8B-B14F-4D97-AF65-F5344CB8AC3E}">
+        <p14:creationId xmlns:p14="http://schemas.microsoft.com/office/powerpoint/2010/main" val="2921173164"/>
+      </p:ext>
+    </p:extLst>
+  </p:cSld>
+  <p:clrMapOvr>
+    <a:masterClrMapping/>
+  </p:clrMapOvr>
+</p:notes>
+</file>
+
+<file path=ppt/notesSlides/notesSlide4.xml><?xml version="1.0" encoding="utf-8"?>
+<p:notes xmlns:a="http://schemas.openxmlformats.org/drawingml/2006/main" xmlns:r="http://schemas.openxmlformats.org/officeDocument/2006/relationships" xmlns:p="http://schemas.openxmlformats.org/presentationml/2006/main">
+  <p:cSld>
+    <p:spTree>
+      <p:nvGrpSpPr>
+        <p:cNvPr id="1" name=""/>
+        <p:cNvGrpSpPr/>
+        <p:nvPr/>
+      </p:nvGrpSpPr>
+      <p:grpSpPr>
+        <a:xfrm>
+          <a:off x="0" y="0"/>
+          <a:ext cx="0" cy="0"/>
+          <a:chOff x="0" y="0"/>
+          <a:chExt cx="0" cy="0"/>
+        </a:xfrm>
+      </p:grpSpPr>
+      <p:sp>
+        <p:nvSpPr>
+          <p:cNvPr id="2" name="スライド イメージ プレースホルダー 1"/>
+          <p:cNvSpPr>
+            <a:spLocks noGrp="1" noRot="1" noChangeAspect="1"/>
+          </p:cNvSpPr>
+          <p:nvPr>
+            <p:ph type="sldImg"/>
+          </p:nvPr>
+        </p:nvSpPr>
+        <p:spPr/>
+      </p:sp>
+      <p:sp>
+        <p:nvSpPr>
+          <p:cNvPr id="3" name="ノート プレースホルダー 2"/>
+          <p:cNvSpPr>
+            <a:spLocks noGrp="1"/>
+          </p:cNvSpPr>
+          <p:nvPr>
+            <p:ph type="body" idx="1"/>
+          </p:nvPr>
+        </p:nvSpPr>
+        <p:spPr/>
+        <p:txBody>
+          <a:bodyPr/>
+          <a:lstStyle/>
+          <a:p>
+            <a:endParaRPr kumimoji="1" lang="ja-JP" altLang="en-US" dirty="0"/>
+          </a:p>
+        </p:txBody>
+      </p:sp>
+      <p:sp>
+        <p:nvSpPr>
+          <p:cNvPr id="4" name="スライド番号プレースホルダー 3"/>
+          <p:cNvSpPr>
+            <a:spLocks noGrp="1"/>
+          </p:cNvSpPr>
+          <p:nvPr>
+            <p:ph type="sldNum" sz="quarter" idx="5"/>
+          </p:nvPr>
+        </p:nvSpPr>
+        <p:spPr/>
+        <p:txBody>
+          <a:bodyPr/>
+          <a:lstStyle/>
+          <a:p>
+            <a:fld id="{E7386CD3-D5E2-405B-BA6B-1EA98FC51146}" type="slidenum">
+              <a:rPr kumimoji="1" lang="ja-JP" altLang="en-US" smtClean="0"/>
+              <a:t>7</a:t>
+            </a:fld>
+            <a:endParaRPr kumimoji="1" lang="ja-JP" altLang="en-US"/>
+          </a:p>
+        </p:txBody>
+      </p:sp>
+    </p:spTree>
+    <p:extLst>
+      <p:ext uri="{BB962C8B-B14F-4D97-AF65-F5344CB8AC3E}">
+        <p14:creationId xmlns:p14="http://schemas.microsoft.com/office/powerpoint/2010/main" val="4089441026"/>
+      </p:ext>
+    </p:extLst>
+  </p:cSld>
+  <p:clrMapOvr>
+    <a:masterClrMapping/>
+  </p:clrMapOvr>
+</p:notes>
+</file>
+
 <file path=ppt/slideLayouts/slideLayout1.xml><?xml version="1.0" encoding="utf-8"?>
 <p:sldLayout xmlns:a="http://schemas.openxmlformats.org/drawingml/2006/main" xmlns:r="http://schemas.openxmlformats.org/officeDocument/2006/relationships" xmlns:p="http://schemas.openxmlformats.org/presentationml/2006/main" type="title" preserve="1">
   <p:cSld name="タイトル スライド">
@@ -734,7 +1025,7 @@
           <a:p>
             <a:fld id="{1C7DF19C-EDF4-4C81-9E45-CE9699929634}" type="datetimeFigureOut">
               <a:rPr kumimoji="1" lang="ja-JP" altLang="en-US" smtClean="0"/>
-              <a:t>2022/5/18</a:t>
+              <a:t>2022/5/21</a:t>
             </a:fld>
             <a:endParaRPr kumimoji="1" lang="ja-JP" altLang="en-US"/>
           </a:p>
@@ -964,7 +1255,7 @@
           <a:p>
             <a:fld id="{1C7DF19C-EDF4-4C81-9E45-CE9699929634}" type="datetimeFigureOut">
               <a:rPr kumimoji="1" lang="ja-JP" altLang="en-US" smtClean="0"/>
-              <a:t>2022/5/18</a:t>
+              <a:t>2022/5/21</a:t>
             </a:fld>
             <a:endParaRPr kumimoji="1" lang="ja-JP" altLang="en-US"/>
           </a:p>
@@ -1204,7 +1495,7 @@
           <a:p>
             <a:fld id="{1C7DF19C-EDF4-4C81-9E45-CE9699929634}" type="datetimeFigureOut">
               <a:rPr kumimoji="1" lang="ja-JP" altLang="en-US" smtClean="0"/>
-              <a:t>2022/5/18</a:t>
+              <a:t>2022/5/21</a:t>
             </a:fld>
             <a:endParaRPr kumimoji="1" lang="ja-JP" altLang="en-US"/>
           </a:p>
@@ -1434,7 +1725,7 @@
           <a:p>
             <a:fld id="{1C7DF19C-EDF4-4C81-9E45-CE9699929634}" type="datetimeFigureOut">
               <a:rPr kumimoji="1" lang="ja-JP" altLang="en-US" smtClean="0"/>
-              <a:t>2022/5/18</a:t>
+              <a:t>2022/5/21</a:t>
             </a:fld>
             <a:endParaRPr kumimoji="1" lang="ja-JP" altLang="en-US"/>
           </a:p>
@@ -1709,7 +2000,7 @@
           <a:p>
             <a:fld id="{1C7DF19C-EDF4-4C81-9E45-CE9699929634}" type="datetimeFigureOut">
               <a:rPr kumimoji="1" lang="ja-JP" altLang="en-US" smtClean="0"/>
-              <a:t>2022/5/18</a:t>
+              <a:t>2022/5/21</a:t>
             </a:fld>
             <a:endParaRPr kumimoji="1" lang="ja-JP" altLang="en-US"/>
           </a:p>
@@ -2038,7 +2329,7 @@
           <a:p>
             <a:fld id="{1C7DF19C-EDF4-4C81-9E45-CE9699929634}" type="datetimeFigureOut">
               <a:rPr kumimoji="1" lang="ja-JP" altLang="en-US" smtClean="0"/>
-              <a:t>2022/5/18</a:t>
+              <a:t>2022/5/21</a:t>
             </a:fld>
             <a:endParaRPr kumimoji="1" lang="ja-JP" altLang="en-US"/>
           </a:p>
@@ -2514,7 +2805,7 @@
           <a:p>
             <a:fld id="{1C7DF19C-EDF4-4C81-9E45-CE9699929634}" type="datetimeFigureOut">
               <a:rPr kumimoji="1" lang="ja-JP" altLang="en-US" smtClean="0"/>
-              <a:t>2022/5/18</a:t>
+              <a:t>2022/5/21</a:t>
             </a:fld>
             <a:endParaRPr kumimoji="1" lang="ja-JP" altLang="en-US"/>
           </a:p>
@@ -2655,7 +2946,7 @@
           <a:p>
             <a:fld id="{1C7DF19C-EDF4-4C81-9E45-CE9699929634}" type="datetimeFigureOut">
               <a:rPr kumimoji="1" lang="ja-JP" altLang="en-US" smtClean="0"/>
-              <a:t>2022/5/18</a:t>
+              <a:t>2022/5/21</a:t>
             </a:fld>
             <a:endParaRPr kumimoji="1" lang="ja-JP" altLang="en-US"/>
           </a:p>
@@ -2768,7 +3059,7 @@
           <a:p>
             <a:fld id="{1C7DF19C-EDF4-4C81-9E45-CE9699929634}" type="datetimeFigureOut">
               <a:rPr kumimoji="1" lang="ja-JP" altLang="en-US" smtClean="0"/>
-              <a:t>2022/5/18</a:t>
+              <a:t>2022/5/21</a:t>
             </a:fld>
             <a:endParaRPr kumimoji="1" lang="ja-JP" altLang="en-US"/>
           </a:p>
@@ -3111,7 +3402,7 @@
           <a:p>
             <a:fld id="{1C7DF19C-EDF4-4C81-9E45-CE9699929634}" type="datetimeFigureOut">
               <a:rPr kumimoji="1" lang="ja-JP" altLang="en-US" smtClean="0"/>
-              <a:t>2022/5/18</a:t>
+              <a:t>2022/5/21</a:t>
             </a:fld>
             <a:endParaRPr kumimoji="1" lang="ja-JP" altLang="en-US"/>
           </a:p>
@@ -3399,7 +3690,7 @@
           <a:p>
             <a:fld id="{1C7DF19C-EDF4-4C81-9E45-CE9699929634}" type="datetimeFigureOut">
               <a:rPr kumimoji="1" lang="ja-JP" altLang="en-US" smtClean="0"/>
-              <a:t>2022/5/18</a:t>
+              <a:t>2022/5/21</a:t>
             </a:fld>
             <a:endParaRPr kumimoji="1" lang="ja-JP" altLang="en-US"/>
           </a:p>
@@ -3672,7 +3963,7 @@
           <a:p>
             <a:fld id="{1C7DF19C-EDF4-4C81-9E45-CE9699929634}" type="datetimeFigureOut">
               <a:rPr kumimoji="1" lang="ja-JP" altLang="en-US" smtClean="0"/>
-              <a:t>2022/5/18</a:t>
+              <a:t>2022/5/21</a:t>
             </a:fld>
             <a:endParaRPr kumimoji="1" lang="ja-JP" altLang="en-US"/>
           </a:p>
@@ -4959,7 +5250,7 @@
         <p:spPr>
           <a:xfrm>
             <a:off x="1423886" y="6303150"/>
-            <a:ext cx="4552849" cy="369332"/>
+            <a:ext cx="4322017" cy="369332"/>
           </a:xfrm>
           <a:prstGeom prst="rect">
             <a:avLst/>
@@ -4978,7 +5269,15 @@
             </a:r>
             <a:r>
               <a:rPr kumimoji="1" lang="ja-JP" altLang="en-US" dirty="0"/>
-              <a:t>に関する知識をフルで利用して謎を解く</a:t>
+              <a:t>に関する知識を</a:t>
+            </a:r>
+            <a:r>
+              <a:rPr lang="ja-JP" altLang="en-US" dirty="0"/>
+              <a:t>フル活用</a:t>
+            </a:r>
+            <a:r>
+              <a:rPr kumimoji="1" lang="ja-JP" altLang="en-US" dirty="0"/>
+              <a:t>して謎を解く</a:t>
             </a:r>
           </a:p>
         </p:txBody>
@@ -5832,46 +6131,479 @@
           </a:p>
         </p:txBody>
       </p:sp>
-      <p:sp>
-        <p:nvSpPr>
-          <p:cNvPr id="5" name="テキスト ボックス 4">
-            <a:extLst>
-              <a:ext uri="{FF2B5EF4-FFF2-40B4-BE49-F238E27FC236}">
-                <a16:creationId xmlns:a16="http://schemas.microsoft.com/office/drawing/2014/main" id="{0596174E-A371-A1ED-DC57-8252E8465F5E}"/>
-              </a:ext>
-            </a:extLst>
-          </p:cNvPr>
-          <p:cNvSpPr txBox="1"/>
+    </p:spTree>
+    <p:extLst>
+      <p:ext uri="{BB962C8B-B14F-4D97-AF65-F5344CB8AC3E}">
+        <p14:creationId xmlns:p14="http://schemas.microsoft.com/office/powerpoint/2010/main" val="521621771"/>
+      </p:ext>
+    </p:extLst>
+  </p:cSld>
+  <p:clrMapOvr>
+    <a:masterClrMapping/>
+  </p:clrMapOvr>
+</p:sld>
+</file>
+
+<file path=ppt/slides/slide6.xml><?xml version="1.0" encoding="utf-8"?>
+<p:sld xmlns:a="http://schemas.openxmlformats.org/drawingml/2006/main" xmlns:r="http://schemas.openxmlformats.org/officeDocument/2006/relationships" xmlns:p="http://schemas.openxmlformats.org/presentationml/2006/main">
+  <p:cSld>
+    <p:spTree>
+      <p:nvGrpSpPr>
+        <p:cNvPr id="1" name=""/>
+        <p:cNvGrpSpPr/>
+        <p:nvPr/>
+      </p:nvGrpSpPr>
+      <p:grpSpPr>
+        <a:xfrm>
+          <a:off x="0" y="0"/>
+          <a:ext cx="0" cy="0"/>
+          <a:chOff x="0" y="0"/>
+          <a:chExt cx="0" cy="0"/>
+        </a:xfrm>
+      </p:grpSpPr>
+      <p:sp>
+        <p:nvSpPr>
+          <p:cNvPr id="2" name="タイトル 1">
+            <a:extLst>
+              <a:ext uri="{FF2B5EF4-FFF2-40B4-BE49-F238E27FC236}">
+                <a16:creationId xmlns:a16="http://schemas.microsoft.com/office/drawing/2014/main" id="{AD6E9C23-0604-9D49-7B01-59182C71B4A3}"/>
+              </a:ext>
+            </a:extLst>
+          </p:cNvPr>
+          <p:cNvSpPr>
+            <a:spLocks noGrp="1"/>
+          </p:cNvSpPr>
+          <p:nvPr>
+            <p:ph type="title"/>
+          </p:nvPr>
+        </p:nvSpPr>
+        <p:spPr/>
+        <p:txBody>
+          <a:bodyPr/>
+          <a:lstStyle/>
+          <a:p>
+            <a:r>
+              <a:rPr kumimoji="1" lang="ja-JP" altLang="en-US" dirty="0"/>
+              <a:t>実際に解いてみよう！</a:t>
+            </a:r>
+          </a:p>
+        </p:txBody>
+      </p:sp>
+      <p:sp>
+        <p:nvSpPr>
+          <p:cNvPr id="3" name="コンテンツ プレースホルダー 2">
+            <a:extLst>
+              <a:ext uri="{FF2B5EF4-FFF2-40B4-BE49-F238E27FC236}">
+                <a16:creationId xmlns:a16="http://schemas.microsoft.com/office/drawing/2014/main" id="{80564252-A53E-7DEC-141C-EDD6F9267D13}"/>
+              </a:ext>
+            </a:extLst>
+          </p:cNvPr>
+          <p:cNvSpPr>
+            <a:spLocks noGrp="1"/>
+          </p:cNvSpPr>
+          <p:nvPr>
+            <p:ph idx="1"/>
+          </p:nvPr>
+        </p:nvSpPr>
+        <p:spPr/>
+        <p:txBody>
+          <a:bodyPr/>
+          <a:lstStyle/>
+          <a:p>
+            <a:pPr marL="0" indent="0">
+              <a:buNone/>
+            </a:pPr>
+            <a:r>
+              <a:rPr kumimoji="1" lang="en-US" altLang="ja-JP" dirty="0"/>
+              <a:t>5</a:t>
+            </a:r>
+            <a:r>
+              <a:rPr kumimoji="1" lang="ja-JP" altLang="en-US" dirty="0"/>
+              <a:t>問ほど自作問題を用意したので解いてみてください！</a:t>
+            </a:r>
+            <a:endParaRPr kumimoji="1" lang="en-US" altLang="ja-JP" dirty="0"/>
+          </a:p>
+          <a:p>
+            <a:pPr marL="0" indent="0">
+              <a:buNone/>
+            </a:pPr>
+            <a:r>
+              <a:rPr kumimoji="1" lang="ja-JP" altLang="en-US" dirty="0"/>
+              <a:t>所要時間は</a:t>
+            </a:r>
+            <a:r>
+              <a:rPr kumimoji="1" lang="en-US" altLang="ja-JP" dirty="0"/>
+              <a:t>5~10</a:t>
+            </a:r>
+            <a:r>
+              <a:rPr kumimoji="1" lang="ja-JP" altLang="en-US" dirty="0"/>
+              <a:t>分くらい？</a:t>
+            </a:r>
+            <a:endParaRPr kumimoji="1" lang="en-US" altLang="ja-JP" dirty="0"/>
+          </a:p>
+          <a:p>
+            <a:pPr marL="0" indent="0">
+              <a:buNone/>
+            </a:pPr>
+            <a:endParaRPr lang="en-US" altLang="ja-JP" dirty="0"/>
+          </a:p>
+          <a:p>
+            <a:pPr marL="0" indent="0">
+              <a:buNone/>
+            </a:pPr>
+            <a:r>
+              <a:rPr lang="ja-JP" altLang="en-US" dirty="0"/>
+              <a:t>場所は</a:t>
+            </a:r>
+            <a:r>
+              <a:rPr lang="ja-JP" altLang="en-US" dirty="0">
+                <a:solidFill>
+                  <a:srgbClr val="00B0F0"/>
+                </a:solidFill>
+                <a:hlinkClick r:id="rId3">
+                  <a:extLst>
+                    <a:ext uri="{A12FA001-AC4F-418D-AE19-62706E023703}">
+                      <ahyp:hlinkClr xmlns:ahyp="http://schemas.microsoft.com/office/drawing/2018/hyperlinkcolor" val="tx"/>
+                    </a:ext>
+                  </a:extLst>
+                </a:hlinkClick>
+              </a:rPr>
+              <a:t>こちら</a:t>
+            </a:r>
+            <a:r>
+              <a:rPr lang="ja-JP" altLang="en-US" dirty="0"/>
+              <a:t>（</a:t>
+            </a:r>
+            <a:r>
+              <a:rPr lang="en-US" altLang="ja-JP" dirty="0"/>
+              <a:t>slack</a:t>
+            </a:r>
+            <a:r>
+              <a:rPr lang="ja-JP" altLang="en-US" dirty="0"/>
+              <a:t>に貼ります）</a:t>
+            </a:r>
+            <a:endParaRPr lang="en-US" altLang="ja-JP" dirty="0"/>
+          </a:p>
+        </p:txBody>
+      </p:sp>
+    </p:spTree>
+    <p:extLst>
+      <p:ext uri="{BB962C8B-B14F-4D97-AF65-F5344CB8AC3E}">
+        <p14:creationId xmlns:p14="http://schemas.microsoft.com/office/powerpoint/2010/main" val="2847957805"/>
+      </p:ext>
+    </p:extLst>
+  </p:cSld>
+  <p:clrMapOvr>
+    <a:masterClrMapping/>
+  </p:clrMapOvr>
+</p:sld>
+</file>
+
+<file path=ppt/slides/slide7.xml><?xml version="1.0" encoding="utf-8"?>
+<p:sld xmlns:a="http://schemas.openxmlformats.org/drawingml/2006/main" xmlns:r="http://schemas.openxmlformats.org/officeDocument/2006/relationships" xmlns:p="http://schemas.openxmlformats.org/presentationml/2006/main">
+  <p:cSld>
+    <p:spTree>
+      <p:nvGrpSpPr>
+        <p:cNvPr id="1" name=""/>
+        <p:cNvGrpSpPr/>
+        <p:nvPr/>
+      </p:nvGrpSpPr>
+      <p:grpSpPr>
+        <a:xfrm>
+          <a:off x="0" y="0"/>
+          <a:ext cx="0" cy="0"/>
+          <a:chOff x="0" y="0"/>
+          <a:chExt cx="0" cy="0"/>
+        </a:xfrm>
+      </p:grpSpPr>
+      <p:sp>
+        <p:nvSpPr>
+          <p:cNvPr id="2" name="タイトル 1">
+            <a:extLst>
+              <a:ext uri="{FF2B5EF4-FFF2-40B4-BE49-F238E27FC236}">
+                <a16:creationId xmlns:a16="http://schemas.microsoft.com/office/drawing/2014/main" id="{AE4FD9F2-08A4-A40D-CB3D-E959F1C63886}"/>
+              </a:ext>
+            </a:extLst>
+          </p:cNvPr>
+          <p:cNvSpPr>
+            <a:spLocks noGrp="1"/>
+          </p:cNvSpPr>
+          <p:nvPr>
+            <p:ph type="title"/>
+          </p:nvPr>
+        </p:nvSpPr>
+        <p:spPr/>
+        <p:txBody>
+          <a:bodyPr/>
+          <a:lstStyle/>
+          <a:p>
+            <a:r>
+              <a:rPr kumimoji="1" lang="ja-JP" altLang="en-US" dirty="0"/>
+              <a:t>解説</a:t>
+            </a:r>
+          </a:p>
+        </p:txBody>
+      </p:sp>
+      <p:sp>
+        <p:nvSpPr>
+          <p:cNvPr id="3" name="コンテンツ プレースホルダー 2">
+            <a:extLst>
+              <a:ext uri="{FF2B5EF4-FFF2-40B4-BE49-F238E27FC236}">
+                <a16:creationId xmlns:a16="http://schemas.microsoft.com/office/drawing/2014/main" id="{C01140E3-C5A0-7090-A2DA-76CA4B573C18}"/>
+              </a:ext>
+            </a:extLst>
+          </p:cNvPr>
+          <p:cNvSpPr>
+            <a:spLocks noGrp="1"/>
+          </p:cNvSpPr>
+          <p:nvPr>
+            <p:ph idx="1"/>
+          </p:nvPr>
+        </p:nvSpPr>
+        <p:spPr/>
+        <p:txBody>
+          <a:bodyPr/>
+          <a:lstStyle/>
+          <a:p>
+            <a:pPr marL="0" indent="0">
+              <a:buNone/>
+            </a:pPr>
+            <a:r>
+              <a:rPr kumimoji="1" lang="ja-JP" altLang="en-US" dirty="0"/>
+              <a:t>実演する</a:t>
+            </a:r>
+          </a:p>
+        </p:txBody>
+      </p:sp>
+    </p:spTree>
+    <p:extLst>
+      <p:ext uri="{BB962C8B-B14F-4D97-AF65-F5344CB8AC3E}">
+        <p14:creationId xmlns:p14="http://schemas.microsoft.com/office/powerpoint/2010/main" val="3728593724"/>
+      </p:ext>
+    </p:extLst>
+  </p:cSld>
+  <p:clrMapOvr>
+    <a:masterClrMapping/>
+  </p:clrMapOvr>
+</p:sld>
+</file>
+
+<file path=ppt/slides/slide8.xml><?xml version="1.0" encoding="utf-8"?>
+<p:sld xmlns:a="http://schemas.openxmlformats.org/drawingml/2006/main" xmlns:r="http://schemas.openxmlformats.org/officeDocument/2006/relationships" xmlns:p="http://schemas.openxmlformats.org/presentationml/2006/main">
+  <p:cSld>
+    <p:spTree>
+      <p:nvGrpSpPr>
+        <p:cNvPr id="1" name=""/>
+        <p:cNvGrpSpPr/>
+        <p:nvPr/>
+      </p:nvGrpSpPr>
+      <p:grpSpPr>
+        <a:xfrm>
+          <a:off x="0" y="0"/>
+          <a:ext cx="0" cy="0"/>
+          <a:chOff x="0" y="0"/>
+          <a:chExt cx="0" cy="0"/>
+        </a:xfrm>
+      </p:grpSpPr>
+      <p:sp>
+        <p:nvSpPr>
+          <p:cNvPr id="2" name="タイトル 1">
+            <a:extLst>
+              <a:ext uri="{FF2B5EF4-FFF2-40B4-BE49-F238E27FC236}">
+                <a16:creationId xmlns:a16="http://schemas.microsoft.com/office/drawing/2014/main" id="{D67C207A-8AEA-0BC0-CC84-3C0B35202EB9}"/>
+              </a:ext>
+            </a:extLst>
+          </p:cNvPr>
+          <p:cNvSpPr>
+            <a:spLocks noGrp="1"/>
+          </p:cNvSpPr>
+          <p:nvPr>
+            <p:ph type="title"/>
+          </p:nvPr>
+        </p:nvSpPr>
+        <p:spPr/>
+        <p:txBody>
+          <a:bodyPr/>
+          <a:lstStyle/>
+          <a:p>
+            <a:r>
+              <a:rPr kumimoji="1" lang="ja-JP" altLang="en-US" dirty="0"/>
+              <a:t>最後に</a:t>
+            </a:r>
+          </a:p>
+        </p:txBody>
+      </p:sp>
+      <p:sp>
+        <p:nvSpPr>
+          <p:cNvPr id="3" name="コンテンツ プレースホルダー 2">
+            <a:extLst>
+              <a:ext uri="{FF2B5EF4-FFF2-40B4-BE49-F238E27FC236}">
+                <a16:creationId xmlns:a16="http://schemas.microsoft.com/office/drawing/2014/main" id="{B0748512-91CE-3884-0495-8E10BC8BA8AF}"/>
+              </a:ext>
+            </a:extLst>
+          </p:cNvPr>
+          <p:cNvSpPr>
+            <a:spLocks noGrp="1"/>
+          </p:cNvSpPr>
+          <p:nvPr>
+            <p:ph idx="1"/>
+          </p:nvPr>
+        </p:nvSpPr>
+        <p:spPr/>
+        <p:txBody>
+          <a:bodyPr/>
+          <a:lstStyle/>
+          <a:p>
+            <a:pPr marL="0" indent="0">
+              <a:buNone/>
+            </a:pPr>
+            <a:r>
+              <a:rPr kumimoji="1" lang="ja-JP" altLang="en-US" dirty="0"/>
+              <a:t>これを機に</a:t>
+            </a:r>
+            <a:r>
+              <a:rPr lang="en-US" altLang="ja-JP" dirty="0"/>
+              <a:t>CTF</a:t>
+            </a:r>
+            <a:r>
+              <a:rPr lang="ja-JP" altLang="en-US" dirty="0"/>
+              <a:t>に挑戦する人が増えるとすごく嬉しいです</a:t>
+            </a:r>
+            <a:endParaRPr lang="en-US" altLang="ja-JP" dirty="0"/>
+          </a:p>
+          <a:p>
+            <a:pPr marL="0" indent="0">
+              <a:buNone/>
+            </a:pPr>
+            <a:endParaRPr kumimoji="1" lang="en-US" altLang="ja-JP" dirty="0"/>
+          </a:p>
+          <a:p>
+            <a:pPr marL="0" indent="0">
+              <a:buNone/>
+            </a:pPr>
+            <a:r>
+              <a:rPr lang="ja-JP" altLang="en-US" dirty="0"/>
+              <a:t>興味を持ってくれた方はまずは初心者向けで常設の「</a:t>
+            </a:r>
+            <a:r>
+              <a:rPr lang="en-US" altLang="ja-JP" dirty="0" err="1"/>
+              <a:t>CpawCTF</a:t>
+            </a:r>
+            <a:r>
+              <a:rPr lang="ja-JP" altLang="en-US" dirty="0"/>
+              <a:t>」「</a:t>
+            </a:r>
+            <a:r>
+              <a:rPr lang="en-US" altLang="ja-JP" dirty="0" err="1"/>
+              <a:t>picoCTF</a:t>
+            </a:r>
+            <a:r>
+              <a:rPr lang="ja-JP" altLang="en-US" dirty="0"/>
+              <a:t>」がおすすめ</a:t>
+            </a:r>
+            <a:endParaRPr lang="en-US" altLang="ja-JP" dirty="0"/>
+          </a:p>
+          <a:p>
+            <a:pPr marL="0" indent="0">
+              <a:buNone/>
+            </a:pPr>
+            <a:endParaRPr lang="en-US" altLang="ja-JP" dirty="0"/>
+          </a:p>
+          <a:p>
+            <a:pPr marL="0" indent="0">
+              <a:buNone/>
+            </a:pPr>
+            <a:r>
+              <a:rPr lang="en-US" altLang="ja-JP" dirty="0"/>
+              <a:t>6/4~5</a:t>
+            </a:r>
+            <a:r>
+              <a:rPr lang="ja-JP" altLang="en-US" dirty="0"/>
+              <a:t>に初心者向け</a:t>
+            </a:r>
+            <a:r>
+              <a:rPr lang="en-US" altLang="ja-JP" dirty="0"/>
+              <a:t>CTF</a:t>
+            </a:r>
+            <a:r>
+              <a:rPr lang="ja-JP" altLang="en-US" dirty="0"/>
+              <a:t>「</a:t>
+            </a:r>
+            <a:r>
+              <a:rPr lang="en-US" altLang="ja-JP" dirty="0"/>
+              <a:t>SECCON for Beginners</a:t>
+            </a:r>
+            <a:r>
+              <a:rPr lang="ja-JP" altLang="en-US" dirty="0"/>
+              <a:t>」があります</a:t>
+            </a:r>
+            <a:endParaRPr lang="en-US" altLang="ja-JP" dirty="0"/>
+          </a:p>
+          <a:p>
+            <a:pPr marL="0" indent="0">
+              <a:buNone/>
+            </a:pPr>
+            <a:r>
+              <a:rPr lang="en-US" altLang="ja-JP" dirty="0"/>
+              <a:t>(</a:t>
+            </a:r>
+            <a:r>
+              <a:rPr lang="ja-JP" altLang="en-US" dirty="0"/>
+              <a:t>チームメンバーも募集しています</a:t>
+            </a:r>
+            <a:r>
+              <a:rPr lang="en-US" altLang="ja-JP" dirty="0"/>
+              <a:t>)</a:t>
+            </a:r>
+          </a:p>
+          <a:p>
+            <a:pPr marL="0" indent="0">
+              <a:buNone/>
+            </a:pPr>
+            <a:endParaRPr kumimoji="1" lang="en-US" altLang="ja-JP" dirty="0"/>
+          </a:p>
+          <a:p>
+            <a:pPr marL="0" indent="0">
+              <a:buNone/>
+            </a:pPr>
+            <a:endParaRPr kumimoji="1" lang="ja-JP" altLang="en-US" dirty="0"/>
+          </a:p>
+        </p:txBody>
+      </p:sp>
+      <p:pic>
+        <p:nvPicPr>
+          <p:cNvPr id="5" name="図 4">
+            <a:extLst>
+              <a:ext uri="{FF2B5EF4-FFF2-40B4-BE49-F238E27FC236}">
+                <a16:creationId xmlns:a16="http://schemas.microsoft.com/office/drawing/2014/main" id="{B766504D-7C19-BD18-6D64-1D35DCF77E69}"/>
+              </a:ext>
+            </a:extLst>
+          </p:cNvPr>
+          <p:cNvPicPr>
+            <a:picLocks noChangeAspect="1"/>
+          </p:cNvPicPr>
           <p:nvPr/>
-        </p:nvSpPr>
+        </p:nvPicPr>
+        <p:blipFill>
+          <a:blip r:embed="rId2"/>
+          <a:stretch>
+            <a:fillRect/>
+          </a:stretch>
+        </p:blipFill>
         <p:spPr>
-          <a:xfrm flipH="1">
-            <a:off x="1401554" y="2309648"/>
-            <a:ext cx="5243612" cy="646331"/>
+          <a:xfrm>
+            <a:off x="7245123" y="5092700"/>
+            <a:ext cx="3629025" cy="1219200"/>
           </a:xfrm>
           <a:prstGeom prst="rect">
             <a:avLst/>
           </a:prstGeom>
-          <a:noFill/>
         </p:spPr>
-        <p:txBody>
-          <a:bodyPr wrap="square" rtlCol="0">
-            <a:spAutoFit/>
-          </a:bodyPr>
-          <a:lstStyle/>
-          <a:p>
-            <a:r>
-              <a:rPr lang="ja-JP" altLang="en-US" dirty="0"/>
-              <a:t>あああああああああああああああああああああああああああああ</a:t>
-            </a:r>
-            <a:endParaRPr kumimoji="1" lang="ja-JP" altLang="en-US" dirty="0"/>
-          </a:p>
-        </p:txBody>
-      </p:sp>
+      </p:pic>
     </p:spTree>
     <p:extLst>
       <p:ext uri="{BB962C8B-B14F-4D97-AF65-F5344CB8AC3E}">
-        <p14:creationId xmlns:p14="http://schemas.microsoft.com/office/powerpoint/2010/main" val="521621771"/>
+        <p14:creationId xmlns:p14="http://schemas.microsoft.com/office/powerpoint/2010/main" val="4034882179"/>
       </p:ext>
     </p:extLst>
   </p:cSld>

--- a/ゼミ発表資料/ctf発表スライド.pptx
+++ b/ゼミ発表資料/ctf発表スライド.pptx
@@ -5,7 +5,7 @@
     <p:sldMasterId id="2147483684" r:id="rId1"/>
   </p:sldMasterIdLst>
   <p:notesMasterIdLst>
-    <p:notesMasterId r:id="rId10"/>
+    <p:notesMasterId r:id="rId11"/>
   </p:notesMasterIdLst>
   <p:sldIdLst>
     <p:sldId id="256" r:id="rId2"/>
@@ -15,7 +15,8 @@
     <p:sldId id="260" r:id="rId6"/>
     <p:sldId id="261" r:id="rId7"/>
     <p:sldId id="262" r:id="rId8"/>
-    <p:sldId id="263" r:id="rId9"/>
+    <p:sldId id="264" r:id="rId9"/>
+    <p:sldId id="263" r:id="rId10"/>
   </p:sldIdLst>
   <p:sldSz cx="12192000" cy="6858000"/>
   <p:notesSz cx="6858000" cy="9144000"/>
@@ -635,12 +636,8 @@
           <a:lstStyle/>
           <a:p>
             <a:r>
-              <a:rPr kumimoji="1" lang="en-US" altLang="ja-JP" dirty="0" err="1"/>
-              <a:t>exif</a:t>
-            </a:r>
-            <a:r>
               <a:rPr kumimoji="1" lang="ja-JP" altLang="en-US" dirty="0"/>
-              <a:t>の問題</a:t>
+              <a:t>ログイン突破問題</a:t>
             </a:r>
           </a:p>
         </p:txBody>
@@ -6082,10 +6079,10 @@
       </p:sp>
       <p:sp>
         <p:nvSpPr>
-          <p:cNvPr id="4" name="テキスト ボックス 3">
-            <a:extLst>
-              <a:ext uri="{FF2B5EF4-FFF2-40B4-BE49-F238E27FC236}">
-                <a16:creationId xmlns:a16="http://schemas.microsoft.com/office/drawing/2014/main" id="{5BEEE83F-644D-7864-8C7E-2C1FB761009A}"/>
+          <p:cNvPr id="3" name="テキスト ボックス 2">
+            <a:extLst>
+              <a:ext uri="{FF2B5EF4-FFF2-40B4-BE49-F238E27FC236}">
+                <a16:creationId xmlns:a16="http://schemas.microsoft.com/office/drawing/2014/main" id="{17D25B36-D118-A3E6-55D4-230E5E191946}"/>
               </a:ext>
             </a:extLst>
           </p:cNvPr>
@@ -6094,8 +6091,8 @@
         </p:nvSpPr>
         <p:spPr>
           <a:xfrm>
-            <a:off x="7993776" y="1027906"/>
-            <a:ext cx="3706464" cy="369332"/>
+            <a:off x="7310561" y="6226910"/>
+            <a:ext cx="2640466" cy="369332"/>
           </a:xfrm>
           <a:prstGeom prst="rect">
             <a:avLst/>
@@ -6109,28 +6106,50 @@
           <a:lstStyle/>
           <a:p>
             <a:r>
+              <a:rPr kumimoji="1" lang="en-US" altLang="ja-JP" dirty="0" err="1"/>
+              <a:t>picoCTF</a:t>
+            </a:r>
+            <a:r>
+              <a:rPr kumimoji="1" lang="en-US" altLang="ja-JP" dirty="0"/>
+              <a:t> login </a:t>
+            </a:r>
+            <a:r>
               <a:rPr kumimoji="1" lang="ja-JP" altLang="en-US" dirty="0"/>
-              <a:t>答えの形式は</a:t>
-            </a:r>
-            <a:r>
-              <a:rPr kumimoji="1" lang="en-US" altLang="ja-JP" dirty="0"/>
-              <a:t>Flag{“</a:t>
-            </a:r>
-            <a:r>
-              <a:rPr kumimoji="1" lang="en-US" altLang="ja-JP" dirty="0" err="1"/>
-              <a:t>abc</a:t>
-            </a:r>
-            <a:r>
-              <a:rPr kumimoji="1" lang="en-US" altLang="ja-JP" dirty="0"/>
-              <a:t>…”}</a:t>
-            </a:r>
-            <a:r>
-              <a:rPr kumimoji="1" lang="ja-JP" altLang="en-US" dirty="0"/>
-              <a:t>とする</a:t>
-            </a:r>
-          </a:p>
-        </p:txBody>
-      </p:sp>
+              <a:t>より参照</a:t>
+            </a:r>
+          </a:p>
+        </p:txBody>
+      </p:sp>
+      <p:pic>
+        <p:nvPicPr>
+          <p:cNvPr id="6" name="図 5">
+            <a:extLst>
+              <a:ext uri="{FF2B5EF4-FFF2-40B4-BE49-F238E27FC236}">
+                <a16:creationId xmlns:a16="http://schemas.microsoft.com/office/drawing/2014/main" id="{443F3CDB-5279-6179-9FE7-B7D53FE762FB}"/>
+              </a:ext>
+            </a:extLst>
+          </p:cNvPr>
+          <p:cNvPicPr>
+            <a:picLocks noChangeAspect="1"/>
+          </p:cNvPicPr>
+          <p:nvPr/>
+        </p:nvPicPr>
+        <p:blipFill>
+          <a:blip r:embed="rId3"/>
+          <a:stretch>
+            <a:fillRect/>
+          </a:stretch>
+        </p:blipFill>
+        <p:spPr>
+          <a:xfrm>
+            <a:off x="2334869" y="1343772"/>
+            <a:ext cx="7522262" cy="4779771"/>
+          </a:xfrm>
+          <a:prstGeom prst="rect">
+            <a:avLst/>
+          </a:prstGeom>
+        </p:spPr>
+      </p:pic>
     </p:spTree>
     <p:extLst>
       <p:ext uri="{BB962C8B-B14F-4D97-AF65-F5344CB8AC3E}">
@@ -6338,40 +6357,54 @@
           <a:lstStyle/>
           <a:p>
             <a:r>
+              <a:rPr lang="en-US" altLang="ja-JP" dirty="0"/>
+              <a:t>Writeup(</a:t>
+            </a:r>
+            <a:r>
+              <a:rPr lang="ja-JP" altLang="en-US" dirty="0"/>
+              <a:t>解説</a:t>
+            </a:r>
+            <a:r>
+              <a:rPr lang="en-US" altLang="ja-JP" dirty="0"/>
+              <a:t>)</a:t>
+            </a:r>
+            <a:endParaRPr kumimoji="1" lang="ja-JP" altLang="en-US" dirty="0"/>
+          </a:p>
+        </p:txBody>
+      </p:sp>
+      <p:sp>
+        <p:nvSpPr>
+          <p:cNvPr id="3" name="コンテンツ プレースホルダー 2">
+            <a:extLst>
+              <a:ext uri="{FF2B5EF4-FFF2-40B4-BE49-F238E27FC236}">
+                <a16:creationId xmlns:a16="http://schemas.microsoft.com/office/drawing/2014/main" id="{C01140E3-C5A0-7090-A2DA-76CA4B573C18}"/>
+              </a:ext>
+            </a:extLst>
+          </p:cNvPr>
+          <p:cNvSpPr>
+            <a:spLocks noGrp="1"/>
+          </p:cNvSpPr>
+          <p:nvPr>
+            <p:ph idx="1"/>
+          </p:nvPr>
+        </p:nvSpPr>
+        <p:spPr/>
+        <p:txBody>
+          <a:bodyPr/>
+          <a:lstStyle/>
+          <a:p>
+            <a:pPr marL="0" indent="0">
+              <a:buNone/>
+            </a:pPr>
+            <a:r>
               <a:rPr kumimoji="1" lang="ja-JP" altLang="en-US" dirty="0"/>
-              <a:t>解説</a:t>
-            </a:r>
-          </a:p>
-        </p:txBody>
-      </p:sp>
-      <p:sp>
-        <p:nvSpPr>
-          <p:cNvPr id="3" name="コンテンツ プレースホルダー 2">
-            <a:extLst>
-              <a:ext uri="{FF2B5EF4-FFF2-40B4-BE49-F238E27FC236}">
-                <a16:creationId xmlns:a16="http://schemas.microsoft.com/office/drawing/2014/main" id="{C01140E3-C5A0-7090-A2DA-76CA4B573C18}"/>
-              </a:ext>
-            </a:extLst>
-          </p:cNvPr>
-          <p:cNvSpPr>
-            <a:spLocks noGrp="1"/>
-          </p:cNvSpPr>
-          <p:nvPr>
-            <p:ph idx="1"/>
-          </p:nvPr>
-        </p:nvSpPr>
-        <p:spPr/>
-        <p:txBody>
-          <a:bodyPr/>
-          <a:lstStyle/>
-          <a:p>
-            <a:pPr marL="0" indent="0">
-              <a:buNone/>
-            </a:pPr>
-            <a:r>
-              <a:rPr kumimoji="1" lang="ja-JP" altLang="en-US" dirty="0"/>
-              <a:t>実演する</a:t>
-            </a:r>
+              <a:t>実演</a:t>
+            </a:r>
+            <a:r>
+              <a:rPr lang="ja-JP" altLang="en-US" dirty="0"/>
+              <a:t>＆ときどきスライド解説</a:t>
+            </a:r>
+            <a:endParaRPr kumimoji="1" lang="ja-JP" altLang="en-US" dirty="0"/>
           </a:p>
         </p:txBody>
       </p:sp>
@@ -6410,6 +6443,133 @@
           <p:cNvPr id="2" name="タイトル 1">
             <a:extLst>
               <a:ext uri="{FF2B5EF4-FFF2-40B4-BE49-F238E27FC236}">
+                <a16:creationId xmlns:a16="http://schemas.microsoft.com/office/drawing/2014/main" id="{F7DB0029-E0AA-FDB3-DAC0-2A14F4E8DB49}"/>
+              </a:ext>
+            </a:extLst>
+          </p:cNvPr>
+          <p:cNvSpPr>
+            <a:spLocks noGrp="1"/>
+          </p:cNvSpPr>
+          <p:nvPr>
+            <p:ph type="title"/>
+          </p:nvPr>
+        </p:nvSpPr>
+        <p:spPr/>
+        <p:txBody>
+          <a:bodyPr/>
+          <a:lstStyle/>
+          <a:p>
+            <a:r>
+              <a:rPr kumimoji="1" lang="en-US" altLang="ja-JP" dirty="0"/>
+              <a:t>Flag</a:t>
+            </a:r>
+            <a:endParaRPr kumimoji="1" lang="ja-JP" altLang="en-US" dirty="0"/>
+          </a:p>
+        </p:txBody>
+      </p:sp>
+      <p:sp>
+        <p:nvSpPr>
+          <p:cNvPr id="3" name="コンテンツ プレースホルダー 2">
+            <a:extLst>
+              <a:ext uri="{FF2B5EF4-FFF2-40B4-BE49-F238E27FC236}">
+                <a16:creationId xmlns:a16="http://schemas.microsoft.com/office/drawing/2014/main" id="{5130A3E4-F8FA-A3B8-2D9D-F2DD174DA5C1}"/>
+              </a:ext>
+            </a:extLst>
+          </p:cNvPr>
+          <p:cNvSpPr>
+            <a:spLocks noGrp="1"/>
+          </p:cNvSpPr>
+          <p:nvPr>
+            <p:ph idx="1"/>
+          </p:nvPr>
+        </p:nvSpPr>
+        <p:spPr/>
+        <p:txBody>
+          <a:bodyPr/>
+          <a:lstStyle/>
+          <a:p>
+            <a:pPr marL="0" indent="0">
+              <a:buNone/>
+            </a:pPr>
+            <a:r>
+              <a:rPr kumimoji="1" lang="en-US" altLang="ja-JP" dirty="0"/>
+              <a:t>Q1. </a:t>
+            </a:r>
+          </a:p>
+          <a:p>
+            <a:pPr marL="0" indent="0">
+              <a:buNone/>
+            </a:pPr>
+            <a:r>
+              <a:rPr lang="en-US" altLang="ja-JP" dirty="0"/>
+              <a:t>Q2. </a:t>
+            </a:r>
+          </a:p>
+          <a:p>
+            <a:pPr marL="0" indent="0">
+              <a:buNone/>
+            </a:pPr>
+            <a:r>
+              <a:rPr kumimoji="1" lang="en-US" altLang="ja-JP" dirty="0"/>
+              <a:t>Q3. </a:t>
+            </a:r>
+          </a:p>
+          <a:p>
+            <a:pPr marL="0" indent="0">
+              <a:buNone/>
+            </a:pPr>
+            <a:r>
+              <a:rPr lang="en-US" altLang="ja-JP" dirty="0"/>
+              <a:t>Q4. </a:t>
+            </a:r>
+          </a:p>
+          <a:p>
+            <a:pPr marL="0" indent="0">
+              <a:buNone/>
+            </a:pPr>
+            <a:r>
+              <a:rPr kumimoji="1" lang="en-US" altLang="ja-JP" dirty="0"/>
+              <a:t>Q5.</a:t>
+            </a:r>
+            <a:endParaRPr kumimoji="1" lang="ja-JP" altLang="en-US" dirty="0"/>
+          </a:p>
+        </p:txBody>
+      </p:sp>
+    </p:spTree>
+    <p:extLst>
+      <p:ext uri="{BB962C8B-B14F-4D97-AF65-F5344CB8AC3E}">
+        <p14:creationId xmlns:p14="http://schemas.microsoft.com/office/powerpoint/2010/main" val="699692842"/>
+      </p:ext>
+    </p:extLst>
+  </p:cSld>
+  <p:clrMapOvr>
+    <a:masterClrMapping/>
+  </p:clrMapOvr>
+</p:sld>
+</file>
+
+<file path=ppt/slides/slide9.xml><?xml version="1.0" encoding="utf-8"?>
+<p:sld xmlns:a="http://schemas.openxmlformats.org/drawingml/2006/main" xmlns:r="http://schemas.openxmlformats.org/officeDocument/2006/relationships" xmlns:p="http://schemas.openxmlformats.org/presentationml/2006/main">
+  <p:cSld>
+    <p:spTree>
+      <p:nvGrpSpPr>
+        <p:cNvPr id="1" name=""/>
+        <p:cNvGrpSpPr/>
+        <p:nvPr/>
+      </p:nvGrpSpPr>
+      <p:grpSpPr>
+        <a:xfrm>
+          <a:off x="0" y="0"/>
+          <a:ext cx="0" cy="0"/>
+          <a:chOff x="0" y="0"/>
+          <a:chExt cx="0" cy="0"/>
+        </a:xfrm>
+      </p:grpSpPr>
+      <p:sp>
+        <p:nvSpPr>
+          <p:cNvPr id="2" name="タイトル 1">
+            <a:extLst>
+              <a:ext uri="{FF2B5EF4-FFF2-40B4-BE49-F238E27FC236}">
                 <a16:creationId xmlns:a16="http://schemas.microsoft.com/office/drawing/2014/main" id="{D67C207A-8AEA-0BC0-CC84-3C0B35202EB9}"/>
               </a:ext>
             </a:extLst>
@@ -6449,7 +6609,12 @@
             <p:ph idx="1"/>
           </p:nvPr>
         </p:nvSpPr>
-        <p:spPr/>
+        <p:spPr>
+          <a:xfrm>
+            <a:off x="838200" y="1857423"/>
+            <a:ext cx="10515600" cy="4351338"/>
+          </a:xfrm>
+        </p:spPr>
         <p:txBody>
           <a:bodyPr/>
           <a:lstStyle/>
@@ -6544,17 +6709,10 @@
               <a:buNone/>
             </a:pPr>
             <a:r>
-              <a:rPr lang="en-US" altLang="ja-JP" dirty="0"/>
-              <a:t>(</a:t>
-            </a:r>
-            <a:r>
               <a:rPr lang="ja-JP" altLang="en-US" dirty="0"/>
               <a:t>チームメンバーも募集しています</a:t>
             </a:r>
-            <a:r>
-              <a:rPr lang="en-US" altLang="ja-JP" dirty="0"/>
-              <a:t>)</a:t>
-            </a:r>
+            <a:endParaRPr lang="en-US" altLang="ja-JP" dirty="0"/>
           </a:p>
           <a:p>
             <a:pPr marL="0" indent="0">
@@ -6592,7 +6750,7 @@
         </p:blipFill>
         <p:spPr>
           <a:xfrm>
-            <a:off x="7245123" y="5092700"/>
+            <a:off x="7245123" y="5124498"/>
             <a:ext cx="3629025" cy="1219200"/>
           </a:xfrm>
           <a:prstGeom prst="rect">

--- a/ゼミ発表資料/ctf発表スライド.pptx
+++ b/ゼミ発表資料/ctf発表スライド.pptx
@@ -5,7 +5,7 @@
     <p:sldMasterId id="2147483684" r:id="rId1"/>
   </p:sldMasterIdLst>
   <p:notesMasterIdLst>
-    <p:notesMasterId r:id="rId11"/>
+    <p:notesMasterId r:id="rId16"/>
   </p:notesMasterIdLst>
   <p:sldIdLst>
     <p:sldId id="256" r:id="rId2"/>
@@ -14,9 +14,14 @@
     <p:sldId id="259" r:id="rId5"/>
     <p:sldId id="260" r:id="rId6"/>
     <p:sldId id="261" r:id="rId7"/>
-    <p:sldId id="262" r:id="rId8"/>
-    <p:sldId id="264" r:id="rId9"/>
-    <p:sldId id="263" r:id="rId10"/>
+    <p:sldId id="270" r:id="rId8"/>
+    <p:sldId id="262" r:id="rId9"/>
+    <p:sldId id="266" r:id="rId10"/>
+    <p:sldId id="267" r:id="rId11"/>
+    <p:sldId id="268" r:id="rId12"/>
+    <p:sldId id="269" r:id="rId13"/>
+    <p:sldId id="264" r:id="rId14"/>
+    <p:sldId id="263" r:id="rId15"/>
   </p:sldIdLst>
   <p:sldSz cx="12192000" cy="6858000"/>
   <p:notesSz cx="6858000" cy="9144000"/>
@@ -205,7 +210,7 @@
           <a:p>
             <a:fld id="{87BA2735-DF19-4C03-AFD3-1329772BF7FF}" type="datetimeFigureOut">
               <a:rPr kumimoji="1" lang="ja-JP" altLang="en-US" smtClean="0"/>
-              <a:t>2022/5/21</a:t>
+              <a:t>2022/5/22</a:t>
             </a:fld>
             <a:endParaRPr kumimoji="1" lang="ja-JP" altLang="en-US"/>
           </a:p>
@@ -635,10 +640,7 @@
           <a:bodyPr/>
           <a:lstStyle/>
           <a:p>
-            <a:r>
-              <a:rPr kumimoji="1" lang="ja-JP" altLang="en-US" dirty="0"/>
-              <a:t>ログイン突破問題</a:t>
-            </a:r>
+            <a:endParaRPr kumimoji="1" lang="ja-JP" altLang="en-US" dirty="0"/>
           </a:p>
         </p:txBody>
       </p:sp>
@@ -730,7 +732,15 @@
           <a:p>
             <a:r>
               <a:rPr kumimoji="1" lang="ja-JP" altLang="en-US" dirty="0"/>
-              <a:t>解いている間に開設の準備</a:t>
+              <a:t>解いている間に</a:t>
+            </a:r>
+            <a:r>
+              <a:rPr kumimoji="1" lang="en-US" altLang="ja-JP" dirty="0"/>
+              <a:t>writeup</a:t>
+            </a:r>
+            <a:r>
+              <a:rPr kumimoji="1" lang="ja-JP" altLang="en-US" dirty="0"/>
+              <a:t>の準備</a:t>
             </a:r>
             <a:endParaRPr kumimoji="1" lang="en-US" altLang="ja-JP" dirty="0"/>
           </a:p>
@@ -856,7 +866,7 @@
           <a:p>
             <a:fld id="{E7386CD3-D5E2-405B-BA6B-1EA98FC51146}" type="slidenum">
               <a:rPr kumimoji="1" lang="ja-JP" altLang="en-US" smtClean="0"/>
-              <a:t>7</a:t>
+              <a:t>8</a:t>
             </a:fld>
             <a:endParaRPr kumimoji="1" lang="ja-JP" altLang="en-US"/>
           </a:p>
@@ -866,6 +876,342 @@
     <p:extLst>
       <p:ext uri="{BB962C8B-B14F-4D97-AF65-F5344CB8AC3E}">
         <p14:creationId xmlns:p14="http://schemas.microsoft.com/office/powerpoint/2010/main" val="4089441026"/>
+      </p:ext>
+    </p:extLst>
+  </p:cSld>
+  <p:clrMapOvr>
+    <a:masterClrMapping/>
+  </p:clrMapOvr>
+</p:notes>
+</file>
+
+<file path=ppt/notesSlides/notesSlide5.xml><?xml version="1.0" encoding="utf-8"?>
+<p:notes xmlns:a="http://schemas.openxmlformats.org/drawingml/2006/main" xmlns:r="http://schemas.openxmlformats.org/officeDocument/2006/relationships" xmlns:p="http://schemas.openxmlformats.org/presentationml/2006/main">
+  <p:cSld>
+    <p:spTree>
+      <p:nvGrpSpPr>
+        <p:cNvPr id="1" name=""/>
+        <p:cNvGrpSpPr/>
+        <p:nvPr/>
+      </p:nvGrpSpPr>
+      <p:grpSpPr>
+        <a:xfrm>
+          <a:off x="0" y="0"/>
+          <a:ext cx="0" cy="0"/>
+          <a:chOff x="0" y="0"/>
+          <a:chExt cx="0" cy="0"/>
+        </a:xfrm>
+      </p:grpSpPr>
+      <p:sp>
+        <p:nvSpPr>
+          <p:cNvPr id="2" name="スライド イメージ プレースホルダー 1"/>
+          <p:cNvSpPr>
+            <a:spLocks noGrp="1" noRot="1" noChangeAspect="1"/>
+          </p:cNvSpPr>
+          <p:nvPr>
+            <p:ph type="sldImg"/>
+          </p:nvPr>
+        </p:nvSpPr>
+        <p:spPr/>
+      </p:sp>
+      <p:sp>
+        <p:nvSpPr>
+          <p:cNvPr id="3" name="ノート プレースホルダー 2"/>
+          <p:cNvSpPr>
+            <a:spLocks noGrp="1"/>
+          </p:cNvSpPr>
+          <p:nvPr>
+            <p:ph type="body" idx="1"/>
+          </p:nvPr>
+        </p:nvSpPr>
+        <p:spPr/>
+        <p:txBody>
+          <a:bodyPr/>
+          <a:lstStyle/>
+          <a:p>
+            <a:endParaRPr kumimoji="1" lang="ja-JP" altLang="en-US" dirty="0"/>
+          </a:p>
+        </p:txBody>
+      </p:sp>
+      <p:sp>
+        <p:nvSpPr>
+          <p:cNvPr id="4" name="スライド番号プレースホルダー 3"/>
+          <p:cNvSpPr>
+            <a:spLocks noGrp="1"/>
+          </p:cNvSpPr>
+          <p:nvPr>
+            <p:ph type="sldNum" sz="quarter" idx="5"/>
+          </p:nvPr>
+        </p:nvSpPr>
+        <p:spPr/>
+        <p:txBody>
+          <a:bodyPr/>
+          <a:lstStyle/>
+          <a:p>
+            <a:fld id="{E7386CD3-D5E2-405B-BA6B-1EA98FC51146}" type="slidenum">
+              <a:rPr kumimoji="1" lang="ja-JP" altLang="en-US" smtClean="0"/>
+              <a:t>9</a:t>
+            </a:fld>
+            <a:endParaRPr kumimoji="1" lang="ja-JP" altLang="en-US"/>
+          </a:p>
+        </p:txBody>
+      </p:sp>
+    </p:spTree>
+    <p:extLst>
+      <p:ext uri="{BB962C8B-B14F-4D97-AF65-F5344CB8AC3E}">
+        <p14:creationId xmlns:p14="http://schemas.microsoft.com/office/powerpoint/2010/main" val="798620530"/>
+      </p:ext>
+    </p:extLst>
+  </p:cSld>
+  <p:clrMapOvr>
+    <a:masterClrMapping/>
+  </p:clrMapOvr>
+</p:notes>
+</file>
+
+<file path=ppt/notesSlides/notesSlide6.xml><?xml version="1.0" encoding="utf-8"?>
+<p:notes xmlns:a="http://schemas.openxmlformats.org/drawingml/2006/main" xmlns:r="http://schemas.openxmlformats.org/officeDocument/2006/relationships" xmlns:p="http://schemas.openxmlformats.org/presentationml/2006/main">
+  <p:cSld>
+    <p:spTree>
+      <p:nvGrpSpPr>
+        <p:cNvPr id="1" name=""/>
+        <p:cNvGrpSpPr/>
+        <p:nvPr/>
+      </p:nvGrpSpPr>
+      <p:grpSpPr>
+        <a:xfrm>
+          <a:off x="0" y="0"/>
+          <a:ext cx="0" cy="0"/>
+          <a:chOff x="0" y="0"/>
+          <a:chExt cx="0" cy="0"/>
+        </a:xfrm>
+      </p:grpSpPr>
+      <p:sp>
+        <p:nvSpPr>
+          <p:cNvPr id="2" name="スライド イメージ プレースホルダー 1"/>
+          <p:cNvSpPr>
+            <a:spLocks noGrp="1" noRot="1" noChangeAspect="1"/>
+          </p:cNvSpPr>
+          <p:nvPr>
+            <p:ph type="sldImg"/>
+          </p:nvPr>
+        </p:nvSpPr>
+        <p:spPr/>
+      </p:sp>
+      <p:sp>
+        <p:nvSpPr>
+          <p:cNvPr id="3" name="ノート プレースホルダー 2"/>
+          <p:cNvSpPr>
+            <a:spLocks noGrp="1"/>
+          </p:cNvSpPr>
+          <p:nvPr>
+            <p:ph type="body" idx="1"/>
+          </p:nvPr>
+        </p:nvSpPr>
+        <p:spPr/>
+        <p:txBody>
+          <a:bodyPr/>
+          <a:lstStyle/>
+          <a:p>
+            <a:endParaRPr kumimoji="1" lang="ja-JP" altLang="en-US" dirty="0"/>
+          </a:p>
+        </p:txBody>
+      </p:sp>
+      <p:sp>
+        <p:nvSpPr>
+          <p:cNvPr id="4" name="スライド番号プレースホルダー 3"/>
+          <p:cNvSpPr>
+            <a:spLocks noGrp="1"/>
+          </p:cNvSpPr>
+          <p:nvPr>
+            <p:ph type="sldNum" sz="quarter" idx="5"/>
+          </p:nvPr>
+        </p:nvSpPr>
+        <p:spPr/>
+        <p:txBody>
+          <a:bodyPr/>
+          <a:lstStyle/>
+          <a:p>
+            <a:fld id="{E7386CD3-D5E2-405B-BA6B-1EA98FC51146}" type="slidenum">
+              <a:rPr kumimoji="1" lang="ja-JP" altLang="en-US" smtClean="0"/>
+              <a:t>10</a:t>
+            </a:fld>
+            <a:endParaRPr kumimoji="1" lang="ja-JP" altLang="en-US"/>
+          </a:p>
+        </p:txBody>
+      </p:sp>
+    </p:spTree>
+    <p:extLst>
+      <p:ext uri="{BB962C8B-B14F-4D97-AF65-F5344CB8AC3E}">
+        <p14:creationId xmlns:p14="http://schemas.microsoft.com/office/powerpoint/2010/main" val="1968705539"/>
+      </p:ext>
+    </p:extLst>
+  </p:cSld>
+  <p:clrMapOvr>
+    <a:masterClrMapping/>
+  </p:clrMapOvr>
+</p:notes>
+</file>
+
+<file path=ppt/notesSlides/notesSlide7.xml><?xml version="1.0" encoding="utf-8"?>
+<p:notes xmlns:a="http://schemas.openxmlformats.org/drawingml/2006/main" xmlns:r="http://schemas.openxmlformats.org/officeDocument/2006/relationships" xmlns:p="http://schemas.openxmlformats.org/presentationml/2006/main">
+  <p:cSld>
+    <p:spTree>
+      <p:nvGrpSpPr>
+        <p:cNvPr id="1" name=""/>
+        <p:cNvGrpSpPr/>
+        <p:nvPr/>
+      </p:nvGrpSpPr>
+      <p:grpSpPr>
+        <a:xfrm>
+          <a:off x="0" y="0"/>
+          <a:ext cx="0" cy="0"/>
+          <a:chOff x="0" y="0"/>
+          <a:chExt cx="0" cy="0"/>
+        </a:xfrm>
+      </p:grpSpPr>
+      <p:sp>
+        <p:nvSpPr>
+          <p:cNvPr id="2" name="スライド イメージ プレースホルダー 1"/>
+          <p:cNvSpPr>
+            <a:spLocks noGrp="1" noRot="1" noChangeAspect="1"/>
+          </p:cNvSpPr>
+          <p:nvPr>
+            <p:ph type="sldImg"/>
+          </p:nvPr>
+        </p:nvSpPr>
+        <p:spPr/>
+      </p:sp>
+      <p:sp>
+        <p:nvSpPr>
+          <p:cNvPr id="3" name="ノート プレースホルダー 2"/>
+          <p:cNvSpPr>
+            <a:spLocks noGrp="1"/>
+          </p:cNvSpPr>
+          <p:nvPr>
+            <p:ph type="body" idx="1"/>
+          </p:nvPr>
+        </p:nvSpPr>
+        <p:spPr/>
+        <p:txBody>
+          <a:bodyPr/>
+          <a:lstStyle/>
+          <a:p>
+            <a:endParaRPr kumimoji="1" lang="ja-JP" altLang="en-US" dirty="0"/>
+          </a:p>
+        </p:txBody>
+      </p:sp>
+      <p:sp>
+        <p:nvSpPr>
+          <p:cNvPr id="4" name="スライド番号プレースホルダー 3"/>
+          <p:cNvSpPr>
+            <a:spLocks noGrp="1"/>
+          </p:cNvSpPr>
+          <p:nvPr>
+            <p:ph type="sldNum" sz="quarter" idx="5"/>
+          </p:nvPr>
+        </p:nvSpPr>
+        <p:spPr/>
+        <p:txBody>
+          <a:bodyPr/>
+          <a:lstStyle/>
+          <a:p>
+            <a:fld id="{E7386CD3-D5E2-405B-BA6B-1EA98FC51146}" type="slidenum">
+              <a:rPr kumimoji="1" lang="ja-JP" altLang="en-US" smtClean="0"/>
+              <a:t>11</a:t>
+            </a:fld>
+            <a:endParaRPr kumimoji="1" lang="ja-JP" altLang="en-US"/>
+          </a:p>
+        </p:txBody>
+      </p:sp>
+    </p:spTree>
+    <p:extLst>
+      <p:ext uri="{BB962C8B-B14F-4D97-AF65-F5344CB8AC3E}">
+        <p14:creationId xmlns:p14="http://schemas.microsoft.com/office/powerpoint/2010/main" val="4144002755"/>
+      </p:ext>
+    </p:extLst>
+  </p:cSld>
+  <p:clrMapOvr>
+    <a:masterClrMapping/>
+  </p:clrMapOvr>
+</p:notes>
+</file>
+
+<file path=ppt/notesSlides/notesSlide8.xml><?xml version="1.0" encoding="utf-8"?>
+<p:notes xmlns:a="http://schemas.openxmlformats.org/drawingml/2006/main" xmlns:r="http://schemas.openxmlformats.org/officeDocument/2006/relationships" xmlns:p="http://schemas.openxmlformats.org/presentationml/2006/main">
+  <p:cSld>
+    <p:spTree>
+      <p:nvGrpSpPr>
+        <p:cNvPr id="1" name=""/>
+        <p:cNvGrpSpPr/>
+        <p:nvPr/>
+      </p:nvGrpSpPr>
+      <p:grpSpPr>
+        <a:xfrm>
+          <a:off x="0" y="0"/>
+          <a:ext cx="0" cy="0"/>
+          <a:chOff x="0" y="0"/>
+          <a:chExt cx="0" cy="0"/>
+        </a:xfrm>
+      </p:grpSpPr>
+      <p:sp>
+        <p:nvSpPr>
+          <p:cNvPr id="2" name="スライド イメージ プレースホルダー 1"/>
+          <p:cNvSpPr>
+            <a:spLocks noGrp="1" noRot="1" noChangeAspect="1"/>
+          </p:cNvSpPr>
+          <p:nvPr>
+            <p:ph type="sldImg"/>
+          </p:nvPr>
+        </p:nvSpPr>
+        <p:spPr/>
+      </p:sp>
+      <p:sp>
+        <p:nvSpPr>
+          <p:cNvPr id="3" name="ノート プレースホルダー 2"/>
+          <p:cNvSpPr>
+            <a:spLocks noGrp="1"/>
+          </p:cNvSpPr>
+          <p:nvPr>
+            <p:ph type="body" idx="1"/>
+          </p:nvPr>
+        </p:nvSpPr>
+        <p:spPr/>
+        <p:txBody>
+          <a:bodyPr/>
+          <a:lstStyle/>
+          <a:p>
+            <a:endParaRPr kumimoji="1" lang="ja-JP" altLang="en-US" dirty="0"/>
+          </a:p>
+        </p:txBody>
+      </p:sp>
+      <p:sp>
+        <p:nvSpPr>
+          <p:cNvPr id="4" name="スライド番号プレースホルダー 3"/>
+          <p:cNvSpPr>
+            <a:spLocks noGrp="1"/>
+          </p:cNvSpPr>
+          <p:nvPr>
+            <p:ph type="sldNum" sz="quarter" idx="5"/>
+          </p:nvPr>
+        </p:nvSpPr>
+        <p:spPr/>
+        <p:txBody>
+          <a:bodyPr/>
+          <a:lstStyle/>
+          <a:p>
+            <a:fld id="{E7386CD3-D5E2-405B-BA6B-1EA98FC51146}" type="slidenum">
+              <a:rPr kumimoji="1" lang="ja-JP" altLang="en-US" smtClean="0"/>
+              <a:t>12</a:t>
+            </a:fld>
+            <a:endParaRPr kumimoji="1" lang="ja-JP" altLang="en-US"/>
+          </a:p>
+        </p:txBody>
+      </p:sp>
+    </p:spTree>
+    <p:extLst>
+      <p:ext uri="{BB962C8B-B14F-4D97-AF65-F5344CB8AC3E}">
+        <p14:creationId xmlns:p14="http://schemas.microsoft.com/office/powerpoint/2010/main" val="2209602588"/>
       </p:ext>
     </p:extLst>
   </p:cSld>
@@ -1022,7 +1368,7 @@
           <a:p>
             <a:fld id="{1C7DF19C-EDF4-4C81-9E45-CE9699929634}" type="datetimeFigureOut">
               <a:rPr kumimoji="1" lang="ja-JP" altLang="en-US" smtClean="0"/>
-              <a:t>2022/5/21</a:t>
+              <a:t>2022/5/22</a:t>
             </a:fld>
             <a:endParaRPr kumimoji="1" lang="ja-JP" altLang="en-US"/>
           </a:p>
@@ -1252,7 +1598,7 @@
           <a:p>
             <a:fld id="{1C7DF19C-EDF4-4C81-9E45-CE9699929634}" type="datetimeFigureOut">
               <a:rPr kumimoji="1" lang="ja-JP" altLang="en-US" smtClean="0"/>
-              <a:t>2022/5/21</a:t>
+              <a:t>2022/5/22</a:t>
             </a:fld>
             <a:endParaRPr kumimoji="1" lang="ja-JP" altLang="en-US"/>
           </a:p>
@@ -1492,7 +1838,7 @@
           <a:p>
             <a:fld id="{1C7DF19C-EDF4-4C81-9E45-CE9699929634}" type="datetimeFigureOut">
               <a:rPr kumimoji="1" lang="ja-JP" altLang="en-US" smtClean="0"/>
-              <a:t>2022/5/21</a:t>
+              <a:t>2022/5/22</a:t>
             </a:fld>
             <a:endParaRPr kumimoji="1" lang="ja-JP" altLang="en-US"/>
           </a:p>
@@ -1722,7 +2068,7 @@
           <a:p>
             <a:fld id="{1C7DF19C-EDF4-4C81-9E45-CE9699929634}" type="datetimeFigureOut">
               <a:rPr kumimoji="1" lang="ja-JP" altLang="en-US" smtClean="0"/>
-              <a:t>2022/5/21</a:t>
+              <a:t>2022/5/22</a:t>
             </a:fld>
             <a:endParaRPr kumimoji="1" lang="ja-JP" altLang="en-US"/>
           </a:p>
@@ -1997,7 +2343,7 @@
           <a:p>
             <a:fld id="{1C7DF19C-EDF4-4C81-9E45-CE9699929634}" type="datetimeFigureOut">
               <a:rPr kumimoji="1" lang="ja-JP" altLang="en-US" smtClean="0"/>
-              <a:t>2022/5/21</a:t>
+              <a:t>2022/5/22</a:t>
             </a:fld>
             <a:endParaRPr kumimoji="1" lang="ja-JP" altLang="en-US"/>
           </a:p>
@@ -2326,7 +2672,7 @@
           <a:p>
             <a:fld id="{1C7DF19C-EDF4-4C81-9E45-CE9699929634}" type="datetimeFigureOut">
               <a:rPr kumimoji="1" lang="ja-JP" altLang="en-US" smtClean="0"/>
-              <a:t>2022/5/21</a:t>
+              <a:t>2022/5/22</a:t>
             </a:fld>
             <a:endParaRPr kumimoji="1" lang="ja-JP" altLang="en-US"/>
           </a:p>
@@ -2802,7 +3148,7 @@
           <a:p>
             <a:fld id="{1C7DF19C-EDF4-4C81-9E45-CE9699929634}" type="datetimeFigureOut">
               <a:rPr kumimoji="1" lang="ja-JP" altLang="en-US" smtClean="0"/>
-              <a:t>2022/5/21</a:t>
+              <a:t>2022/5/22</a:t>
             </a:fld>
             <a:endParaRPr kumimoji="1" lang="ja-JP" altLang="en-US"/>
           </a:p>
@@ -2943,7 +3289,7 @@
           <a:p>
             <a:fld id="{1C7DF19C-EDF4-4C81-9E45-CE9699929634}" type="datetimeFigureOut">
               <a:rPr kumimoji="1" lang="ja-JP" altLang="en-US" smtClean="0"/>
-              <a:t>2022/5/21</a:t>
+              <a:t>2022/5/22</a:t>
             </a:fld>
             <a:endParaRPr kumimoji="1" lang="ja-JP" altLang="en-US"/>
           </a:p>
@@ -3056,7 +3402,7 @@
           <a:p>
             <a:fld id="{1C7DF19C-EDF4-4C81-9E45-CE9699929634}" type="datetimeFigureOut">
               <a:rPr kumimoji="1" lang="ja-JP" altLang="en-US" smtClean="0"/>
-              <a:t>2022/5/21</a:t>
+              <a:t>2022/5/22</a:t>
             </a:fld>
             <a:endParaRPr kumimoji="1" lang="ja-JP" altLang="en-US"/>
           </a:p>
@@ -3399,7 +3745,7 @@
           <a:p>
             <a:fld id="{1C7DF19C-EDF4-4C81-9E45-CE9699929634}" type="datetimeFigureOut">
               <a:rPr kumimoji="1" lang="ja-JP" altLang="en-US" smtClean="0"/>
-              <a:t>2022/5/21</a:t>
+              <a:t>2022/5/22</a:t>
             </a:fld>
             <a:endParaRPr kumimoji="1" lang="ja-JP" altLang="en-US"/>
           </a:p>
@@ -3687,7 +4033,7 @@
           <a:p>
             <a:fld id="{1C7DF19C-EDF4-4C81-9E45-CE9699929634}" type="datetimeFigureOut">
               <a:rPr kumimoji="1" lang="ja-JP" altLang="en-US" smtClean="0"/>
-              <a:t>2022/5/21</a:t>
+              <a:t>2022/5/22</a:t>
             </a:fld>
             <a:endParaRPr kumimoji="1" lang="ja-JP" altLang="en-US"/>
           </a:p>
@@ -3960,7 +4306,7 @@
           <a:p>
             <a:fld id="{1C7DF19C-EDF4-4C81-9E45-CE9699929634}" type="datetimeFigureOut">
               <a:rPr kumimoji="1" lang="ja-JP" altLang="en-US" smtClean="0"/>
-              <a:t>2022/5/21</a:t>
+              <a:t>2022/5/22</a:t>
             </a:fld>
             <a:endParaRPr kumimoji="1" lang="ja-JP" altLang="en-US"/>
           </a:p>
@@ -4545,6 +4891,848 @@
 </p:sld>
 </file>
 
+<file path=ppt/slides/slide10.xml><?xml version="1.0" encoding="utf-8"?>
+<p:sld xmlns:a="http://schemas.openxmlformats.org/drawingml/2006/main" xmlns:r="http://schemas.openxmlformats.org/officeDocument/2006/relationships" xmlns:p="http://schemas.openxmlformats.org/presentationml/2006/main">
+  <p:cSld>
+    <p:spTree>
+      <p:nvGrpSpPr>
+        <p:cNvPr id="1" name=""/>
+        <p:cNvGrpSpPr/>
+        <p:nvPr/>
+      </p:nvGrpSpPr>
+      <p:grpSpPr>
+        <a:xfrm>
+          <a:off x="0" y="0"/>
+          <a:ext cx="0" cy="0"/>
+          <a:chOff x="0" y="0"/>
+          <a:chExt cx="0" cy="0"/>
+        </a:xfrm>
+      </p:grpSpPr>
+      <p:sp>
+        <p:nvSpPr>
+          <p:cNvPr id="2" name="タイトル 1">
+            <a:extLst>
+              <a:ext uri="{FF2B5EF4-FFF2-40B4-BE49-F238E27FC236}">
+                <a16:creationId xmlns:a16="http://schemas.microsoft.com/office/drawing/2014/main" id="{AE4FD9F2-08A4-A40D-CB3D-E959F1C63886}"/>
+              </a:ext>
+            </a:extLst>
+          </p:cNvPr>
+          <p:cNvSpPr>
+            <a:spLocks noGrp="1"/>
+          </p:cNvSpPr>
+          <p:nvPr>
+            <p:ph type="title"/>
+          </p:nvPr>
+        </p:nvSpPr>
+        <p:spPr/>
+        <p:txBody>
+          <a:bodyPr/>
+          <a:lstStyle/>
+          <a:p>
+            <a:r>
+              <a:rPr kumimoji="1" lang="en-US" altLang="ja-JP" dirty="0"/>
+              <a:t>Q3.[</a:t>
+            </a:r>
+            <a:r>
+              <a:rPr kumimoji="1" lang="ja-JP" altLang="en-US" dirty="0"/>
+              <a:t>ネットワーク</a:t>
+            </a:r>
+            <a:r>
+              <a:rPr kumimoji="1" lang="en-US" altLang="ja-JP" dirty="0"/>
+              <a:t>] </a:t>
+            </a:r>
+            <a:r>
+              <a:rPr kumimoji="1" lang="ja-JP" altLang="en-US" dirty="0"/>
+              <a:t>パケット解析せよ</a:t>
+            </a:r>
+          </a:p>
+        </p:txBody>
+      </p:sp>
+      <p:sp>
+        <p:nvSpPr>
+          <p:cNvPr id="3" name="コンテンツ プレースホルダー 2">
+            <a:extLst>
+              <a:ext uri="{FF2B5EF4-FFF2-40B4-BE49-F238E27FC236}">
+                <a16:creationId xmlns:a16="http://schemas.microsoft.com/office/drawing/2014/main" id="{C01140E3-C5A0-7090-A2DA-76CA4B573C18}"/>
+              </a:ext>
+            </a:extLst>
+          </p:cNvPr>
+          <p:cNvSpPr>
+            <a:spLocks noGrp="1"/>
+          </p:cNvSpPr>
+          <p:nvPr>
+            <p:ph idx="1"/>
+          </p:nvPr>
+        </p:nvSpPr>
+        <p:spPr/>
+        <p:txBody>
+          <a:bodyPr/>
+          <a:lstStyle/>
+          <a:p>
+            <a:pPr marL="0" indent="0">
+              <a:buNone/>
+            </a:pPr>
+            <a:endParaRPr kumimoji="1" lang="ja-JP" altLang="en-US" dirty="0"/>
+          </a:p>
+        </p:txBody>
+      </p:sp>
+      <p:sp>
+        <p:nvSpPr>
+          <p:cNvPr id="4" name="正方形/長方形 3">
+            <a:extLst>
+              <a:ext uri="{FF2B5EF4-FFF2-40B4-BE49-F238E27FC236}">
+                <a16:creationId xmlns:a16="http://schemas.microsoft.com/office/drawing/2014/main" id="{BAB9F07B-844A-DD2F-9A6C-82A60A27C3F5}"/>
+              </a:ext>
+            </a:extLst>
+          </p:cNvPr>
+          <p:cNvSpPr/>
+          <p:nvPr/>
+        </p:nvSpPr>
+        <p:spPr>
+          <a:xfrm>
+            <a:off x="0" y="0"/>
+            <a:ext cx="1846053" cy="543464"/>
+          </a:xfrm>
+          <a:prstGeom prst="rect">
+            <a:avLst/>
+          </a:prstGeom>
+          <a:solidFill>
+            <a:schemeClr val="accent1">
+              <a:lumMod val="50000"/>
+            </a:schemeClr>
+          </a:solidFill>
+          <a:ln>
+            <a:noFill/>
+          </a:ln>
+        </p:spPr>
+        <p:style>
+          <a:lnRef idx="2">
+            <a:schemeClr val="accent1">
+              <a:shade val="50000"/>
+            </a:schemeClr>
+          </a:lnRef>
+          <a:fillRef idx="1">
+            <a:schemeClr val="accent1"/>
+          </a:fillRef>
+          <a:effectRef idx="0">
+            <a:schemeClr val="accent1"/>
+          </a:effectRef>
+          <a:fontRef idx="minor">
+            <a:schemeClr val="lt1"/>
+          </a:fontRef>
+        </p:style>
+        <p:txBody>
+          <a:bodyPr rtlCol="0" anchor="ctr"/>
+          <a:lstStyle/>
+          <a:p>
+            <a:pPr algn="ctr"/>
+            <a:r>
+              <a:rPr lang="en-US" altLang="ja-JP" dirty="0"/>
+              <a:t>Writeup(</a:t>
+            </a:r>
+            <a:r>
+              <a:rPr lang="ja-JP" altLang="en-US" dirty="0"/>
+              <a:t>解説</a:t>
+            </a:r>
+            <a:r>
+              <a:rPr lang="en-US" altLang="ja-JP" dirty="0"/>
+              <a:t>)</a:t>
+            </a:r>
+            <a:endParaRPr kumimoji="1" lang="ja-JP" altLang="en-US" dirty="0"/>
+          </a:p>
+        </p:txBody>
+      </p:sp>
+    </p:spTree>
+    <p:extLst>
+      <p:ext uri="{BB962C8B-B14F-4D97-AF65-F5344CB8AC3E}">
+        <p14:creationId xmlns:p14="http://schemas.microsoft.com/office/powerpoint/2010/main" val="2254920353"/>
+      </p:ext>
+    </p:extLst>
+  </p:cSld>
+  <p:clrMapOvr>
+    <a:masterClrMapping/>
+  </p:clrMapOvr>
+</p:sld>
+</file>
+
+<file path=ppt/slides/slide11.xml><?xml version="1.0" encoding="utf-8"?>
+<p:sld xmlns:a="http://schemas.openxmlformats.org/drawingml/2006/main" xmlns:r="http://schemas.openxmlformats.org/officeDocument/2006/relationships" xmlns:p="http://schemas.openxmlformats.org/presentationml/2006/main">
+  <p:cSld>
+    <p:spTree>
+      <p:nvGrpSpPr>
+        <p:cNvPr id="1" name=""/>
+        <p:cNvGrpSpPr/>
+        <p:nvPr/>
+      </p:nvGrpSpPr>
+      <p:grpSpPr>
+        <a:xfrm>
+          <a:off x="0" y="0"/>
+          <a:ext cx="0" cy="0"/>
+          <a:chOff x="0" y="0"/>
+          <a:chExt cx="0" cy="0"/>
+        </a:xfrm>
+      </p:grpSpPr>
+      <p:sp>
+        <p:nvSpPr>
+          <p:cNvPr id="2" name="タイトル 1">
+            <a:extLst>
+              <a:ext uri="{FF2B5EF4-FFF2-40B4-BE49-F238E27FC236}">
+                <a16:creationId xmlns:a16="http://schemas.microsoft.com/office/drawing/2014/main" id="{AE4FD9F2-08A4-A40D-CB3D-E959F1C63886}"/>
+              </a:ext>
+            </a:extLst>
+          </p:cNvPr>
+          <p:cNvSpPr>
+            <a:spLocks noGrp="1"/>
+          </p:cNvSpPr>
+          <p:nvPr>
+            <p:ph type="title"/>
+          </p:nvPr>
+        </p:nvSpPr>
+        <p:spPr/>
+        <p:txBody>
+          <a:bodyPr/>
+          <a:lstStyle/>
+          <a:p>
+            <a:r>
+              <a:rPr kumimoji="1" lang="en-US" altLang="ja-JP" dirty="0"/>
+              <a:t>Q4.[</a:t>
+            </a:r>
+            <a:r>
+              <a:rPr kumimoji="1" lang="ja-JP" altLang="en-US" dirty="0"/>
+              <a:t>ステガノグラフィー</a:t>
+            </a:r>
+            <a:r>
+              <a:rPr kumimoji="1" lang="en-US" altLang="ja-JP" dirty="0"/>
+              <a:t>] </a:t>
+            </a:r>
+            <a:r>
+              <a:rPr kumimoji="1" lang="ja-JP" altLang="en-US" dirty="0"/>
+              <a:t>間違い探し</a:t>
+            </a:r>
+          </a:p>
+        </p:txBody>
+      </p:sp>
+      <p:sp>
+        <p:nvSpPr>
+          <p:cNvPr id="3" name="コンテンツ プレースホルダー 2">
+            <a:extLst>
+              <a:ext uri="{FF2B5EF4-FFF2-40B4-BE49-F238E27FC236}">
+                <a16:creationId xmlns:a16="http://schemas.microsoft.com/office/drawing/2014/main" id="{C01140E3-C5A0-7090-A2DA-76CA4B573C18}"/>
+              </a:ext>
+            </a:extLst>
+          </p:cNvPr>
+          <p:cNvSpPr>
+            <a:spLocks noGrp="1"/>
+          </p:cNvSpPr>
+          <p:nvPr>
+            <p:ph idx="1"/>
+          </p:nvPr>
+        </p:nvSpPr>
+        <p:spPr/>
+        <p:txBody>
+          <a:bodyPr/>
+          <a:lstStyle/>
+          <a:p>
+            <a:pPr marL="0" indent="0">
+              <a:buNone/>
+            </a:pPr>
+            <a:endParaRPr kumimoji="1" lang="ja-JP" altLang="en-US" dirty="0"/>
+          </a:p>
+        </p:txBody>
+      </p:sp>
+      <p:sp>
+        <p:nvSpPr>
+          <p:cNvPr id="4" name="正方形/長方形 3">
+            <a:extLst>
+              <a:ext uri="{FF2B5EF4-FFF2-40B4-BE49-F238E27FC236}">
+                <a16:creationId xmlns:a16="http://schemas.microsoft.com/office/drawing/2014/main" id="{BAB9F07B-844A-DD2F-9A6C-82A60A27C3F5}"/>
+              </a:ext>
+            </a:extLst>
+          </p:cNvPr>
+          <p:cNvSpPr/>
+          <p:nvPr/>
+        </p:nvSpPr>
+        <p:spPr>
+          <a:xfrm>
+            <a:off x="0" y="0"/>
+            <a:ext cx="1846053" cy="543464"/>
+          </a:xfrm>
+          <a:prstGeom prst="rect">
+            <a:avLst/>
+          </a:prstGeom>
+          <a:solidFill>
+            <a:schemeClr val="accent1">
+              <a:lumMod val="50000"/>
+            </a:schemeClr>
+          </a:solidFill>
+          <a:ln>
+            <a:noFill/>
+          </a:ln>
+        </p:spPr>
+        <p:style>
+          <a:lnRef idx="2">
+            <a:schemeClr val="accent1">
+              <a:shade val="50000"/>
+            </a:schemeClr>
+          </a:lnRef>
+          <a:fillRef idx="1">
+            <a:schemeClr val="accent1"/>
+          </a:fillRef>
+          <a:effectRef idx="0">
+            <a:schemeClr val="accent1"/>
+          </a:effectRef>
+          <a:fontRef idx="minor">
+            <a:schemeClr val="lt1"/>
+          </a:fontRef>
+        </p:style>
+        <p:txBody>
+          <a:bodyPr rtlCol="0" anchor="ctr"/>
+          <a:lstStyle/>
+          <a:p>
+            <a:pPr algn="ctr"/>
+            <a:r>
+              <a:rPr lang="en-US" altLang="ja-JP" dirty="0"/>
+              <a:t>Writeup(</a:t>
+            </a:r>
+            <a:r>
+              <a:rPr lang="ja-JP" altLang="en-US" dirty="0"/>
+              <a:t>解説</a:t>
+            </a:r>
+            <a:r>
+              <a:rPr lang="en-US" altLang="ja-JP" dirty="0"/>
+              <a:t>)</a:t>
+            </a:r>
+            <a:endParaRPr kumimoji="1" lang="ja-JP" altLang="en-US" dirty="0"/>
+          </a:p>
+        </p:txBody>
+      </p:sp>
+    </p:spTree>
+    <p:extLst>
+      <p:ext uri="{BB962C8B-B14F-4D97-AF65-F5344CB8AC3E}">
+        <p14:creationId xmlns:p14="http://schemas.microsoft.com/office/powerpoint/2010/main" val="1632057687"/>
+      </p:ext>
+    </p:extLst>
+  </p:cSld>
+  <p:clrMapOvr>
+    <a:masterClrMapping/>
+  </p:clrMapOvr>
+</p:sld>
+</file>
+
+<file path=ppt/slides/slide12.xml><?xml version="1.0" encoding="utf-8"?>
+<p:sld xmlns:a="http://schemas.openxmlformats.org/drawingml/2006/main" xmlns:r="http://schemas.openxmlformats.org/officeDocument/2006/relationships" xmlns:p="http://schemas.openxmlformats.org/presentationml/2006/main">
+  <p:cSld>
+    <p:spTree>
+      <p:nvGrpSpPr>
+        <p:cNvPr id="1" name=""/>
+        <p:cNvGrpSpPr/>
+        <p:nvPr/>
+      </p:nvGrpSpPr>
+      <p:grpSpPr>
+        <a:xfrm>
+          <a:off x="0" y="0"/>
+          <a:ext cx="0" cy="0"/>
+          <a:chOff x="0" y="0"/>
+          <a:chExt cx="0" cy="0"/>
+        </a:xfrm>
+      </p:grpSpPr>
+      <p:sp>
+        <p:nvSpPr>
+          <p:cNvPr id="2" name="タイトル 1">
+            <a:extLst>
+              <a:ext uri="{FF2B5EF4-FFF2-40B4-BE49-F238E27FC236}">
+                <a16:creationId xmlns:a16="http://schemas.microsoft.com/office/drawing/2014/main" id="{AE4FD9F2-08A4-A40D-CB3D-E959F1C63886}"/>
+              </a:ext>
+            </a:extLst>
+          </p:cNvPr>
+          <p:cNvSpPr>
+            <a:spLocks noGrp="1"/>
+          </p:cNvSpPr>
+          <p:nvPr>
+            <p:ph type="title"/>
+          </p:nvPr>
+        </p:nvSpPr>
+        <p:spPr/>
+        <p:txBody>
+          <a:bodyPr/>
+          <a:lstStyle/>
+          <a:p>
+            <a:r>
+              <a:rPr kumimoji="1" lang="en-US" altLang="ja-JP" dirty="0"/>
+              <a:t>Q5.[</a:t>
+            </a:r>
+            <a:r>
+              <a:rPr kumimoji="1" lang="ja-JP" altLang="en-US" dirty="0"/>
+              <a:t>バイナリ</a:t>
+            </a:r>
+            <a:r>
+              <a:rPr kumimoji="1" lang="en-US" altLang="ja-JP" dirty="0"/>
+              <a:t>] </a:t>
+            </a:r>
+            <a:r>
+              <a:rPr kumimoji="1" lang="ja-JP" altLang="en-US" dirty="0"/>
+              <a:t>元に戻せ！</a:t>
+            </a:r>
+          </a:p>
+        </p:txBody>
+      </p:sp>
+      <p:sp>
+        <p:nvSpPr>
+          <p:cNvPr id="3" name="コンテンツ プレースホルダー 2">
+            <a:extLst>
+              <a:ext uri="{FF2B5EF4-FFF2-40B4-BE49-F238E27FC236}">
+                <a16:creationId xmlns:a16="http://schemas.microsoft.com/office/drawing/2014/main" id="{C01140E3-C5A0-7090-A2DA-76CA4B573C18}"/>
+              </a:ext>
+            </a:extLst>
+          </p:cNvPr>
+          <p:cNvSpPr>
+            <a:spLocks noGrp="1"/>
+          </p:cNvSpPr>
+          <p:nvPr>
+            <p:ph idx="1"/>
+          </p:nvPr>
+        </p:nvSpPr>
+        <p:spPr/>
+        <p:txBody>
+          <a:bodyPr/>
+          <a:lstStyle/>
+          <a:p>
+            <a:pPr marL="0" indent="0">
+              <a:buNone/>
+            </a:pPr>
+            <a:endParaRPr kumimoji="1" lang="ja-JP" altLang="en-US" dirty="0"/>
+          </a:p>
+        </p:txBody>
+      </p:sp>
+      <p:sp>
+        <p:nvSpPr>
+          <p:cNvPr id="4" name="正方形/長方形 3">
+            <a:extLst>
+              <a:ext uri="{FF2B5EF4-FFF2-40B4-BE49-F238E27FC236}">
+                <a16:creationId xmlns:a16="http://schemas.microsoft.com/office/drawing/2014/main" id="{BAB9F07B-844A-DD2F-9A6C-82A60A27C3F5}"/>
+              </a:ext>
+            </a:extLst>
+          </p:cNvPr>
+          <p:cNvSpPr/>
+          <p:nvPr/>
+        </p:nvSpPr>
+        <p:spPr>
+          <a:xfrm>
+            <a:off x="0" y="0"/>
+            <a:ext cx="1846053" cy="543464"/>
+          </a:xfrm>
+          <a:prstGeom prst="rect">
+            <a:avLst/>
+          </a:prstGeom>
+          <a:solidFill>
+            <a:schemeClr val="accent1">
+              <a:lumMod val="50000"/>
+            </a:schemeClr>
+          </a:solidFill>
+          <a:ln>
+            <a:noFill/>
+          </a:ln>
+        </p:spPr>
+        <p:style>
+          <a:lnRef idx="2">
+            <a:schemeClr val="accent1">
+              <a:shade val="50000"/>
+            </a:schemeClr>
+          </a:lnRef>
+          <a:fillRef idx="1">
+            <a:schemeClr val="accent1"/>
+          </a:fillRef>
+          <a:effectRef idx="0">
+            <a:schemeClr val="accent1"/>
+          </a:effectRef>
+          <a:fontRef idx="minor">
+            <a:schemeClr val="lt1"/>
+          </a:fontRef>
+        </p:style>
+        <p:txBody>
+          <a:bodyPr rtlCol="0" anchor="ctr"/>
+          <a:lstStyle/>
+          <a:p>
+            <a:pPr algn="ctr"/>
+            <a:r>
+              <a:rPr lang="en-US" altLang="ja-JP" dirty="0"/>
+              <a:t>Writeup(</a:t>
+            </a:r>
+            <a:r>
+              <a:rPr lang="ja-JP" altLang="en-US" dirty="0"/>
+              <a:t>解説</a:t>
+            </a:r>
+            <a:r>
+              <a:rPr lang="en-US" altLang="ja-JP" dirty="0"/>
+              <a:t>)</a:t>
+            </a:r>
+            <a:endParaRPr kumimoji="1" lang="ja-JP" altLang="en-US" dirty="0"/>
+          </a:p>
+        </p:txBody>
+      </p:sp>
+    </p:spTree>
+    <p:extLst>
+      <p:ext uri="{BB962C8B-B14F-4D97-AF65-F5344CB8AC3E}">
+        <p14:creationId xmlns:p14="http://schemas.microsoft.com/office/powerpoint/2010/main" val="3506651871"/>
+      </p:ext>
+    </p:extLst>
+  </p:cSld>
+  <p:clrMapOvr>
+    <a:masterClrMapping/>
+  </p:clrMapOvr>
+</p:sld>
+</file>
+
+<file path=ppt/slides/slide13.xml><?xml version="1.0" encoding="utf-8"?>
+<p:sld xmlns:a="http://schemas.openxmlformats.org/drawingml/2006/main" xmlns:r="http://schemas.openxmlformats.org/officeDocument/2006/relationships" xmlns:p="http://schemas.openxmlformats.org/presentationml/2006/main">
+  <p:cSld>
+    <p:spTree>
+      <p:nvGrpSpPr>
+        <p:cNvPr id="1" name=""/>
+        <p:cNvGrpSpPr/>
+        <p:nvPr/>
+      </p:nvGrpSpPr>
+      <p:grpSpPr>
+        <a:xfrm>
+          <a:off x="0" y="0"/>
+          <a:ext cx="0" cy="0"/>
+          <a:chOff x="0" y="0"/>
+          <a:chExt cx="0" cy="0"/>
+        </a:xfrm>
+      </p:grpSpPr>
+      <p:sp>
+        <p:nvSpPr>
+          <p:cNvPr id="2" name="タイトル 1">
+            <a:extLst>
+              <a:ext uri="{FF2B5EF4-FFF2-40B4-BE49-F238E27FC236}">
+                <a16:creationId xmlns:a16="http://schemas.microsoft.com/office/drawing/2014/main" id="{F7DB0029-E0AA-FDB3-DAC0-2A14F4E8DB49}"/>
+              </a:ext>
+            </a:extLst>
+          </p:cNvPr>
+          <p:cNvSpPr>
+            <a:spLocks noGrp="1"/>
+          </p:cNvSpPr>
+          <p:nvPr>
+            <p:ph type="title"/>
+          </p:nvPr>
+        </p:nvSpPr>
+        <p:spPr/>
+        <p:txBody>
+          <a:bodyPr/>
+          <a:lstStyle/>
+          <a:p>
+            <a:r>
+              <a:rPr kumimoji="1" lang="en-US" altLang="ja-JP" dirty="0"/>
+              <a:t>Flag</a:t>
+            </a:r>
+            <a:endParaRPr kumimoji="1" lang="ja-JP" altLang="en-US" dirty="0"/>
+          </a:p>
+        </p:txBody>
+      </p:sp>
+      <p:sp>
+        <p:nvSpPr>
+          <p:cNvPr id="3" name="コンテンツ プレースホルダー 2">
+            <a:extLst>
+              <a:ext uri="{FF2B5EF4-FFF2-40B4-BE49-F238E27FC236}">
+                <a16:creationId xmlns:a16="http://schemas.microsoft.com/office/drawing/2014/main" id="{5130A3E4-F8FA-A3B8-2D9D-F2DD174DA5C1}"/>
+              </a:ext>
+            </a:extLst>
+          </p:cNvPr>
+          <p:cNvSpPr>
+            <a:spLocks noGrp="1"/>
+          </p:cNvSpPr>
+          <p:nvPr>
+            <p:ph idx="1"/>
+          </p:nvPr>
+        </p:nvSpPr>
+        <p:spPr/>
+        <p:txBody>
+          <a:bodyPr/>
+          <a:lstStyle/>
+          <a:p>
+            <a:pPr marL="0" indent="0">
+              <a:buNone/>
+            </a:pPr>
+            <a:r>
+              <a:rPr kumimoji="1" lang="en-US" altLang="ja-JP" dirty="0"/>
+              <a:t>Q1. </a:t>
+            </a:r>
+          </a:p>
+          <a:p>
+            <a:pPr marL="0" indent="0">
+              <a:buNone/>
+            </a:pPr>
+            <a:r>
+              <a:rPr lang="en-US" altLang="ja-JP" dirty="0"/>
+              <a:t>Q2. </a:t>
+            </a:r>
+          </a:p>
+          <a:p>
+            <a:pPr marL="0" indent="0">
+              <a:buNone/>
+            </a:pPr>
+            <a:r>
+              <a:rPr kumimoji="1" lang="en-US" altLang="ja-JP" dirty="0"/>
+              <a:t>Q3. </a:t>
+            </a:r>
+          </a:p>
+          <a:p>
+            <a:pPr marL="0" indent="0">
+              <a:buNone/>
+            </a:pPr>
+            <a:r>
+              <a:rPr lang="en-US" altLang="ja-JP" dirty="0"/>
+              <a:t>Q4. </a:t>
+            </a:r>
+          </a:p>
+          <a:p>
+            <a:pPr marL="0" indent="0">
+              <a:buNone/>
+            </a:pPr>
+            <a:r>
+              <a:rPr kumimoji="1" lang="en-US" altLang="ja-JP" dirty="0"/>
+              <a:t>Q5.</a:t>
+            </a:r>
+            <a:endParaRPr kumimoji="1" lang="ja-JP" altLang="en-US" dirty="0"/>
+          </a:p>
+        </p:txBody>
+      </p:sp>
+    </p:spTree>
+    <p:extLst>
+      <p:ext uri="{BB962C8B-B14F-4D97-AF65-F5344CB8AC3E}">
+        <p14:creationId xmlns:p14="http://schemas.microsoft.com/office/powerpoint/2010/main" val="699692842"/>
+      </p:ext>
+    </p:extLst>
+  </p:cSld>
+  <p:clrMapOvr>
+    <a:masterClrMapping/>
+  </p:clrMapOvr>
+</p:sld>
+</file>
+
+<file path=ppt/slides/slide14.xml><?xml version="1.0" encoding="utf-8"?>
+<p:sld xmlns:a="http://schemas.openxmlformats.org/drawingml/2006/main" xmlns:r="http://schemas.openxmlformats.org/officeDocument/2006/relationships" xmlns:p="http://schemas.openxmlformats.org/presentationml/2006/main">
+  <p:cSld>
+    <p:spTree>
+      <p:nvGrpSpPr>
+        <p:cNvPr id="1" name=""/>
+        <p:cNvGrpSpPr/>
+        <p:nvPr/>
+      </p:nvGrpSpPr>
+      <p:grpSpPr>
+        <a:xfrm>
+          <a:off x="0" y="0"/>
+          <a:ext cx="0" cy="0"/>
+          <a:chOff x="0" y="0"/>
+          <a:chExt cx="0" cy="0"/>
+        </a:xfrm>
+      </p:grpSpPr>
+      <p:sp>
+        <p:nvSpPr>
+          <p:cNvPr id="2" name="タイトル 1">
+            <a:extLst>
+              <a:ext uri="{FF2B5EF4-FFF2-40B4-BE49-F238E27FC236}">
+                <a16:creationId xmlns:a16="http://schemas.microsoft.com/office/drawing/2014/main" id="{D67C207A-8AEA-0BC0-CC84-3C0B35202EB9}"/>
+              </a:ext>
+            </a:extLst>
+          </p:cNvPr>
+          <p:cNvSpPr>
+            <a:spLocks noGrp="1"/>
+          </p:cNvSpPr>
+          <p:nvPr>
+            <p:ph type="title"/>
+          </p:nvPr>
+        </p:nvSpPr>
+        <p:spPr/>
+        <p:txBody>
+          <a:bodyPr/>
+          <a:lstStyle/>
+          <a:p>
+            <a:r>
+              <a:rPr kumimoji="1" lang="ja-JP" altLang="en-US" dirty="0"/>
+              <a:t>最後に</a:t>
+            </a:r>
+          </a:p>
+        </p:txBody>
+      </p:sp>
+      <p:sp>
+        <p:nvSpPr>
+          <p:cNvPr id="3" name="コンテンツ プレースホルダー 2">
+            <a:extLst>
+              <a:ext uri="{FF2B5EF4-FFF2-40B4-BE49-F238E27FC236}">
+                <a16:creationId xmlns:a16="http://schemas.microsoft.com/office/drawing/2014/main" id="{B0748512-91CE-3884-0495-8E10BC8BA8AF}"/>
+              </a:ext>
+            </a:extLst>
+          </p:cNvPr>
+          <p:cNvSpPr>
+            <a:spLocks noGrp="1"/>
+          </p:cNvSpPr>
+          <p:nvPr>
+            <p:ph idx="1"/>
+          </p:nvPr>
+        </p:nvSpPr>
+        <p:spPr>
+          <a:xfrm>
+            <a:off x="838200" y="1857423"/>
+            <a:ext cx="10515600" cy="4351338"/>
+          </a:xfrm>
+        </p:spPr>
+        <p:txBody>
+          <a:bodyPr/>
+          <a:lstStyle/>
+          <a:p>
+            <a:pPr marL="0" indent="0">
+              <a:buNone/>
+            </a:pPr>
+            <a:r>
+              <a:rPr kumimoji="1" lang="ja-JP" altLang="en-US" dirty="0"/>
+              <a:t>これを機に</a:t>
+            </a:r>
+            <a:r>
+              <a:rPr lang="en-US" altLang="ja-JP" dirty="0"/>
+              <a:t>CTF</a:t>
+            </a:r>
+            <a:r>
+              <a:rPr lang="ja-JP" altLang="en-US" dirty="0"/>
+              <a:t>に挑戦する人が増えるとすごく嬉しいです</a:t>
+            </a:r>
+            <a:endParaRPr lang="en-US" altLang="ja-JP" dirty="0"/>
+          </a:p>
+          <a:p>
+            <a:pPr marL="0" indent="0">
+              <a:buNone/>
+            </a:pPr>
+            <a:endParaRPr kumimoji="1" lang="en-US" altLang="ja-JP" dirty="0"/>
+          </a:p>
+          <a:p>
+            <a:pPr marL="0" indent="0">
+              <a:buNone/>
+            </a:pPr>
+            <a:r>
+              <a:rPr lang="ja-JP" altLang="en-US" dirty="0"/>
+              <a:t>興味を持ってくれた方はまずは初心者向けで常設の「</a:t>
+            </a:r>
+            <a:r>
+              <a:rPr lang="en-US" altLang="ja-JP" dirty="0" err="1"/>
+              <a:t>CpawCTF</a:t>
+            </a:r>
+            <a:r>
+              <a:rPr lang="ja-JP" altLang="en-US" dirty="0"/>
+              <a:t>」「</a:t>
+            </a:r>
+            <a:r>
+              <a:rPr lang="en-US" altLang="ja-JP" dirty="0" err="1"/>
+              <a:t>picoCTF</a:t>
+            </a:r>
+            <a:r>
+              <a:rPr lang="ja-JP" altLang="en-US" dirty="0"/>
+              <a:t>」がおすすめ</a:t>
+            </a:r>
+            <a:endParaRPr lang="en-US" altLang="ja-JP" dirty="0"/>
+          </a:p>
+          <a:p>
+            <a:pPr marL="0" indent="0">
+              <a:buNone/>
+            </a:pPr>
+            <a:endParaRPr lang="en-US" altLang="ja-JP" dirty="0"/>
+          </a:p>
+          <a:p>
+            <a:pPr marL="0" indent="0">
+              <a:buNone/>
+            </a:pPr>
+            <a:r>
+              <a:rPr lang="en-US" altLang="ja-JP" dirty="0"/>
+              <a:t>6/4~5</a:t>
+            </a:r>
+            <a:r>
+              <a:rPr lang="ja-JP" altLang="en-US" dirty="0"/>
+              <a:t>に初心者向け</a:t>
+            </a:r>
+            <a:r>
+              <a:rPr lang="en-US" altLang="ja-JP" dirty="0"/>
+              <a:t>CTF</a:t>
+            </a:r>
+            <a:r>
+              <a:rPr lang="ja-JP" altLang="en-US" dirty="0"/>
+              <a:t>「</a:t>
+            </a:r>
+            <a:r>
+              <a:rPr lang="en-US" altLang="ja-JP" dirty="0"/>
+              <a:t>SECCON for Beginners</a:t>
+            </a:r>
+            <a:r>
+              <a:rPr lang="ja-JP" altLang="en-US" dirty="0"/>
+              <a:t>」があります</a:t>
+            </a:r>
+            <a:endParaRPr lang="en-US" altLang="ja-JP" dirty="0"/>
+          </a:p>
+          <a:p>
+            <a:pPr marL="0" indent="0">
+              <a:buNone/>
+            </a:pPr>
+            <a:r>
+              <a:rPr lang="ja-JP" altLang="en-US" dirty="0"/>
+              <a:t>チームメンバーも募集しています</a:t>
+            </a:r>
+            <a:endParaRPr lang="en-US" altLang="ja-JP" dirty="0"/>
+          </a:p>
+          <a:p>
+            <a:pPr marL="0" indent="0">
+              <a:buNone/>
+            </a:pPr>
+            <a:endParaRPr kumimoji="1" lang="en-US" altLang="ja-JP" dirty="0"/>
+          </a:p>
+          <a:p>
+            <a:pPr marL="0" indent="0">
+              <a:buNone/>
+            </a:pPr>
+            <a:endParaRPr kumimoji="1" lang="ja-JP" altLang="en-US" dirty="0"/>
+          </a:p>
+        </p:txBody>
+      </p:sp>
+      <p:pic>
+        <p:nvPicPr>
+          <p:cNvPr id="5" name="図 4">
+            <a:extLst>
+              <a:ext uri="{FF2B5EF4-FFF2-40B4-BE49-F238E27FC236}">
+                <a16:creationId xmlns:a16="http://schemas.microsoft.com/office/drawing/2014/main" id="{B766504D-7C19-BD18-6D64-1D35DCF77E69}"/>
+              </a:ext>
+            </a:extLst>
+          </p:cNvPr>
+          <p:cNvPicPr>
+            <a:picLocks noChangeAspect="1"/>
+          </p:cNvPicPr>
+          <p:nvPr/>
+        </p:nvPicPr>
+        <p:blipFill>
+          <a:blip r:embed="rId2"/>
+          <a:stretch>
+            <a:fillRect/>
+          </a:stretch>
+        </p:blipFill>
+        <p:spPr>
+          <a:xfrm>
+            <a:off x="7245123" y="5124498"/>
+            <a:ext cx="3629025" cy="1219200"/>
+          </a:xfrm>
+          <a:prstGeom prst="rect">
+            <a:avLst/>
+          </a:prstGeom>
+        </p:spPr>
+      </p:pic>
+    </p:spTree>
+    <p:extLst>
+      <p:ext uri="{BB962C8B-B14F-4D97-AF65-F5344CB8AC3E}">
+        <p14:creationId xmlns:p14="http://schemas.microsoft.com/office/powerpoint/2010/main" val="4034882179"/>
+      </p:ext>
+    </p:extLst>
+  </p:cSld>
+  <p:clrMapOvr>
+    <a:masterClrMapping/>
+  </p:clrMapOvr>
+</p:sld>
+</file>
+
 <file path=ppt/slides/slide2.xml><?xml version="1.0" encoding="utf-8"?>
 <p:sld xmlns:a="http://schemas.openxmlformats.org/drawingml/2006/main" xmlns:r="http://schemas.openxmlformats.org/officeDocument/2006/relationships" xmlns:p="http://schemas.openxmlformats.org/presentationml/2006/main">
   <p:cSld>
@@ -6071,18 +7259,234 @@
           <a:lstStyle/>
           <a:p>
             <a:r>
-              <a:rPr kumimoji="1" lang="ja-JP" altLang="en-US" dirty="0"/>
-              <a:t>例題</a:t>
-            </a:r>
-          </a:p>
-        </p:txBody>
-      </p:sp>
-      <p:sp>
-        <p:nvSpPr>
-          <p:cNvPr id="3" name="テキスト ボックス 2">
-            <a:extLst>
-              <a:ext uri="{FF2B5EF4-FFF2-40B4-BE49-F238E27FC236}">
-                <a16:creationId xmlns:a16="http://schemas.microsoft.com/office/drawing/2014/main" id="{17D25B36-D118-A3E6-55D4-230E5E191946}"/>
+              <a:rPr lang="ja-JP" altLang="en-US" dirty="0"/>
+              <a:t>どんな問題がある？？</a:t>
+            </a:r>
+            <a:endParaRPr kumimoji="1" lang="ja-JP" altLang="en-US" dirty="0"/>
+          </a:p>
+        </p:txBody>
+      </p:sp>
+      <p:sp>
+        <p:nvSpPr>
+          <p:cNvPr id="5" name="コンテンツ プレースホルダー 2">
+            <a:extLst>
+              <a:ext uri="{FF2B5EF4-FFF2-40B4-BE49-F238E27FC236}">
+                <a16:creationId xmlns:a16="http://schemas.microsoft.com/office/drawing/2014/main" id="{75AAFBAF-F9E9-22A8-D9E3-170D53C59589}"/>
+              </a:ext>
+            </a:extLst>
+          </p:cNvPr>
+          <p:cNvSpPr>
+            <a:spLocks noGrp="1"/>
+          </p:cNvSpPr>
+          <p:nvPr>
+            <p:ph idx="1"/>
+          </p:nvPr>
+        </p:nvSpPr>
+        <p:spPr>
+          <a:xfrm>
+            <a:off x="838200" y="1730211"/>
+            <a:ext cx="10515600" cy="4351338"/>
+          </a:xfrm>
+        </p:spPr>
+        <p:txBody>
+          <a:bodyPr>
+            <a:normAutofit/>
+          </a:bodyPr>
+          <a:lstStyle/>
+          <a:p>
+            <a:pPr>
+              <a:buFont typeface="Wingdings" panose="05000000000000000000" pitchFamily="2" charset="2"/>
+              <a:buChar char="ü"/>
+            </a:pPr>
+            <a:r>
+              <a:rPr lang="ja-JP" altLang="en-US" dirty="0"/>
+              <a:t>暗号</a:t>
+            </a:r>
+            <a:r>
+              <a:rPr lang="en-US" altLang="ja-JP" dirty="0"/>
+              <a:t>[Crypto]			ex)</a:t>
+            </a:r>
+            <a:r>
+              <a:rPr lang="ja-JP" altLang="en-US" dirty="0"/>
+              <a:t> 暗号解読</a:t>
+            </a:r>
+            <a:endParaRPr lang="en-US" altLang="ja-JP" dirty="0"/>
+          </a:p>
+          <a:p>
+            <a:pPr>
+              <a:buFont typeface="Wingdings" panose="05000000000000000000" pitchFamily="2" charset="2"/>
+              <a:buChar char="ü"/>
+            </a:pPr>
+            <a:r>
+              <a:rPr lang="ja-JP" altLang="en-US" dirty="0"/>
+              <a:t>ウェブ</a:t>
+            </a:r>
+            <a:r>
+              <a:rPr lang="en-US" altLang="ja-JP" dirty="0"/>
+              <a:t>				      </a:t>
+            </a:r>
+            <a:r>
+              <a:rPr lang="ja-JP" altLang="en-US" dirty="0"/>
+              <a:t>パスワード認証突破　</a:t>
+            </a:r>
+            <a:endParaRPr lang="en-US" altLang="ja-JP" dirty="0"/>
+          </a:p>
+          <a:p>
+            <a:pPr>
+              <a:buFont typeface="Wingdings" panose="05000000000000000000" pitchFamily="2" charset="2"/>
+              <a:buChar char="ü"/>
+            </a:pPr>
+            <a:r>
+              <a:rPr lang="ja-JP" altLang="en-US" dirty="0"/>
+              <a:t>フォレンジック</a:t>
+            </a:r>
+            <a:r>
+              <a:rPr lang="en-US" altLang="ja-JP" dirty="0"/>
+              <a:t>		      </a:t>
+            </a:r>
+            <a:r>
+              <a:rPr lang="en-US" altLang="ja-JP" dirty="0">
+                <a:sym typeface="Wingdings" panose="05000000000000000000" pitchFamily="2" charset="2"/>
+              </a:rPr>
+              <a:t>(</a:t>
+            </a:r>
+            <a:r>
+              <a:rPr lang="ja-JP" altLang="en-US" dirty="0">
+                <a:sym typeface="Wingdings" panose="05000000000000000000" pitchFamily="2" charset="2"/>
+              </a:rPr>
+              <a:t>実行以外の</a:t>
+            </a:r>
+            <a:r>
+              <a:rPr lang="en-US" altLang="ja-JP" dirty="0">
+                <a:sym typeface="Wingdings" panose="05000000000000000000" pitchFamily="2" charset="2"/>
+              </a:rPr>
+              <a:t>)</a:t>
+            </a:r>
+            <a:r>
+              <a:rPr lang="ja-JP" altLang="en-US" dirty="0"/>
+              <a:t>ファイル解析</a:t>
+            </a:r>
+            <a:endParaRPr lang="en-US" altLang="ja-JP" dirty="0"/>
+          </a:p>
+          <a:p>
+            <a:pPr>
+              <a:buFont typeface="Wingdings" panose="05000000000000000000" pitchFamily="2" charset="2"/>
+              <a:buChar char="ü"/>
+            </a:pPr>
+            <a:r>
+              <a:rPr lang="ja-JP" altLang="en-US" dirty="0"/>
+              <a:t>リバーシング</a:t>
+            </a:r>
+            <a:r>
+              <a:rPr lang="en-US" altLang="ja-JP" dirty="0"/>
+              <a:t>			      </a:t>
+            </a:r>
+            <a:r>
+              <a:rPr lang="ja-JP" altLang="en-US" dirty="0"/>
+              <a:t>実行ファイルの解析</a:t>
+            </a:r>
+            <a:endParaRPr lang="en-US" altLang="ja-JP" dirty="0"/>
+          </a:p>
+          <a:p>
+            <a:pPr>
+              <a:buFont typeface="Wingdings" panose="05000000000000000000" pitchFamily="2" charset="2"/>
+              <a:buChar char="ü"/>
+            </a:pPr>
+            <a:r>
+              <a:rPr lang="ja-JP" altLang="en-US" dirty="0"/>
+              <a:t>ネットワーク</a:t>
+            </a:r>
+            <a:r>
+              <a:rPr lang="en-US" altLang="ja-JP" dirty="0"/>
+              <a:t>			      </a:t>
+            </a:r>
+            <a:r>
+              <a:rPr lang="ja-JP" altLang="en-US" dirty="0"/>
+              <a:t>パケット解析</a:t>
+            </a:r>
+            <a:endParaRPr lang="en-US" altLang="ja-JP" dirty="0"/>
+          </a:p>
+          <a:p>
+            <a:pPr>
+              <a:buFont typeface="Wingdings" panose="05000000000000000000" pitchFamily="2" charset="2"/>
+              <a:buChar char="ü"/>
+            </a:pPr>
+            <a:r>
+              <a:rPr lang="ja-JP" altLang="en-US" dirty="0"/>
+              <a:t>プログラミング</a:t>
+            </a:r>
+            <a:r>
+              <a:rPr lang="en-US" altLang="ja-JP" dirty="0"/>
+              <a:t>[PPC]	      </a:t>
+            </a:r>
+            <a:r>
+              <a:rPr lang="ja-JP" altLang="en-US" dirty="0"/>
+              <a:t>プログラムを組む問題</a:t>
+            </a:r>
+            <a:endParaRPr lang="en-US" altLang="ja-JP" dirty="0"/>
+          </a:p>
+          <a:p>
+            <a:pPr>
+              <a:buFont typeface="Wingdings" panose="05000000000000000000" pitchFamily="2" charset="2"/>
+              <a:buChar char="ü"/>
+            </a:pPr>
+            <a:r>
+              <a:rPr lang="ja-JP" altLang="en-US" dirty="0"/>
+              <a:t>ステガノグラフィー</a:t>
+            </a:r>
+            <a:r>
+              <a:rPr lang="en-US" altLang="ja-JP" dirty="0"/>
+              <a:t>		      </a:t>
+            </a:r>
+            <a:r>
+              <a:rPr lang="ja-JP" altLang="en-US" dirty="0"/>
+              <a:t>画像に隠された</a:t>
+            </a:r>
+            <a:r>
+              <a:rPr lang="en-US" altLang="ja-JP" dirty="0"/>
+              <a:t>Flag</a:t>
+            </a:r>
+            <a:r>
+              <a:rPr lang="ja-JP" altLang="en-US" dirty="0"/>
+              <a:t>探し</a:t>
+            </a:r>
+            <a:endParaRPr lang="en-US" altLang="ja-JP" dirty="0"/>
+          </a:p>
+          <a:p>
+            <a:pPr>
+              <a:buFont typeface="Wingdings" panose="05000000000000000000" pitchFamily="2" charset="2"/>
+              <a:buChar char="ü"/>
+            </a:pPr>
+            <a:r>
+              <a:rPr lang="ja-JP" altLang="en-US" dirty="0"/>
+              <a:t>脆弱性攻撃</a:t>
+            </a:r>
+            <a:r>
+              <a:rPr lang="en-US" altLang="ja-JP" dirty="0"/>
+              <a:t>[</a:t>
+            </a:r>
+            <a:r>
+              <a:rPr lang="en-US" altLang="ja-JP" dirty="0" err="1"/>
+              <a:t>Pwn</a:t>
+            </a:r>
+            <a:r>
+              <a:rPr lang="en-US" altLang="ja-JP" dirty="0"/>
+              <a:t>]		      </a:t>
+            </a:r>
+            <a:r>
+              <a:rPr lang="ja-JP" altLang="en-US" dirty="0"/>
+              <a:t>脆弱性を探しサーバを攻撃</a:t>
+            </a:r>
+            <a:endParaRPr lang="en-US" altLang="ja-JP" dirty="0"/>
+          </a:p>
+        </p:txBody>
+      </p:sp>
+      <p:sp>
+        <p:nvSpPr>
+          <p:cNvPr id="4" name="テキスト ボックス 3">
+            <a:extLst>
+              <a:ext uri="{FF2B5EF4-FFF2-40B4-BE49-F238E27FC236}">
+                <a16:creationId xmlns:a16="http://schemas.microsoft.com/office/drawing/2014/main" id="{1E5B763E-D3CA-B870-1F11-1658F4B87588}"/>
               </a:ext>
             </a:extLst>
           </p:cNvPr>
@@ -6091,8 +7495,8 @@
         </p:nvSpPr>
         <p:spPr>
           <a:xfrm>
-            <a:off x="7310561" y="6226910"/>
-            <a:ext cx="2640466" cy="369332"/>
+            <a:off x="1470992" y="6400800"/>
+            <a:ext cx="10341293" cy="369332"/>
           </a:xfrm>
           <a:prstGeom prst="rect">
             <a:avLst/>
@@ -6106,50 +7510,16 @@
           <a:lstStyle/>
           <a:p>
             <a:r>
-              <a:rPr kumimoji="1" lang="en-US" altLang="ja-JP" dirty="0" err="1"/>
-              <a:t>picoCTF</a:t>
-            </a:r>
-            <a:r>
               <a:rPr kumimoji="1" lang="en-US" altLang="ja-JP" dirty="0"/>
-              <a:t> login </a:t>
+              <a:t>※</a:t>
             </a:r>
             <a:r>
               <a:rPr kumimoji="1" lang="ja-JP" altLang="en-US" dirty="0"/>
-              <a:t>より参照</a:t>
-            </a:r>
-          </a:p>
-        </p:txBody>
-      </p:sp>
-      <p:pic>
-        <p:nvPicPr>
-          <p:cNvPr id="6" name="図 5">
-            <a:extLst>
-              <a:ext uri="{FF2B5EF4-FFF2-40B4-BE49-F238E27FC236}">
-                <a16:creationId xmlns:a16="http://schemas.microsoft.com/office/drawing/2014/main" id="{443F3CDB-5279-6179-9FE7-B7D53FE762FB}"/>
-              </a:ext>
-            </a:extLst>
-          </p:cNvPr>
-          <p:cNvPicPr>
-            <a:picLocks noChangeAspect="1"/>
-          </p:cNvPicPr>
-          <p:nvPr/>
-        </p:nvPicPr>
-        <p:blipFill>
-          <a:blip r:embed="rId3"/>
-          <a:stretch>
-            <a:fillRect/>
-          </a:stretch>
-        </p:blipFill>
-        <p:spPr>
-          <a:xfrm>
-            <a:off x="2334869" y="1343772"/>
-            <a:ext cx="7522262" cy="4779771"/>
-          </a:xfrm>
-          <a:prstGeom prst="rect">
-            <a:avLst/>
-          </a:prstGeom>
-        </p:spPr>
-      </p:pic>
+              <a:t>ジャンル名は大会によって異なります．どのジャンルにも当てはまらない問題もあったりします</a:t>
+            </a:r>
+          </a:p>
+        </p:txBody>
+      </p:sp>
     </p:spTree>
     <p:extLst>
       <p:ext uri="{BB962C8B-B14F-4D97-AF65-F5344CB8AC3E}">
@@ -6340,7 +7710,7 @@
           <p:cNvPr id="2" name="タイトル 1">
             <a:extLst>
               <a:ext uri="{FF2B5EF4-FFF2-40B4-BE49-F238E27FC236}">
-                <a16:creationId xmlns:a16="http://schemas.microsoft.com/office/drawing/2014/main" id="{AE4FD9F2-08A4-A40D-CB3D-E959F1C63886}"/>
+                <a16:creationId xmlns:a16="http://schemas.microsoft.com/office/drawing/2014/main" id="{A9E66710-0B23-2287-95CA-7E23CF14067E}"/>
               </a:ext>
             </a:extLst>
           </p:cNvPr>
@@ -6377,7 +7747,7 @@
           <p:cNvPr id="3" name="コンテンツ プレースホルダー 2">
             <a:extLst>
               <a:ext uri="{FF2B5EF4-FFF2-40B4-BE49-F238E27FC236}">
-                <a16:creationId xmlns:a16="http://schemas.microsoft.com/office/drawing/2014/main" id="{C01140E3-C5A0-7090-A2DA-76CA4B573C18}"/>
+                <a16:creationId xmlns:a16="http://schemas.microsoft.com/office/drawing/2014/main" id="{A77BA48B-23AD-9AFF-9A5A-0C8EE609B19D}"/>
               </a:ext>
             </a:extLst>
           </p:cNvPr>
@@ -6398,20 +7768,15 @@
             </a:pPr>
             <a:r>
               <a:rPr kumimoji="1" lang="ja-JP" altLang="en-US" dirty="0"/>
-              <a:t>実演</a:t>
-            </a:r>
-            <a:r>
-              <a:rPr lang="ja-JP" altLang="en-US" dirty="0"/>
-              <a:t>＆ときどきスライド解説</a:t>
-            </a:r>
-            <a:endParaRPr kumimoji="1" lang="ja-JP" altLang="en-US" dirty="0"/>
+              <a:t>実演しながらスライドでときどき補足</a:t>
+            </a:r>
           </a:p>
         </p:txBody>
       </p:sp>
     </p:spTree>
     <p:extLst>
       <p:ext uri="{BB962C8B-B14F-4D97-AF65-F5344CB8AC3E}">
-        <p14:creationId xmlns:p14="http://schemas.microsoft.com/office/powerpoint/2010/main" val="3728593724"/>
+        <p14:creationId xmlns:p14="http://schemas.microsoft.com/office/powerpoint/2010/main" val="3992254368"/>
       </p:ext>
     </p:extLst>
   </p:cSld>
@@ -6443,7 +7808,7 @@
           <p:cNvPr id="2" name="タイトル 1">
             <a:extLst>
               <a:ext uri="{FF2B5EF4-FFF2-40B4-BE49-F238E27FC236}">
-                <a16:creationId xmlns:a16="http://schemas.microsoft.com/office/drawing/2014/main" id="{F7DB0029-E0AA-FDB3-DAC0-2A14F4E8DB49}"/>
+                <a16:creationId xmlns:a16="http://schemas.microsoft.com/office/drawing/2014/main" id="{AE4FD9F2-08A4-A40D-CB3D-E959F1C63886}"/>
               </a:ext>
             </a:extLst>
           </p:cNvPr>
@@ -6461,7 +7826,23 @@
           <a:p>
             <a:r>
               <a:rPr kumimoji="1" lang="en-US" altLang="ja-JP" dirty="0"/>
-              <a:t>Flag</a:t>
+              <a:t>Q1.[</a:t>
+            </a:r>
+            <a:r>
+              <a:rPr kumimoji="1" lang="ja-JP" altLang="en-US" dirty="0"/>
+              <a:t>暗号</a:t>
+            </a:r>
+            <a:r>
+              <a:rPr kumimoji="1" lang="en-US" altLang="ja-JP" dirty="0"/>
+              <a:t>] </a:t>
+            </a:r>
+            <a:r>
+              <a:rPr kumimoji="1" lang="en-US" altLang="ja-JP" dirty="0" err="1"/>
+              <a:t>Caeser</a:t>
+            </a:r>
+            <a:r>
+              <a:rPr kumimoji="1" lang="en-US" altLang="ja-JP" dirty="0"/>
+              <a:t> Cipher</a:t>
             </a:r>
             <a:endParaRPr kumimoji="1" lang="ja-JP" altLang="en-US" dirty="0"/>
           </a:p>
@@ -6472,7 +7853,7 @@
           <p:cNvPr id="3" name="コンテンツ プレースホルダー 2">
             <a:extLst>
               <a:ext uri="{FF2B5EF4-FFF2-40B4-BE49-F238E27FC236}">
-                <a16:creationId xmlns:a16="http://schemas.microsoft.com/office/drawing/2014/main" id="{5130A3E4-F8FA-A3B8-2D9D-F2DD174DA5C1}"/>
+                <a16:creationId xmlns:a16="http://schemas.microsoft.com/office/drawing/2014/main" id="{C01140E3-C5A0-7090-A2DA-76CA4B573C18}"/>
               </a:ext>
             </a:extLst>
           </p:cNvPr>
@@ -6491,45 +7872,71 @@
             <a:pPr marL="0" indent="0">
               <a:buNone/>
             </a:pPr>
-            <a:r>
-              <a:rPr kumimoji="1" lang="en-US" altLang="ja-JP" dirty="0"/>
-              <a:t>Q1. </a:t>
-            </a:r>
-          </a:p>
-          <a:p>
-            <a:pPr marL="0" indent="0">
-              <a:buNone/>
-            </a:pPr>
+            <a:endParaRPr kumimoji="1" lang="ja-JP" altLang="en-US" dirty="0"/>
+          </a:p>
+        </p:txBody>
+      </p:sp>
+      <p:sp>
+        <p:nvSpPr>
+          <p:cNvPr id="4" name="正方形/長方形 3">
+            <a:extLst>
+              <a:ext uri="{FF2B5EF4-FFF2-40B4-BE49-F238E27FC236}">
+                <a16:creationId xmlns:a16="http://schemas.microsoft.com/office/drawing/2014/main" id="{BAB9F07B-844A-DD2F-9A6C-82A60A27C3F5}"/>
+              </a:ext>
+            </a:extLst>
+          </p:cNvPr>
+          <p:cNvSpPr/>
+          <p:nvPr/>
+        </p:nvSpPr>
+        <p:spPr>
+          <a:xfrm>
+            <a:off x="0" y="0"/>
+            <a:ext cx="1846053" cy="543464"/>
+          </a:xfrm>
+          <a:prstGeom prst="rect">
+            <a:avLst/>
+          </a:prstGeom>
+          <a:solidFill>
+            <a:schemeClr val="accent1">
+              <a:lumMod val="50000"/>
+            </a:schemeClr>
+          </a:solidFill>
+          <a:ln>
+            <a:noFill/>
+          </a:ln>
+        </p:spPr>
+        <p:style>
+          <a:lnRef idx="2">
+            <a:schemeClr val="accent1">
+              <a:shade val="50000"/>
+            </a:schemeClr>
+          </a:lnRef>
+          <a:fillRef idx="1">
+            <a:schemeClr val="accent1"/>
+          </a:fillRef>
+          <a:effectRef idx="0">
+            <a:schemeClr val="accent1"/>
+          </a:effectRef>
+          <a:fontRef idx="minor">
+            <a:schemeClr val="lt1"/>
+          </a:fontRef>
+        </p:style>
+        <p:txBody>
+          <a:bodyPr rtlCol="0" anchor="ctr"/>
+          <a:lstStyle/>
+          <a:p>
+            <a:pPr algn="ctr"/>
             <a:r>
               <a:rPr lang="en-US" altLang="ja-JP" dirty="0"/>
-              <a:t>Q2. </a:t>
-            </a:r>
-          </a:p>
-          <a:p>
-            <a:pPr marL="0" indent="0">
-              <a:buNone/>
-            </a:pPr>
-            <a:r>
-              <a:rPr kumimoji="1" lang="en-US" altLang="ja-JP" dirty="0"/>
-              <a:t>Q3. </a:t>
-            </a:r>
-          </a:p>
-          <a:p>
-            <a:pPr marL="0" indent="0">
-              <a:buNone/>
-            </a:pPr>
+              <a:t>Writeup(</a:t>
+            </a:r>
+            <a:r>
+              <a:rPr lang="ja-JP" altLang="en-US" dirty="0"/>
+              <a:t>解説</a:t>
+            </a:r>
             <a:r>
               <a:rPr lang="en-US" altLang="ja-JP" dirty="0"/>
-              <a:t>Q4. </a:t>
-            </a:r>
-          </a:p>
-          <a:p>
-            <a:pPr marL="0" indent="0">
-              <a:buNone/>
-            </a:pPr>
-            <a:r>
-              <a:rPr kumimoji="1" lang="en-US" altLang="ja-JP" dirty="0"/>
-              <a:t>Q5.</a:t>
+              <a:t>)</a:t>
             </a:r>
             <a:endParaRPr kumimoji="1" lang="ja-JP" altLang="en-US" dirty="0"/>
           </a:p>
@@ -6538,7 +7945,7 @@
     </p:spTree>
     <p:extLst>
       <p:ext uri="{BB962C8B-B14F-4D97-AF65-F5344CB8AC3E}">
-        <p14:creationId xmlns:p14="http://schemas.microsoft.com/office/powerpoint/2010/main" val="699692842"/>
+        <p14:creationId xmlns:p14="http://schemas.microsoft.com/office/powerpoint/2010/main" val="3728593724"/>
       </p:ext>
     </p:extLst>
   </p:cSld>
@@ -6570,7 +7977,7 @@
           <p:cNvPr id="2" name="タイトル 1">
             <a:extLst>
               <a:ext uri="{FF2B5EF4-FFF2-40B4-BE49-F238E27FC236}">
-                <a16:creationId xmlns:a16="http://schemas.microsoft.com/office/drawing/2014/main" id="{D67C207A-8AEA-0BC0-CC84-3C0B35202EB9}"/>
+                <a16:creationId xmlns:a16="http://schemas.microsoft.com/office/drawing/2014/main" id="{AE4FD9F2-08A4-A40D-CB3D-E959F1C63886}"/>
               </a:ext>
             </a:extLst>
           </p:cNvPr>
@@ -6587,8 +7994,20 @@
           <a:lstStyle/>
           <a:p>
             <a:r>
+              <a:rPr kumimoji="1" lang="en-US" altLang="ja-JP" dirty="0"/>
+              <a:t>Q2.[</a:t>
+            </a:r>
+            <a:r>
               <a:rPr kumimoji="1" lang="ja-JP" altLang="en-US" dirty="0"/>
-              <a:t>最後に</a:t>
+              <a:t>基本スキル</a:t>
+            </a:r>
+            <a:r>
+              <a:rPr kumimoji="1" lang="en-US" altLang="ja-JP" dirty="0"/>
+              <a:t>] </a:t>
+            </a:r>
+            <a:r>
+              <a:rPr kumimoji="1" lang="ja-JP" altLang="en-US" dirty="0"/>
+              <a:t>ファイル探し</a:t>
             </a:r>
           </a:p>
         </p:txBody>
@@ -6598,7 +8017,7 @@
           <p:cNvPr id="3" name="コンテンツ プレースホルダー 2">
             <a:extLst>
               <a:ext uri="{FF2B5EF4-FFF2-40B4-BE49-F238E27FC236}">
-                <a16:creationId xmlns:a16="http://schemas.microsoft.com/office/drawing/2014/main" id="{B0748512-91CE-3884-0495-8E10BC8BA8AF}"/>
+                <a16:creationId xmlns:a16="http://schemas.microsoft.com/office/drawing/2014/main" id="{C01140E3-C5A0-7090-A2DA-76CA4B573C18}"/>
               </a:ext>
             </a:extLst>
           </p:cNvPr>
@@ -6608,160 +8027,89 @@
           <p:nvPr>
             <p:ph idx="1"/>
           </p:nvPr>
+        </p:nvSpPr>
+        <p:spPr/>
+        <p:txBody>
+          <a:bodyPr/>
+          <a:lstStyle/>
+          <a:p>
+            <a:pPr marL="0" indent="0">
+              <a:buNone/>
+            </a:pPr>
+            <a:endParaRPr kumimoji="1" lang="ja-JP" altLang="en-US" dirty="0"/>
+          </a:p>
+        </p:txBody>
+      </p:sp>
+      <p:sp>
+        <p:nvSpPr>
+          <p:cNvPr id="4" name="正方形/長方形 3">
+            <a:extLst>
+              <a:ext uri="{FF2B5EF4-FFF2-40B4-BE49-F238E27FC236}">
+                <a16:creationId xmlns:a16="http://schemas.microsoft.com/office/drawing/2014/main" id="{BAB9F07B-844A-DD2F-9A6C-82A60A27C3F5}"/>
+              </a:ext>
+            </a:extLst>
+          </p:cNvPr>
+          <p:cNvSpPr/>
+          <p:nvPr/>
         </p:nvSpPr>
         <p:spPr>
           <a:xfrm>
-            <a:off x="838200" y="1857423"/>
-            <a:ext cx="10515600" cy="4351338"/>
-          </a:xfrm>
-        </p:spPr>
-        <p:txBody>
-          <a:bodyPr/>
-          <a:lstStyle/>
-          <a:p>
-            <a:pPr marL="0" indent="0">
-              <a:buNone/>
-            </a:pPr>
-            <a:r>
-              <a:rPr kumimoji="1" lang="ja-JP" altLang="en-US" dirty="0"/>
-              <a:t>これを機に</a:t>
-            </a:r>
-            <a:r>
-              <a:rPr lang="en-US" altLang="ja-JP" dirty="0"/>
-              <a:t>CTF</a:t>
-            </a:r>
-            <a:r>
-              <a:rPr lang="ja-JP" altLang="en-US" dirty="0"/>
-              <a:t>に挑戦する人が増えるとすごく嬉しいです</a:t>
-            </a:r>
-            <a:endParaRPr lang="en-US" altLang="ja-JP" dirty="0"/>
-          </a:p>
-          <a:p>
-            <a:pPr marL="0" indent="0">
-              <a:buNone/>
-            </a:pPr>
-            <a:endParaRPr kumimoji="1" lang="en-US" altLang="ja-JP" dirty="0"/>
-          </a:p>
-          <a:p>
-            <a:pPr marL="0" indent="0">
-              <a:buNone/>
-            </a:pPr>
-            <a:r>
-              <a:rPr lang="ja-JP" altLang="en-US" dirty="0"/>
-              <a:t>興味を持ってくれた方はまずは初心者向けで常設の「</a:t>
-            </a:r>
-            <a:r>
-              <a:rPr lang="en-US" altLang="ja-JP" dirty="0" err="1"/>
-              <a:t>CpawCTF</a:t>
-            </a:r>
-            <a:r>
-              <a:rPr lang="ja-JP" altLang="en-US" dirty="0"/>
-              <a:t>」「</a:t>
-            </a:r>
-            <a:r>
-              <a:rPr lang="en-US" altLang="ja-JP" dirty="0" err="1"/>
-              <a:t>picoCTF</a:t>
-            </a:r>
-            <a:r>
-              <a:rPr lang="ja-JP" altLang="en-US" dirty="0"/>
-              <a:t>」がおすすめ</a:t>
-            </a:r>
-            <a:endParaRPr lang="en-US" altLang="ja-JP" dirty="0"/>
-          </a:p>
-          <a:p>
-            <a:pPr marL="0" indent="0">
-              <a:buNone/>
-            </a:pPr>
-            <a:endParaRPr lang="en-US" altLang="ja-JP" dirty="0"/>
-          </a:p>
-          <a:p>
-            <a:pPr marL="0" indent="0">
-              <a:buNone/>
-            </a:pPr>
-            <a:r>
-              <a:rPr lang="en-US" altLang="ja-JP" dirty="0"/>
-              <a:t>6/4~5</a:t>
-            </a:r>
-            <a:r>
-              <a:rPr lang="ja-JP" altLang="en-US" dirty="0"/>
-              <a:t>に初心者向け</a:t>
-            </a:r>
-            <a:r>
-              <a:rPr lang="en-US" altLang="ja-JP" dirty="0"/>
-              <a:t>CTF</a:t>
-            </a:r>
-            <a:r>
-              <a:rPr lang="ja-JP" altLang="en-US" dirty="0"/>
-              <a:t>「</a:t>
-            </a:r>
-            <a:r>
-              <a:rPr lang="en-US" altLang="ja-JP" dirty="0"/>
-              <a:t>SECCON for Beginners</a:t>
-            </a:r>
-            <a:r>
-              <a:rPr lang="ja-JP" altLang="en-US" dirty="0"/>
-              <a:t>」があります</a:t>
-            </a:r>
-            <a:endParaRPr lang="en-US" altLang="ja-JP" dirty="0"/>
-          </a:p>
-          <a:p>
-            <a:pPr marL="0" indent="0">
-              <a:buNone/>
-            </a:pPr>
-            <a:r>
-              <a:rPr lang="ja-JP" altLang="en-US" dirty="0"/>
-              <a:t>チームメンバーも募集しています</a:t>
-            </a:r>
-            <a:endParaRPr lang="en-US" altLang="ja-JP" dirty="0"/>
-          </a:p>
-          <a:p>
-            <a:pPr marL="0" indent="0">
-              <a:buNone/>
-            </a:pPr>
-            <a:endParaRPr kumimoji="1" lang="en-US" altLang="ja-JP" dirty="0"/>
-          </a:p>
-          <a:p>
-            <a:pPr marL="0" indent="0">
-              <a:buNone/>
-            </a:pPr>
-            <a:endParaRPr kumimoji="1" lang="ja-JP" altLang="en-US" dirty="0"/>
-          </a:p>
-        </p:txBody>
-      </p:sp>
-      <p:pic>
-        <p:nvPicPr>
-          <p:cNvPr id="5" name="図 4">
-            <a:extLst>
-              <a:ext uri="{FF2B5EF4-FFF2-40B4-BE49-F238E27FC236}">
-                <a16:creationId xmlns:a16="http://schemas.microsoft.com/office/drawing/2014/main" id="{B766504D-7C19-BD18-6D64-1D35DCF77E69}"/>
-              </a:ext>
-            </a:extLst>
-          </p:cNvPr>
-          <p:cNvPicPr>
-            <a:picLocks noChangeAspect="1"/>
-          </p:cNvPicPr>
-          <p:nvPr/>
-        </p:nvPicPr>
-        <p:blipFill>
-          <a:blip r:embed="rId2"/>
-          <a:stretch>
-            <a:fillRect/>
-          </a:stretch>
-        </p:blipFill>
-        <p:spPr>
-          <a:xfrm>
-            <a:off x="7245123" y="5124498"/>
-            <a:ext cx="3629025" cy="1219200"/>
+            <a:off x="0" y="0"/>
+            <a:ext cx="1846053" cy="543464"/>
           </a:xfrm>
           <a:prstGeom prst="rect">
             <a:avLst/>
           </a:prstGeom>
+          <a:solidFill>
+            <a:schemeClr val="accent1">
+              <a:lumMod val="50000"/>
+            </a:schemeClr>
+          </a:solidFill>
+          <a:ln>
+            <a:noFill/>
+          </a:ln>
         </p:spPr>
-      </p:pic>
+        <p:style>
+          <a:lnRef idx="2">
+            <a:schemeClr val="accent1">
+              <a:shade val="50000"/>
+            </a:schemeClr>
+          </a:lnRef>
+          <a:fillRef idx="1">
+            <a:schemeClr val="accent1"/>
+          </a:fillRef>
+          <a:effectRef idx="0">
+            <a:schemeClr val="accent1"/>
+          </a:effectRef>
+          <a:fontRef idx="minor">
+            <a:schemeClr val="lt1"/>
+          </a:fontRef>
+        </p:style>
+        <p:txBody>
+          <a:bodyPr rtlCol="0" anchor="ctr"/>
+          <a:lstStyle/>
+          <a:p>
+            <a:pPr algn="ctr"/>
+            <a:r>
+              <a:rPr lang="en-US" altLang="ja-JP" dirty="0"/>
+              <a:t>Writeup(</a:t>
+            </a:r>
+            <a:r>
+              <a:rPr lang="ja-JP" altLang="en-US" dirty="0"/>
+              <a:t>解説</a:t>
+            </a:r>
+            <a:r>
+              <a:rPr lang="en-US" altLang="ja-JP" dirty="0"/>
+              <a:t>)</a:t>
+            </a:r>
+            <a:endParaRPr kumimoji="1" lang="ja-JP" altLang="en-US" dirty="0"/>
+          </a:p>
+        </p:txBody>
+      </p:sp>
     </p:spTree>
     <p:extLst>
       <p:ext uri="{BB962C8B-B14F-4D97-AF65-F5344CB8AC3E}">
-        <p14:creationId xmlns:p14="http://schemas.microsoft.com/office/powerpoint/2010/main" val="4034882179"/>
+        <p14:creationId xmlns:p14="http://schemas.microsoft.com/office/powerpoint/2010/main" val="3341768059"/>
       </p:ext>
     </p:extLst>
   </p:cSld>

--- a/ゼミ発表資料/ctf発表スライド.pptx
+++ b/ゼミ発表資料/ctf発表スライド.pptx
@@ -210,7 +210,7 @@
           <a:p>
             <a:fld id="{87BA2735-DF19-4C03-AFD3-1329772BF7FF}" type="datetimeFigureOut">
               <a:rPr kumimoji="1" lang="ja-JP" altLang="en-US" smtClean="0"/>
-              <a:t>2022/5/22</a:t>
+              <a:t>2022/5/23</a:t>
             </a:fld>
             <a:endParaRPr kumimoji="1" lang="ja-JP" altLang="en-US"/>
           </a:p>
@@ -596,6 +596,115 @@
 </p:notes>
 </file>
 
+<file path=ppt/notesSlides/notesSlide10.xml><?xml version="1.0" encoding="utf-8"?>
+<p:notes xmlns:a="http://schemas.openxmlformats.org/drawingml/2006/main" xmlns:r="http://schemas.openxmlformats.org/officeDocument/2006/relationships" xmlns:p="http://schemas.openxmlformats.org/presentationml/2006/main">
+  <p:cSld>
+    <p:spTree>
+      <p:nvGrpSpPr>
+        <p:cNvPr id="1" name=""/>
+        <p:cNvGrpSpPr/>
+        <p:nvPr/>
+      </p:nvGrpSpPr>
+      <p:grpSpPr>
+        <a:xfrm>
+          <a:off x="0" y="0"/>
+          <a:ext cx="0" cy="0"/>
+          <a:chOff x="0" y="0"/>
+          <a:chExt cx="0" cy="0"/>
+        </a:xfrm>
+      </p:grpSpPr>
+      <p:sp>
+        <p:nvSpPr>
+          <p:cNvPr id="2" name="スライド イメージ プレースホルダー 1"/>
+          <p:cNvSpPr>
+            <a:spLocks noGrp="1" noRot="1" noChangeAspect="1"/>
+          </p:cNvSpPr>
+          <p:nvPr>
+            <p:ph type="sldImg"/>
+          </p:nvPr>
+        </p:nvSpPr>
+        <p:spPr/>
+      </p:sp>
+      <p:sp>
+        <p:nvSpPr>
+          <p:cNvPr id="3" name="ノート プレースホルダー 2"/>
+          <p:cNvSpPr>
+            <a:spLocks noGrp="1"/>
+          </p:cNvSpPr>
+          <p:nvPr>
+            <p:ph type="body" idx="1"/>
+          </p:nvPr>
+        </p:nvSpPr>
+        <p:spPr/>
+        <p:txBody>
+          <a:bodyPr/>
+          <a:lstStyle/>
+          <a:p>
+            <a:r>
+              <a:rPr kumimoji="1" lang="ja-JP" altLang="en-US" dirty="0"/>
+              <a:t>いかがでしたでしょうか</a:t>
+            </a:r>
+            <a:endParaRPr kumimoji="1" lang="en-US" altLang="ja-JP" dirty="0"/>
+          </a:p>
+          <a:p>
+            <a:r>
+              <a:rPr kumimoji="1" lang="ja-JP" altLang="en-US" dirty="0"/>
+              <a:t>僕も</a:t>
+            </a:r>
+            <a:r>
+              <a:rPr kumimoji="1" lang="en-US" altLang="ja-JP" dirty="0"/>
+              <a:t>CTF</a:t>
+            </a:r>
+            <a:r>
+              <a:rPr kumimoji="1" lang="ja-JP" altLang="en-US" dirty="0"/>
+              <a:t>始めたばかりの初心者なので，ぜひ気楽に声かけてください！</a:t>
+            </a:r>
+            <a:endParaRPr kumimoji="1" lang="en-US" altLang="ja-JP" dirty="0"/>
+          </a:p>
+          <a:p>
+            <a:r>
+              <a:rPr kumimoji="1" lang="ja-JP" altLang="en-US" dirty="0"/>
+              <a:t>以上で発表を終わります．</a:t>
+            </a:r>
+          </a:p>
+        </p:txBody>
+      </p:sp>
+      <p:sp>
+        <p:nvSpPr>
+          <p:cNvPr id="4" name="スライド番号プレースホルダー 3"/>
+          <p:cNvSpPr>
+            <a:spLocks noGrp="1"/>
+          </p:cNvSpPr>
+          <p:nvPr>
+            <p:ph type="sldNum" sz="quarter" idx="5"/>
+          </p:nvPr>
+        </p:nvSpPr>
+        <p:spPr/>
+        <p:txBody>
+          <a:bodyPr/>
+          <a:lstStyle/>
+          <a:p>
+            <a:fld id="{E7386CD3-D5E2-405B-BA6B-1EA98FC51146}" type="slidenum">
+              <a:rPr kumimoji="1" lang="ja-JP" altLang="en-US" smtClean="0"/>
+              <a:t>14</a:t>
+            </a:fld>
+            <a:endParaRPr kumimoji="1" lang="ja-JP" altLang="en-US"/>
+          </a:p>
+        </p:txBody>
+      </p:sp>
+    </p:spTree>
+    <p:extLst>
+      <p:ext uri="{BB962C8B-B14F-4D97-AF65-F5344CB8AC3E}">
+        <p14:creationId xmlns:p14="http://schemas.microsoft.com/office/powerpoint/2010/main" val="2260068129"/>
+      </p:ext>
+    </p:extLst>
+  </p:cSld>
+  <p:clrMapOvr>
+    <a:masterClrMapping/>
+  </p:clrMapOvr>
+</p:notes>
+</file>
+
 <file path=ppt/notesSlides/notesSlide2.xml><?xml version="1.0" encoding="utf-8"?>
 <p:notes xmlns:a="http://schemas.openxmlformats.org/drawingml/2006/main" xmlns:r="http://schemas.openxmlformats.org/officeDocument/2006/relationships" xmlns:p="http://schemas.openxmlformats.org/presentationml/2006/main">
   <p:cSld>
@@ -759,7 +868,7 @@
             </a:r>
             <a:r>
               <a:rPr kumimoji="1" lang="ja-JP" altLang="en-US" dirty="0"/>
-              <a:t>ヘッダ</a:t>
+              <a:t>フォーマット</a:t>
             </a:r>
             <a:endParaRPr kumimoji="1" lang="en-US" altLang="ja-JP" dirty="0"/>
           </a:p>
@@ -845,7 +954,10 @@
           <a:bodyPr/>
           <a:lstStyle/>
           <a:p>
-            <a:endParaRPr kumimoji="1" lang="ja-JP" altLang="en-US" dirty="0"/>
+            <a:r>
+              <a:rPr kumimoji="1" lang="ja-JP" altLang="en-US" dirty="0"/>
+              <a:t>実演したあとにスライドでまとめかな</a:t>
+            </a:r>
           </a:p>
         </p:txBody>
       </p:sp>
@@ -866,7 +978,7 @@
           <a:p>
             <a:fld id="{E7386CD3-D5E2-405B-BA6B-1EA98FC51146}" type="slidenum">
               <a:rPr kumimoji="1" lang="ja-JP" altLang="en-US" smtClean="0"/>
-              <a:t>8</a:t>
+              <a:t>7</a:t>
             </a:fld>
             <a:endParaRPr kumimoji="1" lang="ja-JP" altLang="en-US"/>
           </a:p>
@@ -875,7 +987,7 @@
     </p:spTree>
     <p:extLst>
       <p:ext uri="{BB962C8B-B14F-4D97-AF65-F5344CB8AC3E}">
-        <p14:creationId xmlns:p14="http://schemas.microsoft.com/office/powerpoint/2010/main" val="4089441026"/>
+        <p14:creationId xmlns:p14="http://schemas.microsoft.com/office/powerpoint/2010/main" val="891075283"/>
       </p:ext>
     </p:extLst>
   </p:cSld>
@@ -950,7 +1062,7 @@
           <a:p>
             <a:fld id="{E7386CD3-D5E2-405B-BA6B-1EA98FC51146}" type="slidenum">
               <a:rPr kumimoji="1" lang="ja-JP" altLang="en-US" smtClean="0"/>
-              <a:t>9</a:t>
+              <a:t>8</a:t>
             </a:fld>
             <a:endParaRPr kumimoji="1" lang="ja-JP" altLang="en-US"/>
           </a:p>
@@ -959,7 +1071,7 @@
     </p:spTree>
     <p:extLst>
       <p:ext uri="{BB962C8B-B14F-4D97-AF65-F5344CB8AC3E}">
-        <p14:creationId xmlns:p14="http://schemas.microsoft.com/office/powerpoint/2010/main" val="798620530"/>
+        <p14:creationId xmlns:p14="http://schemas.microsoft.com/office/powerpoint/2010/main" val="4089441026"/>
       </p:ext>
     </p:extLst>
   </p:cSld>
@@ -1034,7 +1146,7 @@
           <a:p>
             <a:fld id="{E7386CD3-D5E2-405B-BA6B-1EA98FC51146}" type="slidenum">
               <a:rPr kumimoji="1" lang="ja-JP" altLang="en-US" smtClean="0"/>
-              <a:t>10</a:t>
+              <a:t>9</a:t>
             </a:fld>
             <a:endParaRPr kumimoji="1" lang="ja-JP" altLang="en-US"/>
           </a:p>
@@ -1043,7 +1155,7 @@
     </p:spTree>
     <p:extLst>
       <p:ext uri="{BB962C8B-B14F-4D97-AF65-F5344CB8AC3E}">
-        <p14:creationId xmlns:p14="http://schemas.microsoft.com/office/powerpoint/2010/main" val="1968705539"/>
+        <p14:creationId xmlns:p14="http://schemas.microsoft.com/office/powerpoint/2010/main" val="798620530"/>
       </p:ext>
     </p:extLst>
   </p:cSld>
@@ -1118,6 +1230,90 @@
           <a:p>
             <a:fld id="{E7386CD3-D5E2-405B-BA6B-1EA98FC51146}" type="slidenum">
               <a:rPr kumimoji="1" lang="ja-JP" altLang="en-US" smtClean="0"/>
+              <a:t>10</a:t>
+            </a:fld>
+            <a:endParaRPr kumimoji="1" lang="ja-JP" altLang="en-US"/>
+          </a:p>
+        </p:txBody>
+      </p:sp>
+    </p:spTree>
+    <p:extLst>
+      <p:ext uri="{BB962C8B-B14F-4D97-AF65-F5344CB8AC3E}">
+        <p14:creationId xmlns:p14="http://schemas.microsoft.com/office/powerpoint/2010/main" val="1968705539"/>
+      </p:ext>
+    </p:extLst>
+  </p:cSld>
+  <p:clrMapOvr>
+    <a:masterClrMapping/>
+  </p:clrMapOvr>
+</p:notes>
+</file>
+
+<file path=ppt/notesSlides/notesSlide8.xml><?xml version="1.0" encoding="utf-8"?>
+<p:notes xmlns:a="http://schemas.openxmlformats.org/drawingml/2006/main" xmlns:r="http://schemas.openxmlformats.org/officeDocument/2006/relationships" xmlns:p="http://schemas.openxmlformats.org/presentationml/2006/main">
+  <p:cSld>
+    <p:spTree>
+      <p:nvGrpSpPr>
+        <p:cNvPr id="1" name=""/>
+        <p:cNvGrpSpPr/>
+        <p:nvPr/>
+      </p:nvGrpSpPr>
+      <p:grpSpPr>
+        <a:xfrm>
+          <a:off x="0" y="0"/>
+          <a:ext cx="0" cy="0"/>
+          <a:chOff x="0" y="0"/>
+          <a:chExt cx="0" cy="0"/>
+        </a:xfrm>
+      </p:grpSpPr>
+      <p:sp>
+        <p:nvSpPr>
+          <p:cNvPr id="2" name="スライド イメージ プレースホルダー 1"/>
+          <p:cNvSpPr>
+            <a:spLocks noGrp="1" noRot="1" noChangeAspect="1"/>
+          </p:cNvSpPr>
+          <p:nvPr>
+            <p:ph type="sldImg"/>
+          </p:nvPr>
+        </p:nvSpPr>
+        <p:spPr/>
+      </p:sp>
+      <p:sp>
+        <p:nvSpPr>
+          <p:cNvPr id="3" name="ノート プレースホルダー 2"/>
+          <p:cNvSpPr>
+            <a:spLocks noGrp="1"/>
+          </p:cNvSpPr>
+          <p:nvPr>
+            <p:ph type="body" idx="1"/>
+          </p:nvPr>
+        </p:nvSpPr>
+        <p:spPr/>
+        <p:txBody>
+          <a:bodyPr/>
+          <a:lstStyle/>
+          <a:p>
+            <a:endParaRPr kumimoji="1" lang="ja-JP" altLang="en-US" dirty="0"/>
+          </a:p>
+        </p:txBody>
+      </p:sp>
+      <p:sp>
+        <p:nvSpPr>
+          <p:cNvPr id="4" name="スライド番号プレースホルダー 3"/>
+          <p:cNvSpPr>
+            <a:spLocks noGrp="1"/>
+          </p:cNvSpPr>
+          <p:nvPr>
+            <p:ph type="sldNum" sz="quarter" idx="5"/>
+          </p:nvPr>
+        </p:nvSpPr>
+        <p:spPr/>
+        <p:txBody>
+          <a:bodyPr/>
+          <a:lstStyle/>
+          <a:p>
+            <a:fld id="{E7386CD3-D5E2-405B-BA6B-1EA98FC51146}" type="slidenum">
+              <a:rPr kumimoji="1" lang="ja-JP" altLang="en-US" smtClean="0"/>
               <a:t>11</a:t>
             </a:fld>
             <a:endParaRPr kumimoji="1" lang="ja-JP" altLang="en-US"/>
@@ -1137,7 +1333,7 @@
 </p:notes>
 </file>
 
-<file path=ppt/notesSlides/notesSlide8.xml><?xml version="1.0" encoding="utf-8"?>
+<file path=ppt/notesSlides/notesSlide9.xml><?xml version="1.0" encoding="utf-8"?>
 <p:notes xmlns:a="http://schemas.openxmlformats.org/drawingml/2006/main" xmlns:r="http://schemas.openxmlformats.org/officeDocument/2006/relationships" xmlns:p="http://schemas.openxmlformats.org/presentationml/2006/main">
   <p:cSld>
     <p:spTree>
@@ -1368,7 +1564,7 @@
           <a:p>
             <a:fld id="{1C7DF19C-EDF4-4C81-9E45-CE9699929634}" type="datetimeFigureOut">
               <a:rPr kumimoji="1" lang="ja-JP" altLang="en-US" smtClean="0"/>
-              <a:t>2022/5/22</a:t>
+              <a:t>2022/5/23</a:t>
             </a:fld>
             <a:endParaRPr kumimoji="1" lang="ja-JP" altLang="en-US"/>
           </a:p>
@@ -1598,7 +1794,7 @@
           <a:p>
             <a:fld id="{1C7DF19C-EDF4-4C81-9E45-CE9699929634}" type="datetimeFigureOut">
               <a:rPr kumimoji="1" lang="ja-JP" altLang="en-US" smtClean="0"/>
-              <a:t>2022/5/22</a:t>
+              <a:t>2022/5/23</a:t>
             </a:fld>
             <a:endParaRPr kumimoji="1" lang="ja-JP" altLang="en-US"/>
           </a:p>
@@ -1838,7 +2034,7 @@
           <a:p>
             <a:fld id="{1C7DF19C-EDF4-4C81-9E45-CE9699929634}" type="datetimeFigureOut">
               <a:rPr kumimoji="1" lang="ja-JP" altLang="en-US" smtClean="0"/>
-              <a:t>2022/5/22</a:t>
+              <a:t>2022/5/23</a:t>
             </a:fld>
             <a:endParaRPr kumimoji="1" lang="ja-JP" altLang="en-US"/>
           </a:p>
@@ -2068,7 +2264,7 @@
           <a:p>
             <a:fld id="{1C7DF19C-EDF4-4C81-9E45-CE9699929634}" type="datetimeFigureOut">
               <a:rPr kumimoji="1" lang="ja-JP" altLang="en-US" smtClean="0"/>
-              <a:t>2022/5/22</a:t>
+              <a:t>2022/5/23</a:t>
             </a:fld>
             <a:endParaRPr kumimoji="1" lang="ja-JP" altLang="en-US"/>
           </a:p>
@@ -2343,7 +2539,7 @@
           <a:p>
             <a:fld id="{1C7DF19C-EDF4-4C81-9E45-CE9699929634}" type="datetimeFigureOut">
               <a:rPr kumimoji="1" lang="ja-JP" altLang="en-US" smtClean="0"/>
-              <a:t>2022/5/22</a:t>
+              <a:t>2022/5/23</a:t>
             </a:fld>
             <a:endParaRPr kumimoji="1" lang="ja-JP" altLang="en-US"/>
           </a:p>
@@ -2672,7 +2868,7 @@
           <a:p>
             <a:fld id="{1C7DF19C-EDF4-4C81-9E45-CE9699929634}" type="datetimeFigureOut">
               <a:rPr kumimoji="1" lang="ja-JP" altLang="en-US" smtClean="0"/>
-              <a:t>2022/5/22</a:t>
+              <a:t>2022/5/23</a:t>
             </a:fld>
             <a:endParaRPr kumimoji="1" lang="ja-JP" altLang="en-US"/>
           </a:p>
@@ -3148,7 +3344,7 @@
           <a:p>
             <a:fld id="{1C7DF19C-EDF4-4C81-9E45-CE9699929634}" type="datetimeFigureOut">
               <a:rPr kumimoji="1" lang="ja-JP" altLang="en-US" smtClean="0"/>
-              <a:t>2022/5/22</a:t>
+              <a:t>2022/5/23</a:t>
             </a:fld>
             <a:endParaRPr kumimoji="1" lang="ja-JP" altLang="en-US"/>
           </a:p>
@@ -3289,7 +3485,7 @@
           <a:p>
             <a:fld id="{1C7DF19C-EDF4-4C81-9E45-CE9699929634}" type="datetimeFigureOut">
               <a:rPr kumimoji="1" lang="ja-JP" altLang="en-US" smtClean="0"/>
-              <a:t>2022/5/22</a:t>
+              <a:t>2022/5/23</a:t>
             </a:fld>
             <a:endParaRPr kumimoji="1" lang="ja-JP" altLang="en-US"/>
           </a:p>
@@ -3402,7 +3598,7 @@
           <a:p>
             <a:fld id="{1C7DF19C-EDF4-4C81-9E45-CE9699929634}" type="datetimeFigureOut">
               <a:rPr kumimoji="1" lang="ja-JP" altLang="en-US" smtClean="0"/>
-              <a:t>2022/5/22</a:t>
+              <a:t>2022/5/23</a:t>
             </a:fld>
             <a:endParaRPr kumimoji="1" lang="ja-JP" altLang="en-US"/>
           </a:p>
@@ -3745,7 +3941,7 @@
           <a:p>
             <a:fld id="{1C7DF19C-EDF4-4C81-9E45-CE9699929634}" type="datetimeFigureOut">
               <a:rPr kumimoji="1" lang="ja-JP" altLang="en-US" smtClean="0"/>
-              <a:t>2022/5/22</a:t>
+              <a:t>2022/5/23</a:t>
             </a:fld>
             <a:endParaRPr kumimoji="1" lang="ja-JP" altLang="en-US"/>
           </a:p>
@@ -4033,7 +4229,7 @@
           <a:p>
             <a:fld id="{1C7DF19C-EDF4-4C81-9E45-CE9699929634}" type="datetimeFigureOut">
               <a:rPr kumimoji="1" lang="ja-JP" altLang="en-US" smtClean="0"/>
-              <a:t>2022/5/22</a:t>
+              <a:t>2022/5/23</a:t>
             </a:fld>
             <a:endParaRPr kumimoji="1" lang="ja-JP" altLang="en-US"/>
           </a:p>
@@ -4306,7 +4502,7 @@
           <a:p>
             <a:fld id="{1C7DF19C-EDF4-4C81-9E45-CE9699929634}" type="datetimeFigureOut">
               <a:rPr kumimoji="1" lang="ja-JP" altLang="en-US" smtClean="0"/>
-              <a:t>2022/5/22</a:t>
+              <a:t>2022/5/23</a:t>
             </a:fld>
             <a:endParaRPr kumimoji="1" lang="ja-JP" altLang="en-US"/>
           </a:p>
@@ -4972,7 +5168,66 @@
             <a:pPr marL="0" indent="0">
               <a:buNone/>
             </a:pPr>
-            <a:endParaRPr kumimoji="1" lang="ja-JP" altLang="en-US" dirty="0"/>
+            <a:r>
+              <a:rPr kumimoji="1" lang="en-US" altLang="ja-JP" dirty="0"/>
+              <a:t>Wireshark</a:t>
+            </a:r>
+            <a:r>
+              <a:rPr kumimoji="1" lang="ja-JP" altLang="en-US" dirty="0"/>
+              <a:t>で開き，パケットを</a:t>
+            </a:r>
+            <a:endParaRPr kumimoji="1" lang="en-US" altLang="ja-JP" dirty="0"/>
+          </a:p>
+          <a:p>
+            <a:pPr marL="0" indent="0">
+              <a:buNone/>
+            </a:pPr>
+            <a:endParaRPr kumimoji="1" lang="en-US" altLang="ja-JP" dirty="0"/>
+          </a:p>
+          <a:p>
+            <a:pPr marL="0" indent="0">
+              <a:buNone/>
+            </a:pPr>
+            <a:r>
+              <a:rPr lang="ja-JP" altLang="en-US" dirty="0"/>
+              <a:t>右クリック </a:t>
+            </a:r>
+            <a:r>
+              <a:rPr lang="en-US" altLang="ja-JP" dirty="0"/>
+              <a:t>-&gt; </a:t>
+            </a:r>
+            <a:r>
+              <a:rPr lang="ja-JP" altLang="en-US" dirty="0"/>
+              <a:t>追跡 </a:t>
+            </a:r>
+            <a:r>
+              <a:rPr lang="en-US" altLang="ja-JP" dirty="0"/>
+              <a:t>-&gt; TCP</a:t>
+            </a:r>
+            <a:r>
+              <a:rPr lang="ja-JP" altLang="en-US" dirty="0"/>
+              <a:t>ストリーム</a:t>
+            </a:r>
+            <a:endParaRPr lang="en-US" altLang="ja-JP" dirty="0"/>
+          </a:p>
+          <a:p>
+            <a:pPr marL="0" indent="0">
+              <a:buNone/>
+            </a:pPr>
+            <a:endParaRPr kumimoji="1" lang="en-US" altLang="ja-JP" dirty="0"/>
+          </a:p>
+          <a:p>
+            <a:pPr marL="0" indent="0">
+              <a:buNone/>
+            </a:pPr>
+            <a:r>
+              <a:rPr kumimoji="1" lang="en-US" altLang="ja-JP" dirty="0">
+                <a:solidFill>
+                  <a:schemeClr val="accent4"/>
+                </a:solidFill>
+              </a:rPr>
+              <a:t>Flag{c4n_y0u_s33_7h1s?}</a:t>
+            </a:r>
           </a:p>
         </p:txBody>
       </p:sp>
@@ -5136,6 +5391,10 @@
             <a:pPr marL="0" indent="0">
               <a:buNone/>
             </a:pPr>
+            <a:r>
+              <a:rPr lang="ja-JP" altLang="en-US" dirty="0"/>
+              <a:t>イメージ</a:t>
+            </a:r>
             <a:endParaRPr kumimoji="1" lang="ja-JP" altLang="en-US" dirty="0"/>
           </a:p>
         </p:txBody>
@@ -5206,6 +5465,779 @@
           </a:p>
         </p:txBody>
       </p:sp>
+      <p:grpSp>
+        <p:nvGrpSpPr>
+          <p:cNvPr id="12" name="グループ化 11">
+            <a:extLst>
+              <a:ext uri="{FF2B5EF4-FFF2-40B4-BE49-F238E27FC236}">
+                <a16:creationId xmlns:a16="http://schemas.microsoft.com/office/drawing/2014/main" id="{41FB2CE6-8B15-3F4E-F368-08F99A3A2DAA}"/>
+              </a:ext>
+            </a:extLst>
+          </p:cNvPr>
+          <p:cNvGrpSpPr/>
+          <p:nvPr/>
+        </p:nvGrpSpPr>
+        <p:grpSpPr>
+          <a:xfrm>
+            <a:off x="1181820" y="2539252"/>
+            <a:ext cx="9861429" cy="1370162"/>
+            <a:chOff x="923026" y="2539252"/>
+            <a:chExt cx="9861429" cy="1370162"/>
+          </a:xfrm>
+        </p:grpSpPr>
+        <p:grpSp>
+          <p:nvGrpSpPr>
+            <p:cNvPr id="11" name="グループ化 10">
+              <a:extLst>
+                <a:ext uri="{FF2B5EF4-FFF2-40B4-BE49-F238E27FC236}">
+                  <a16:creationId xmlns:a16="http://schemas.microsoft.com/office/drawing/2014/main" id="{AB68A1E8-54EF-3554-FFD8-18A359269237}"/>
+                </a:ext>
+              </a:extLst>
+            </p:cNvPr>
+            <p:cNvGrpSpPr/>
+            <p:nvPr/>
+          </p:nvGrpSpPr>
+          <p:grpSpPr>
+            <a:xfrm>
+              <a:off x="923026" y="2539252"/>
+              <a:ext cx="4110486" cy="1370162"/>
+              <a:chOff x="923026" y="2539252"/>
+              <a:chExt cx="4110486" cy="1370162"/>
+            </a:xfrm>
+          </p:grpSpPr>
+          <p:sp>
+            <p:nvSpPr>
+              <p:cNvPr id="5" name="正方形/長方形 4">
+                <a:extLst>
+                  <a:ext uri="{FF2B5EF4-FFF2-40B4-BE49-F238E27FC236}">
+                    <a16:creationId xmlns:a16="http://schemas.microsoft.com/office/drawing/2014/main" id="{FD661510-AB96-414F-ABD8-435ADC197CDD}"/>
+                  </a:ext>
+                </a:extLst>
+              </p:cNvPr>
+              <p:cNvSpPr/>
+              <p:nvPr/>
+            </p:nvSpPr>
+            <p:spPr>
+              <a:xfrm>
+                <a:off x="923026" y="2539252"/>
+                <a:ext cx="1370162" cy="1370162"/>
+              </a:xfrm>
+              <a:prstGeom prst="rect">
+                <a:avLst/>
+              </a:prstGeom>
+              <a:solidFill>
+                <a:schemeClr val="tx1"/>
+              </a:solidFill>
+            </p:spPr>
+            <p:style>
+              <a:lnRef idx="2">
+                <a:schemeClr val="accent1">
+                  <a:shade val="50000"/>
+                </a:schemeClr>
+              </a:lnRef>
+              <a:fillRef idx="1">
+                <a:schemeClr val="accent1"/>
+              </a:fillRef>
+              <a:effectRef idx="0">
+                <a:schemeClr val="accent1"/>
+              </a:effectRef>
+              <a:fontRef idx="minor">
+                <a:schemeClr val="lt1"/>
+              </a:fontRef>
+            </p:style>
+            <p:txBody>
+              <a:bodyPr rtlCol="0" anchor="ctr"/>
+              <a:lstStyle/>
+              <a:p>
+                <a:pPr algn="ctr"/>
+                <a:r>
+                  <a:rPr lang="en-US" altLang="ja-JP" dirty="0">
+                    <a:solidFill>
+                      <a:schemeClr val="bg1"/>
+                    </a:solidFill>
+                  </a:rPr>
+                  <a:t>R: 255</a:t>
+                </a:r>
+              </a:p>
+              <a:p>
+                <a:pPr algn="ctr"/>
+                <a:r>
+                  <a:rPr kumimoji="1" lang="en-US" altLang="ja-JP" dirty="0">
+                    <a:solidFill>
+                      <a:schemeClr val="bg1"/>
+                    </a:solidFill>
+                  </a:rPr>
+                  <a:t>G: 255</a:t>
+                </a:r>
+              </a:p>
+              <a:p>
+                <a:pPr algn="ctr"/>
+                <a:r>
+                  <a:rPr lang="en-US" altLang="ja-JP" dirty="0">
+                    <a:solidFill>
+                      <a:schemeClr val="bg1"/>
+                    </a:solidFill>
+                  </a:rPr>
+                  <a:t>B: 255</a:t>
+                </a:r>
+                <a:endParaRPr kumimoji="1" lang="ja-JP" altLang="en-US" dirty="0">
+                  <a:solidFill>
+                    <a:schemeClr val="bg1"/>
+                  </a:solidFill>
+                </a:endParaRPr>
+              </a:p>
+            </p:txBody>
+          </p:sp>
+          <p:sp>
+            <p:nvSpPr>
+              <p:cNvPr id="6" name="正方形/長方形 5">
+                <a:extLst>
+                  <a:ext uri="{FF2B5EF4-FFF2-40B4-BE49-F238E27FC236}">
+                    <a16:creationId xmlns:a16="http://schemas.microsoft.com/office/drawing/2014/main" id="{2FCF0FDA-E353-F48C-110A-1343ECBFCAA5}"/>
+                  </a:ext>
+                </a:extLst>
+              </p:cNvPr>
+              <p:cNvSpPr/>
+              <p:nvPr/>
+            </p:nvSpPr>
+            <p:spPr>
+              <a:xfrm>
+                <a:off x="2293188" y="2539252"/>
+                <a:ext cx="1370162" cy="1370162"/>
+              </a:xfrm>
+              <a:prstGeom prst="rect">
+                <a:avLst/>
+              </a:prstGeom>
+              <a:solidFill>
+                <a:schemeClr val="tx1"/>
+              </a:solidFill>
+            </p:spPr>
+            <p:style>
+              <a:lnRef idx="2">
+                <a:schemeClr val="accent1">
+                  <a:shade val="50000"/>
+                </a:schemeClr>
+              </a:lnRef>
+              <a:fillRef idx="1">
+                <a:schemeClr val="accent1"/>
+              </a:fillRef>
+              <a:effectRef idx="0">
+                <a:schemeClr val="accent1"/>
+              </a:effectRef>
+              <a:fontRef idx="minor">
+                <a:schemeClr val="lt1"/>
+              </a:fontRef>
+            </p:style>
+            <p:txBody>
+              <a:bodyPr rtlCol="0" anchor="ctr"/>
+              <a:lstStyle/>
+              <a:p>
+                <a:pPr algn="ctr"/>
+                <a:r>
+                  <a:rPr lang="en-US" altLang="ja-JP" dirty="0">
+                    <a:solidFill>
+                      <a:schemeClr val="bg1"/>
+                    </a:solidFill>
+                  </a:rPr>
+                  <a:t>R: 255</a:t>
+                </a:r>
+              </a:p>
+              <a:p>
+                <a:pPr algn="ctr"/>
+                <a:r>
+                  <a:rPr kumimoji="1" lang="en-US" altLang="ja-JP" dirty="0">
+                    <a:solidFill>
+                      <a:schemeClr val="bg1"/>
+                    </a:solidFill>
+                  </a:rPr>
+                  <a:t>G: 255</a:t>
+                </a:r>
+              </a:p>
+              <a:p>
+                <a:pPr algn="ctr"/>
+                <a:r>
+                  <a:rPr lang="en-US" altLang="ja-JP" dirty="0">
+                    <a:solidFill>
+                      <a:schemeClr val="bg1"/>
+                    </a:solidFill>
+                  </a:rPr>
+                  <a:t>B: 255</a:t>
+                </a:r>
+                <a:endParaRPr kumimoji="1" lang="ja-JP" altLang="en-US" dirty="0">
+                  <a:solidFill>
+                    <a:schemeClr val="bg1"/>
+                  </a:solidFill>
+                </a:endParaRPr>
+              </a:p>
+            </p:txBody>
+          </p:sp>
+          <p:sp>
+            <p:nvSpPr>
+              <p:cNvPr id="7" name="正方形/長方形 6">
+                <a:extLst>
+                  <a:ext uri="{FF2B5EF4-FFF2-40B4-BE49-F238E27FC236}">
+                    <a16:creationId xmlns:a16="http://schemas.microsoft.com/office/drawing/2014/main" id="{642AAAAA-5A71-D3EF-9A7D-9FE2DE785D3D}"/>
+                  </a:ext>
+                </a:extLst>
+              </p:cNvPr>
+              <p:cNvSpPr/>
+              <p:nvPr/>
+            </p:nvSpPr>
+            <p:spPr>
+              <a:xfrm>
+                <a:off x="3663350" y="2539252"/>
+                <a:ext cx="1370162" cy="1370162"/>
+              </a:xfrm>
+              <a:prstGeom prst="rect">
+                <a:avLst/>
+              </a:prstGeom>
+              <a:solidFill>
+                <a:schemeClr val="tx1"/>
+              </a:solidFill>
+            </p:spPr>
+            <p:style>
+              <a:lnRef idx="2">
+                <a:schemeClr val="accent1">
+                  <a:shade val="50000"/>
+                </a:schemeClr>
+              </a:lnRef>
+              <a:fillRef idx="1">
+                <a:schemeClr val="accent1"/>
+              </a:fillRef>
+              <a:effectRef idx="0">
+                <a:schemeClr val="accent1"/>
+              </a:effectRef>
+              <a:fontRef idx="minor">
+                <a:schemeClr val="lt1"/>
+              </a:fontRef>
+            </p:style>
+            <p:txBody>
+              <a:bodyPr rtlCol="0" anchor="ctr"/>
+              <a:lstStyle/>
+              <a:p>
+                <a:pPr algn="ctr"/>
+                <a:r>
+                  <a:rPr lang="en-US" altLang="ja-JP" dirty="0">
+                    <a:solidFill>
+                      <a:schemeClr val="bg1"/>
+                    </a:solidFill>
+                  </a:rPr>
+                  <a:t>R: 255</a:t>
+                </a:r>
+              </a:p>
+              <a:p>
+                <a:pPr algn="ctr"/>
+                <a:r>
+                  <a:rPr kumimoji="1" lang="en-US" altLang="ja-JP" dirty="0">
+                    <a:solidFill>
+                      <a:schemeClr val="bg1"/>
+                    </a:solidFill>
+                  </a:rPr>
+                  <a:t>G: 255</a:t>
+                </a:r>
+              </a:p>
+              <a:p>
+                <a:pPr algn="ctr"/>
+                <a:r>
+                  <a:rPr lang="en-US" altLang="ja-JP" dirty="0">
+                    <a:solidFill>
+                      <a:schemeClr val="bg1"/>
+                    </a:solidFill>
+                  </a:rPr>
+                  <a:t>B: 255</a:t>
+                </a:r>
+                <a:endParaRPr kumimoji="1" lang="ja-JP" altLang="en-US" dirty="0">
+                  <a:solidFill>
+                    <a:schemeClr val="bg1"/>
+                  </a:solidFill>
+                </a:endParaRPr>
+              </a:p>
+            </p:txBody>
+          </p:sp>
+        </p:grpSp>
+        <p:sp>
+          <p:nvSpPr>
+            <p:cNvPr id="8" name="正方形/長方形 7">
+              <a:extLst>
+                <a:ext uri="{FF2B5EF4-FFF2-40B4-BE49-F238E27FC236}">
+                  <a16:creationId xmlns:a16="http://schemas.microsoft.com/office/drawing/2014/main" id="{EDDA6CBF-60F4-0280-7E44-F9AF36E729F8}"/>
+                </a:ext>
+              </a:extLst>
+            </p:cNvPr>
+            <p:cNvSpPr/>
+            <p:nvPr/>
+          </p:nvSpPr>
+          <p:spPr>
+            <a:xfrm>
+              <a:off x="6673969" y="2539252"/>
+              <a:ext cx="1370162" cy="1370162"/>
+            </a:xfrm>
+            <a:prstGeom prst="rect">
+              <a:avLst/>
+            </a:prstGeom>
+            <a:solidFill>
+              <a:schemeClr val="tx1"/>
+            </a:solidFill>
+          </p:spPr>
+          <p:style>
+            <a:lnRef idx="2">
+              <a:schemeClr val="accent1">
+                <a:shade val="50000"/>
+              </a:schemeClr>
+            </a:lnRef>
+            <a:fillRef idx="1">
+              <a:schemeClr val="accent1"/>
+            </a:fillRef>
+            <a:effectRef idx="0">
+              <a:schemeClr val="accent1"/>
+            </a:effectRef>
+            <a:fontRef idx="minor">
+              <a:schemeClr val="lt1"/>
+            </a:fontRef>
+          </p:style>
+          <p:txBody>
+            <a:bodyPr rtlCol="0" anchor="ctr"/>
+            <a:lstStyle/>
+            <a:p>
+              <a:pPr algn="ctr"/>
+              <a:r>
+                <a:rPr lang="en-US" altLang="ja-JP" dirty="0">
+                  <a:solidFill>
+                    <a:schemeClr val="bg1"/>
+                  </a:solidFill>
+                </a:rPr>
+                <a:t>R: 255</a:t>
+              </a:r>
+            </a:p>
+            <a:p>
+              <a:pPr algn="ctr"/>
+              <a:r>
+                <a:rPr kumimoji="1" lang="en-US" altLang="ja-JP" dirty="0">
+                  <a:solidFill>
+                    <a:schemeClr val="bg1"/>
+                  </a:solidFill>
+                </a:rPr>
+                <a:t>G: 255</a:t>
+              </a:r>
+            </a:p>
+            <a:p>
+              <a:pPr algn="ctr"/>
+              <a:r>
+                <a:rPr lang="en-US" altLang="ja-JP" dirty="0">
+                  <a:solidFill>
+                    <a:schemeClr val="bg1"/>
+                  </a:solidFill>
+                </a:rPr>
+                <a:t>B: 255</a:t>
+              </a:r>
+              <a:endParaRPr kumimoji="1" lang="ja-JP" altLang="en-US" dirty="0">
+                <a:solidFill>
+                  <a:schemeClr val="bg1"/>
+                </a:solidFill>
+              </a:endParaRPr>
+            </a:p>
+          </p:txBody>
+        </p:sp>
+        <p:sp>
+          <p:nvSpPr>
+            <p:cNvPr id="9" name="正方形/長方形 8">
+              <a:extLst>
+                <a:ext uri="{FF2B5EF4-FFF2-40B4-BE49-F238E27FC236}">
+                  <a16:creationId xmlns:a16="http://schemas.microsoft.com/office/drawing/2014/main" id="{F13352F0-1425-19CC-B686-FF9E2A417A9B}"/>
+                </a:ext>
+              </a:extLst>
+            </p:cNvPr>
+            <p:cNvSpPr/>
+            <p:nvPr/>
+          </p:nvSpPr>
+          <p:spPr>
+            <a:xfrm>
+              <a:off x="8044131" y="2539252"/>
+              <a:ext cx="1370162" cy="1370162"/>
+            </a:xfrm>
+            <a:prstGeom prst="rect">
+              <a:avLst/>
+            </a:prstGeom>
+            <a:solidFill>
+              <a:schemeClr val="tx1"/>
+            </a:solidFill>
+          </p:spPr>
+          <p:style>
+            <a:lnRef idx="2">
+              <a:schemeClr val="accent1">
+                <a:shade val="50000"/>
+              </a:schemeClr>
+            </a:lnRef>
+            <a:fillRef idx="1">
+              <a:schemeClr val="accent1"/>
+            </a:fillRef>
+            <a:effectRef idx="0">
+              <a:schemeClr val="accent1"/>
+            </a:effectRef>
+            <a:fontRef idx="minor">
+              <a:schemeClr val="lt1"/>
+            </a:fontRef>
+          </p:style>
+          <p:txBody>
+            <a:bodyPr rtlCol="0" anchor="ctr"/>
+            <a:lstStyle/>
+            <a:p>
+              <a:pPr algn="ctr"/>
+              <a:r>
+                <a:rPr lang="en-US" altLang="ja-JP" dirty="0">
+                  <a:solidFill>
+                    <a:srgbClr val="FF0000"/>
+                  </a:solidFill>
+                </a:rPr>
+                <a:t>R: 254</a:t>
+              </a:r>
+            </a:p>
+            <a:p>
+              <a:pPr algn="ctr"/>
+              <a:r>
+                <a:rPr kumimoji="1" lang="en-US" altLang="ja-JP" dirty="0">
+                  <a:solidFill>
+                    <a:srgbClr val="FF0000"/>
+                  </a:solidFill>
+                </a:rPr>
+                <a:t>G: 253</a:t>
+              </a:r>
+            </a:p>
+            <a:p>
+              <a:pPr algn="ctr"/>
+              <a:r>
+                <a:rPr lang="en-US" altLang="ja-JP" dirty="0">
+                  <a:solidFill>
+                    <a:srgbClr val="FF0000"/>
+                  </a:solidFill>
+                </a:rPr>
+                <a:t>B: 254</a:t>
+              </a:r>
+              <a:endParaRPr kumimoji="1" lang="ja-JP" altLang="en-US" dirty="0">
+                <a:solidFill>
+                  <a:srgbClr val="FF0000"/>
+                </a:solidFill>
+              </a:endParaRPr>
+            </a:p>
+          </p:txBody>
+        </p:sp>
+        <p:sp>
+          <p:nvSpPr>
+            <p:cNvPr id="10" name="正方形/長方形 9">
+              <a:extLst>
+                <a:ext uri="{FF2B5EF4-FFF2-40B4-BE49-F238E27FC236}">
+                  <a16:creationId xmlns:a16="http://schemas.microsoft.com/office/drawing/2014/main" id="{A79CAB11-BE60-95AB-CCCD-B42EA86F5DE0}"/>
+                </a:ext>
+              </a:extLst>
+            </p:cNvPr>
+            <p:cNvSpPr/>
+            <p:nvPr/>
+          </p:nvSpPr>
+          <p:spPr>
+            <a:xfrm>
+              <a:off x="9414293" y="2539252"/>
+              <a:ext cx="1370162" cy="1370162"/>
+            </a:xfrm>
+            <a:prstGeom prst="rect">
+              <a:avLst/>
+            </a:prstGeom>
+            <a:solidFill>
+              <a:schemeClr val="tx1"/>
+            </a:solidFill>
+          </p:spPr>
+          <p:style>
+            <a:lnRef idx="2">
+              <a:schemeClr val="accent1">
+                <a:shade val="50000"/>
+              </a:schemeClr>
+            </a:lnRef>
+            <a:fillRef idx="1">
+              <a:schemeClr val="accent1"/>
+            </a:fillRef>
+            <a:effectRef idx="0">
+              <a:schemeClr val="accent1"/>
+            </a:effectRef>
+            <a:fontRef idx="minor">
+              <a:schemeClr val="lt1"/>
+            </a:fontRef>
+          </p:style>
+          <p:txBody>
+            <a:bodyPr rtlCol="0" anchor="ctr"/>
+            <a:lstStyle/>
+            <a:p>
+              <a:pPr algn="ctr"/>
+              <a:r>
+                <a:rPr lang="en-US" altLang="ja-JP" dirty="0">
+                  <a:solidFill>
+                    <a:schemeClr val="bg1"/>
+                  </a:solidFill>
+                </a:rPr>
+                <a:t>R: 255</a:t>
+              </a:r>
+            </a:p>
+            <a:p>
+              <a:pPr algn="ctr"/>
+              <a:r>
+                <a:rPr kumimoji="1" lang="en-US" altLang="ja-JP" dirty="0">
+                  <a:solidFill>
+                    <a:schemeClr val="bg1"/>
+                  </a:solidFill>
+                </a:rPr>
+                <a:t>G: 255</a:t>
+              </a:r>
+            </a:p>
+            <a:p>
+              <a:pPr algn="ctr"/>
+              <a:r>
+                <a:rPr lang="en-US" altLang="ja-JP" dirty="0">
+                  <a:solidFill>
+                    <a:schemeClr val="bg1"/>
+                  </a:solidFill>
+                </a:rPr>
+                <a:t>B: 255</a:t>
+              </a:r>
+              <a:endParaRPr kumimoji="1" lang="ja-JP" altLang="en-US" dirty="0">
+                <a:solidFill>
+                  <a:schemeClr val="bg1"/>
+                </a:solidFill>
+              </a:endParaRPr>
+            </a:p>
+          </p:txBody>
+        </p:sp>
+      </p:grpSp>
+      <p:sp>
+        <p:nvSpPr>
+          <p:cNvPr id="13" name="テキスト ボックス 12">
+            <a:extLst>
+              <a:ext uri="{FF2B5EF4-FFF2-40B4-BE49-F238E27FC236}">
+                <a16:creationId xmlns:a16="http://schemas.microsoft.com/office/drawing/2014/main" id="{6417BE58-DF9D-6F69-A4C5-6307D5DE5117}"/>
+              </a:ext>
+            </a:extLst>
+          </p:cNvPr>
+          <p:cNvSpPr txBox="1"/>
+          <p:nvPr/>
+        </p:nvSpPr>
+        <p:spPr>
+          <a:xfrm>
+            <a:off x="8397371" y="4233489"/>
+            <a:ext cx="3794629" cy="400110"/>
+          </a:xfrm>
+          <a:prstGeom prst="rect">
+            <a:avLst/>
+          </a:prstGeom>
+          <a:noFill/>
+        </p:spPr>
+        <p:txBody>
+          <a:bodyPr wrap="none" rtlCol="0">
+            <a:spAutoFit/>
+          </a:bodyPr>
+          <a:lstStyle/>
+          <a:p>
+            <a:r>
+              <a:rPr kumimoji="1" lang="ja-JP" altLang="en-US" sz="2000" dirty="0"/>
+              <a:t>↑若干</a:t>
+            </a:r>
+            <a:r>
+              <a:rPr kumimoji="1" lang="en-US" altLang="ja-JP" sz="2000" dirty="0"/>
+              <a:t>RGB</a:t>
+            </a:r>
+            <a:r>
+              <a:rPr kumimoji="1" lang="ja-JP" altLang="en-US" sz="2000" dirty="0"/>
+              <a:t>値が異なるピクセル</a:t>
+            </a:r>
+          </a:p>
+        </p:txBody>
+      </p:sp>
+      <p:sp>
+        <p:nvSpPr>
+          <p:cNvPr id="14" name="テキスト ボックス 13">
+            <a:extLst>
+              <a:ext uri="{FF2B5EF4-FFF2-40B4-BE49-F238E27FC236}">
+                <a16:creationId xmlns:a16="http://schemas.microsoft.com/office/drawing/2014/main" id="{D6C8C07F-D112-93E6-1BC2-B6B6536B29D1}"/>
+              </a:ext>
+            </a:extLst>
+          </p:cNvPr>
+          <p:cNvSpPr txBox="1"/>
+          <p:nvPr/>
+        </p:nvSpPr>
+        <p:spPr>
+          <a:xfrm>
+            <a:off x="1249160" y="5089128"/>
+            <a:ext cx="9693679" cy="400110"/>
+          </a:xfrm>
+          <a:prstGeom prst="rect">
+            <a:avLst/>
+          </a:prstGeom>
+          <a:noFill/>
+        </p:spPr>
+        <p:txBody>
+          <a:bodyPr wrap="none" rtlCol="0">
+            <a:spAutoFit/>
+          </a:bodyPr>
+          <a:lstStyle/>
+          <a:p>
+            <a:r>
+              <a:rPr kumimoji="1" lang="ja-JP" altLang="en-US" sz="2000" dirty="0"/>
+              <a:t>つまり，</a:t>
+            </a:r>
+            <a:r>
+              <a:rPr kumimoji="1" lang="en-US" altLang="ja-JP" sz="2000" dirty="0"/>
+              <a:t>RGB</a:t>
+            </a:r>
+            <a:r>
+              <a:rPr kumimoji="1" lang="ja-JP" altLang="en-US" sz="2000" dirty="0"/>
+              <a:t>値の異なるピクセルを抽出できれば，そこが間違い探しの答えとなる</a:t>
+            </a:r>
+          </a:p>
+        </p:txBody>
+      </p:sp>
+      <p:sp>
+        <p:nvSpPr>
+          <p:cNvPr id="15" name="テキスト ボックス 14">
+            <a:extLst>
+              <a:ext uri="{FF2B5EF4-FFF2-40B4-BE49-F238E27FC236}">
+                <a16:creationId xmlns:a16="http://schemas.microsoft.com/office/drawing/2014/main" id="{2DA89F1F-DD3B-7544-2B76-2A96AE3307AC}"/>
+              </a:ext>
+            </a:extLst>
+          </p:cNvPr>
+          <p:cNvSpPr txBox="1"/>
+          <p:nvPr/>
+        </p:nvSpPr>
+        <p:spPr>
+          <a:xfrm>
+            <a:off x="1751163" y="5667548"/>
+            <a:ext cx="8905002" cy="400110"/>
+          </a:xfrm>
+          <a:prstGeom prst="rect">
+            <a:avLst/>
+          </a:prstGeom>
+          <a:noFill/>
+        </p:spPr>
+        <p:txBody>
+          <a:bodyPr wrap="none" rtlCol="0">
+            <a:spAutoFit/>
+          </a:bodyPr>
+          <a:lstStyle/>
+          <a:p>
+            <a:r>
+              <a:rPr kumimoji="1" lang="ja-JP" altLang="en-US" sz="2000" dirty="0"/>
+              <a:t>このように画像内に文字列やコードを隠す技術を</a:t>
+            </a:r>
+            <a:r>
+              <a:rPr kumimoji="1" lang="ja-JP" altLang="en-US" sz="2000" dirty="0">
+                <a:solidFill>
+                  <a:schemeClr val="accent4"/>
+                </a:solidFill>
+              </a:rPr>
+              <a:t>ステガノグラフィー</a:t>
+            </a:r>
+            <a:r>
+              <a:rPr kumimoji="1" lang="ja-JP" altLang="en-US" sz="2000" dirty="0"/>
+              <a:t>という</a:t>
+            </a:r>
+          </a:p>
+        </p:txBody>
+      </p:sp>
+      <p:sp>
+        <p:nvSpPr>
+          <p:cNvPr id="16" name="テキスト ボックス 15">
+            <a:extLst>
+              <a:ext uri="{FF2B5EF4-FFF2-40B4-BE49-F238E27FC236}">
+                <a16:creationId xmlns:a16="http://schemas.microsoft.com/office/drawing/2014/main" id="{9134FA89-28D2-858B-B281-1B0A074F0818}"/>
+              </a:ext>
+            </a:extLst>
+          </p:cNvPr>
+          <p:cNvSpPr txBox="1"/>
+          <p:nvPr/>
+        </p:nvSpPr>
+        <p:spPr>
+          <a:xfrm>
+            <a:off x="1602843" y="6336159"/>
+            <a:ext cx="2031325" cy="369332"/>
+          </a:xfrm>
+          <a:prstGeom prst="rect">
+            <a:avLst/>
+          </a:prstGeom>
+          <a:noFill/>
+        </p:spPr>
+        <p:txBody>
+          <a:bodyPr wrap="none" rtlCol="0">
+            <a:spAutoFit/>
+          </a:bodyPr>
+          <a:lstStyle/>
+          <a:p>
+            <a:r>
+              <a:rPr kumimoji="1" lang="ja-JP" altLang="en-US" dirty="0"/>
+              <a:t>この</a:t>
+            </a:r>
+            <a:r>
+              <a:rPr kumimoji="1" lang="ja-JP" altLang="en-US" dirty="0">
+                <a:solidFill>
+                  <a:srgbClr val="00B0F0"/>
+                </a:solidFill>
+                <a:hlinkClick r:id="rId3">
+                  <a:extLst>
+                    <a:ext uri="{A12FA001-AC4F-418D-AE19-62706E023703}">
+                      <ahyp:hlinkClr xmlns:ahyp="http://schemas.microsoft.com/office/drawing/2018/hyperlinkcolor" val="tx"/>
+                    </a:ext>
+                  </a:extLst>
+                </a:hlinkClick>
+              </a:rPr>
+              <a:t>サイト</a:t>
+            </a:r>
+            <a:r>
+              <a:rPr kumimoji="1" lang="ja-JP" altLang="en-US" dirty="0"/>
+              <a:t>が便利</a:t>
+            </a:r>
+          </a:p>
+        </p:txBody>
+      </p:sp>
+      <p:sp>
+        <p:nvSpPr>
+          <p:cNvPr id="17" name="テキスト ボックス 16">
+            <a:extLst>
+              <a:ext uri="{FF2B5EF4-FFF2-40B4-BE49-F238E27FC236}">
+                <a16:creationId xmlns:a16="http://schemas.microsoft.com/office/drawing/2014/main" id="{1C1483BF-903E-0803-71FD-D2217AEBE155}"/>
+              </a:ext>
+            </a:extLst>
+          </p:cNvPr>
+          <p:cNvSpPr txBox="1"/>
+          <p:nvPr/>
+        </p:nvSpPr>
+        <p:spPr>
+          <a:xfrm>
+            <a:off x="4990381" y="6280683"/>
+            <a:ext cx="4453463" cy="830997"/>
+          </a:xfrm>
+          <a:prstGeom prst="rect">
+            <a:avLst/>
+          </a:prstGeom>
+          <a:noFill/>
+        </p:spPr>
+        <p:txBody>
+          <a:bodyPr wrap="none" rtlCol="0">
+            <a:spAutoFit/>
+          </a:bodyPr>
+          <a:lstStyle/>
+          <a:p>
+            <a:r>
+              <a:rPr lang="en-US" altLang="ja-JP" sz="2400" dirty="0">
+                <a:solidFill>
+                  <a:schemeClr val="accent4"/>
+                </a:solidFill>
+              </a:rPr>
+              <a:t>Flag{Th1s_1s_st3g4n0gr4phy}</a:t>
+            </a:r>
+          </a:p>
+          <a:p>
+            <a:endParaRPr kumimoji="1" lang="ja-JP" altLang="en-US" sz="2400" dirty="0">
+              <a:solidFill>
+                <a:schemeClr val="accent4"/>
+              </a:solidFill>
+            </a:endParaRPr>
+          </a:p>
+        </p:txBody>
+      </p:sp>
     </p:spTree>
     <p:extLst>
       <p:ext uri="{BB962C8B-B14F-4D97-AF65-F5344CB8AC3E}">
@@ -5300,7 +6332,53 @@
             <a:pPr marL="0" indent="0">
               <a:buNone/>
             </a:pPr>
-            <a:endParaRPr kumimoji="1" lang="ja-JP" altLang="en-US" dirty="0"/>
+            <a:r>
+              <a:rPr kumimoji="1" lang="en-US" altLang="ja-JP" dirty="0"/>
+              <a:t>※</a:t>
+            </a:r>
+            <a:r>
+              <a:rPr kumimoji="1" lang="ja-JP" altLang="en-US" dirty="0"/>
+              <a:t>バイナリエディタが必要</a:t>
+            </a:r>
+            <a:r>
+              <a:rPr kumimoji="1" lang="en-US" altLang="ja-JP" dirty="0"/>
+              <a:t>(</a:t>
+            </a:r>
+            <a:r>
+              <a:rPr kumimoji="1" lang="ja-JP" altLang="en-US" dirty="0"/>
+              <a:t>今回は</a:t>
+            </a:r>
+            <a:r>
+              <a:rPr kumimoji="1" lang="en-US" altLang="ja-JP" dirty="0" err="1"/>
+              <a:t>stirling</a:t>
+            </a:r>
+            <a:r>
+              <a:rPr kumimoji="1" lang="ja-JP" altLang="en-US" dirty="0"/>
+              <a:t>を使用</a:t>
+            </a:r>
+            <a:r>
+              <a:rPr kumimoji="1" lang="en-US" altLang="ja-JP" dirty="0"/>
+              <a:t>)</a:t>
+            </a:r>
+          </a:p>
+          <a:p>
+            <a:pPr marL="0" indent="0">
+              <a:buNone/>
+            </a:pPr>
+            <a:endParaRPr lang="en-US" altLang="ja-JP" dirty="0"/>
+          </a:p>
+          <a:p>
+            <a:pPr marL="0" indent="0">
+              <a:buNone/>
+            </a:pPr>
+            <a:r>
+              <a:rPr kumimoji="1" lang="en-US" altLang="ja-JP" dirty="0"/>
+              <a:t>PNG</a:t>
+            </a:r>
+            <a:r>
+              <a:rPr kumimoji="1" lang="ja-JP" altLang="en-US" dirty="0"/>
+              <a:t>ファイルのフォーマットの，ヘッダー部分と見比べる</a:t>
+            </a:r>
           </a:p>
         </p:txBody>
       </p:sp>
@@ -5370,6 +6448,241 @@
           </a:p>
         </p:txBody>
       </p:sp>
+      <p:grpSp>
+        <p:nvGrpSpPr>
+          <p:cNvPr id="8" name="グループ化 7">
+            <a:extLst>
+              <a:ext uri="{FF2B5EF4-FFF2-40B4-BE49-F238E27FC236}">
+                <a16:creationId xmlns:a16="http://schemas.microsoft.com/office/drawing/2014/main" id="{56316881-81D8-A9C1-8EAF-880F08E0B711}"/>
+              </a:ext>
+            </a:extLst>
+          </p:cNvPr>
+          <p:cNvGrpSpPr/>
+          <p:nvPr/>
+        </p:nvGrpSpPr>
+        <p:grpSpPr>
+          <a:xfrm>
+            <a:off x="838200" y="3429000"/>
+            <a:ext cx="6384524" cy="3171705"/>
+            <a:chOff x="651744" y="3321170"/>
+            <a:chExt cx="6384524" cy="3171705"/>
+          </a:xfrm>
+        </p:grpSpPr>
+        <p:pic>
+          <p:nvPicPr>
+            <p:cNvPr id="6" name="図 5">
+              <a:extLst>
+                <a:ext uri="{FF2B5EF4-FFF2-40B4-BE49-F238E27FC236}">
+                  <a16:creationId xmlns:a16="http://schemas.microsoft.com/office/drawing/2014/main" id="{0487B1F6-D006-A927-D432-8903839183CF}"/>
+                </a:ext>
+              </a:extLst>
+            </p:cNvPr>
+            <p:cNvPicPr>
+              <a:picLocks noChangeAspect="1"/>
+            </p:cNvPicPr>
+            <p:nvPr/>
+          </p:nvPicPr>
+          <p:blipFill>
+            <a:blip r:embed="rId3"/>
+            <a:stretch>
+              <a:fillRect/>
+            </a:stretch>
+          </p:blipFill>
+          <p:spPr>
+            <a:xfrm>
+              <a:off x="651744" y="3321170"/>
+              <a:ext cx="6384524" cy="3171705"/>
+            </a:xfrm>
+            <a:prstGeom prst="rect">
+              <a:avLst/>
+            </a:prstGeom>
+          </p:spPr>
+        </p:pic>
+        <p:sp>
+          <p:nvSpPr>
+            <p:cNvPr id="7" name="正方形/長方形 6">
+              <a:extLst>
+                <a:ext uri="{FF2B5EF4-FFF2-40B4-BE49-F238E27FC236}">
+                  <a16:creationId xmlns:a16="http://schemas.microsoft.com/office/drawing/2014/main" id="{AA3D79EF-AEF4-C7F9-400E-F44459F9BF53}"/>
+                </a:ext>
+              </a:extLst>
+            </p:cNvPr>
+            <p:cNvSpPr/>
+            <p:nvPr/>
+          </p:nvSpPr>
+          <p:spPr>
+            <a:xfrm>
+              <a:off x="3165894" y="3709358"/>
+              <a:ext cx="879895" cy="276046"/>
+            </a:xfrm>
+            <a:prstGeom prst="rect">
+              <a:avLst/>
+            </a:prstGeom>
+            <a:noFill/>
+            <a:ln w="38100">
+              <a:solidFill>
+                <a:srgbClr val="FF0000"/>
+              </a:solidFill>
+            </a:ln>
+          </p:spPr>
+          <p:style>
+            <a:lnRef idx="2">
+              <a:schemeClr val="accent1">
+                <a:shade val="50000"/>
+              </a:schemeClr>
+            </a:lnRef>
+            <a:fillRef idx="1">
+              <a:schemeClr val="accent1"/>
+            </a:fillRef>
+            <a:effectRef idx="0">
+              <a:schemeClr val="accent1"/>
+            </a:effectRef>
+            <a:fontRef idx="minor">
+              <a:schemeClr val="lt1"/>
+            </a:fontRef>
+          </p:style>
+          <p:txBody>
+            <a:bodyPr rtlCol="0" anchor="ctr"/>
+            <a:lstStyle/>
+            <a:p>
+              <a:pPr algn="ctr"/>
+              <a:endParaRPr kumimoji="1" lang="ja-JP" altLang="en-US"/>
+            </a:p>
+          </p:txBody>
+        </p:sp>
+      </p:grpSp>
+      <p:sp>
+        <p:nvSpPr>
+          <p:cNvPr id="9" name="テキスト ボックス 8">
+            <a:extLst>
+              <a:ext uri="{FF2B5EF4-FFF2-40B4-BE49-F238E27FC236}">
+                <a16:creationId xmlns:a16="http://schemas.microsoft.com/office/drawing/2014/main" id="{533F477D-186C-B982-E792-163EF458C3CB}"/>
+              </a:ext>
+            </a:extLst>
+          </p:cNvPr>
+          <p:cNvSpPr txBox="1"/>
+          <p:nvPr/>
+        </p:nvSpPr>
+        <p:spPr>
+          <a:xfrm flipH="1">
+            <a:off x="7570628" y="3601533"/>
+            <a:ext cx="4126790" cy="830997"/>
+          </a:xfrm>
+          <a:prstGeom prst="rect">
+            <a:avLst/>
+          </a:prstGeom>
+          <a:noFill/>
+        </p:spPr>
+        <p:txBody>
+          <a:bodyPr wrap="square" rtlCol="0">
+            <a:spAutoFit/>
+          </a:bodyPr>
+          <a:lstStyle/>
+          <a:p>
+            <a:r>
+              <a:rPr kumimoji="1" lang="ja-JP" altLang="en-US" sz="2400" dirty="0"/>
+              <a:t>チャンクデータのサイズが異なるため</a:t>
+            </a:r>
+            <a:r>
+              <a:rPr kumimoji="1" lang="en-US" altLang="ja-JP" sz="2400" dirty="0"/>
+              <a:t>0000000D</a:t>
+            </a:r>
+            <a:r>
+              <a:rPr lang="ja-JP" altLang="en-US" sz="2400" dirty="0"/>
+              <a:t>に修正</a:t>
+            </a:r>
+            <a:endParaRPr kumimoji="1" lang="ja-JP" altLang="en-US" sz="2400" dirty="0"/>
+          </a:p>
+        </p:txBody>
+      </p:sp>
+      <p:sp>
+        <p:nvSpPr>
+          <p:cNvPr id="10" name="テキスト ボックス 9">
+            <a:extLst>
+              <a:ext uri="{FF2B5EF4-FFF2-40B4-BE49-F238E27FC236}">
+                <a16:creationId xmlns:a16="http://schemas.microsoft.com/office/drawing/2014/main" id="{27067C94-5FCC-D274-E032-0322AF1F136E}"/>
+              </a:ext>
+            </a:extLst>
+          </p:cNvPr>
+          <p:cNvSpPr txBox="1"/>
+          <p:nvPr/>
+        </p:nvSpPr>
+        <p:spPr>
+          <a:xfrm>
+            <a:off x="7848919" y="4404740"/>
+            <a:ext cx="3570208" cy="830997"/>
+          </a:xfrm>
+          <a:prstGeom prst="rect">
+            <a:avLst/>
+          </a:prstGeom>
+          <a:noFill/>
+        </p:spPr>
+        <p:txBody>
+          <a:bodyPr wrap="none" rtlCol="0">
+            <a:spAutoFit/>
+          </a:bodyPr>
+          <a:lstStyle/>
+          <a:p>
+            <a:pPr algn="ctr"/>
+            <a:r>
+              <a:rPr lang="ja-JP" altLang="en-US" sz="2400" dirty="0"/>
+              <a:t>↓</a:t>
+            </a:r>
+            <a:endParaRPr lang="en-US" altLang="ja-JP" sz="2400" dirty="0"/>
+          </a:p>
+          <a:p>
+            <a:r>
+              <a:rPr lang="ja-JP" altLang="en-US" sz="2400" dirty="0"/>
+              <a:t>画像が開けるようになる</a:t>
+            </a:r>
+            <a:endParaRPr kumimoji="1" lang="ja-JP" altLang="en-US" sz="2400" dirty="0"/>
+          </a:p>
+        </p:txBody>
+      </p:sp>
+      <p:sp>
+        <p:nvSpPr>
+          <p:cNvPr id="11" name="テキスト ボックス 10">
+            <a:extLst>
+              <a:ext uri="{FF2B5EF4-FFF2-40B4-BE49-F238E27FC236}">
+                <a16:creationId xmlns:a16="http://schemas.microsoft.com/office/drawing/2014/main" id="{72703F14-BBD0-F4CC-9EFF-04A5B3DB12D3}"/>
+              </a:ext>
+            </a:extLst>
+          </p:cNvPr>
+          <p:cNvSpPr txBox="1"/>
+          <p:nvPr/>
+        </p:nvSpPr>
+        <p:spPr>
+          <a:xfrm>
+            <a:off x="7910742" y="5777334"/>
+            <a:ext cx="3756156" cy="523220"/>
+          </a:xfrm>
+          <a:prstGeom prst="rect">
+            <a:avLst/>
+          </a:prstGeom>
+          <a:noFill/>
+        </p:spPr>
+        <p:txBody>
+          <a:bodyPr wrap="none" rtlCol="0">
+            <a:spAutoFit/>
+          </a:bodyPr>
+          <a:lstStyle/>
+          <a:p>
+            <a:r>
+              <a:rPr kumimoji="1" lang="en-US" altLang="ja-JP" sz="2800" dirty="0">
+                <a:solidFill>
+                  <a:schemeClr val="accent4"/>
+                </a:solidFill>
+              </a:rPr>
+              <a:t>Flag{B1n4ry_M4s73r}</a:t>
+            </a:r>
+            <a:endParaRPr kumimoji="1" lang="ja-JP" altLang="en-US" sz="2800" dirty="0">
+              <a:solidFill>
+                <a:schemeClr val="accent4"/>
+              </a:solidFill>
+            </a:endParaRPr>
+          </a:p>
+        </p:txBody>
+      </p:sp>
     </p:spTree>
     <p:extLst>
       <p:ext uri="{BB962C8B-B14F-4D97-AF65-F5344CB8AC3E}">
@@ -5425,7 +6738,10 @@
               <a:rPr kumimoji="1" lang="en-US" altLang="ja-JP" dirty="0"/>
               <a:t>Flag</a:t>
             </a:r>
-            <a:endParaRPr kumimoji="1" lang="ja-JP" altLang="en-US" dirty="0"/>
+            <a:r>
+              <a:rPr kumimoji="1" lang="ja-JP" altLang="en-US" dirty="0"/>
+              <a:t>まとめ</a:t>
+            </a:r>
           </a:p>
         </p:txBody>
       </p:sp>
@@ -5457,6 +6773,13 @@
               <a:rPr kumimoji="1" lang="en-US" altLang="ja-JP" dirty="0"/>
               <a:t>Q1. </a:t>
             </a:r>
+            <a:r>
+              <a:rPr kumimoji="1" lang="en-US" altLang="ja-JP" sz="2800" dirty="0">
+                <a:latin typeface="-apple-system"/>
+              </a:rPr>
+              <a:t>Flag{3asy_c4eser_c1pher}</a:t>
+            </a:r>
+            <a:endParaRPr kumimoji="1" lang="en-US" altLang="ja-JP" dirty="0"/>
           </a:p>
           <a:p>
             <a:pPr marL="0" indent="0">
@@ -5464,7 +6787,7 @@
             </a:pPr>
             <a:r>
               <a:rPr lang="en-US" altLang="ja-JP" dirty="0"/>
-              <a:t>Q2. </a:t>
+              <a:t>Q2. Flag{W0w!_c0ngr47ura7i0ns}</a:t>
             </a:r>
           </a:p>
           <a:p>
@@ -5473,7 +6796,7 @@
             </a:pPr>
             <a:r>
               <a:rPr kumimoji="1" lang="en-US" altLang="ja-JP" dirty="0"/>
-              <a:t>Q3. </a:t>
+              <a:t>Q3. Flag{c4n_y0u_s33_7h1s?}</a:t>
             </a:r>
           </a:p>
           <a:p>
@@ -5482,7 +6805,7 @@
             </a:pPr>
             <a:r>
               <a:rPr lang="en-US" altLang="ja-JP" dirty="0"/>
-              <a:t>Q4. </a:t>
+              <a:t>Q4. Flag{Th1s_1s_st3g4n0gr4phy}</a:t>
             </a:r>
           </a:p>
           <a:p>
@@ -5491,7 +6814,7 @@
             </a:pPr>
             <a:r>
               <a:rPr kumimoji="1" lang="en-US" altLang="ja-JP" dirty="0"/>
-              <a:t>Q5.</a:t>
+              <a:t>Q5. Flag{B1n4ry_M4s73r}</a:t>
             </a:r>
             <a:endParaRPr kumimoji="1" lang="ja-JP" altLang="en-US" dirty="0"/>
           </a:p>
@@ -5705,7 +7028,7 @@
           <p:nvPr/>
         </p:nvPicPr>
         <p:blipFill>
-          <a:blip r:embed="rId2"/>
+          <a:blip r:embed="rId3"/>
           <a:stretch>
             <a:fillRect/>
           </a:stretch>
@@ -7475,7 +8798,7 @@
             </a:r>
             <a:r>
               <a:rPr lang="ja-JP" altLang="en-US" dirty="0"/>
-              <a:t>脆弱性を探しサーバを攻撃</a:t>
+              <a:t>脆弱性を探しサーバ権限を奪取</a:t>
             </a:r>
             <a:endParaRPr lang="en-US" altLang="ja-JP" dirty="0"/>
           </a:p>
@@ -7594,9 +8917,16 @@
             <p:ph idx="1"/>
           </p:nvPr>
         </p:nvSpPr>
-        <p:spPr/>
-        <p:txBody>
-          <a:bodyPr/>
+        <p:spPr>
+          <a:xfrm>
+            <a:off x="838200" y="1825625"/>
+            <a:ext cx="10515600" cy="4764956"/>
+          </a:xfrm>
+        </p:spPr>
+        <p:txBody>
+          <a:bodyPr>
+            <a:normAutofit/>
+          </a:bodyPr>
           <a:lstStyle/>
           <a:p>
             <a:pPr marL="0" indent="0">
@@ -7672,6 +9002,113 @@
               <a:t>に貼ります）</a:t>
             </a:r>
             <a:endParaRPr lang="en-US" altLang="ja-JP" dirty="0"/>
+          </a:p>
+          <a:p>
+            <a:pPr marL="0" indent="0">
+              <a:buNone/>
+            </a:pPr>
+            <a:endParaRPr lang="en-US" altLang="ja-JP" dirty="0"/>
+          </a:p>
+          <a:p>
+            <a:pPr marL="0" indent="0">
+              <a:buNone/>
+            </a:pPr>
+            <a:r>
+              <a:rPr lang="ja-JP" altLang="en-US" dirty="0"/>
+              <a:t>周りの人と相談</a:t>
+            </a:r>
+            <a:r>
+              <a:rPr lang="en-US" altLang="ja-JP" dirty="0"/>
+              <a:t>OK!</a:t>
+            </a:r>
+          </a:p>
+          <a:p>
+            <a:pPr marL="0" indent="0">
+              <a:buNone/>
+            </a:pPr>
+            <a:r>
+              <a:rPr lang="en-US" altLang="ja-JP" dirty="0"/>
+              <a:t>Google</a:t>
+            </a:r>
+            <a:r>
+              <a:rPr lang="ja-JP" altLang="en-US" dirty="0"/>
+              <a:t>検索やツール使用など基本何してもいいです！</a:t>
+            </a:r>
+            <a:endParaRPr lang="en-US" altLang="ja-JP" dirty="0"/>
+          </a:p>
+          <a:p>
+            <a:pPr marL="0" indent="0">
+              <a:buNone/>
+            </a:pPr>
+            <a:endParaRPr lang="en-US" altLang="ja-JP" dirty="0"/>
+          </a:p>
+          <a:p>
+            <a:pPr marL="0" indent="0">
+              <a:buNone/>
+            </a:pPr>
+            <a:r>
+              <a:rPr lang="ja-JP" altLang="en-US" dirty="0"/>
+              <a:t>答えは必ず</a:t>
+            </a:r>
+            <a:r>
+              <a:rPr lang="en-US" altLang="ja-JP" dirty="0">
+                <a:solidFill>
+                  <a:srgbClr val="FFC000"/>
+                </a:solidFill>
+              </a:rPr>
+              <a:t>Flag{example}</a:t>
+            </a:r>
+            <a:r>
+              <a:rPr lang="ja-JP" altLang="en-US" dirty="0"/>
+              <a:t>の形式になります</a:t>
+            </a:r>
+            <a:endParaRPr lang="en-US" altLang="ja-JP" dirty="0"/>
+          </a:p>
+        </p:txBody>
+      </p:sp>
+      <p:sp>
+        <p:nvSpPr>
+          <p:cNvPr id="4" name="テキスト ボックス 3">
+            <a:extLst>
+              <a:ext uri="{FF2B5EF4-FFF2-40B4-BE49-F238E27FC236}">
+                <a16:creationId xmlns:a16="http://schemas.microsoft.com/office/drawing/2014/main" id="{A589CA87-D793-0657-6D70-FC360E89BFA0}"/>
+              </a:ext>
+            </a:extLst>
+          </p:cNvPr>
+          <p:cNvSpPr txBox="1"/>
+          <p:nvPr/>
+        </p:nvSpPr>
+        <p:spPr>
+          <a:xfrm>
+            <a:off x="8171527" y="5287993"/>
+            <a:ext cx="3877985" cy="584775"/>
+          </a:xfrm>
+          <a:prstGeom prst="rect">
+            <a:avLst/>
+          </a:prstGeom>
+          <a:noFill/>
+        </p:spPr>
+        <p:txBody>
+          <a:bodyPr wrap="none" rtlCol="0">
+            <a:spAutoFit/>
+          </a:bodyPr>
+          <a:lstStyle/>
+          <a:p>
+            <a:r>
+              <a:rPr lang="ja-JP" altLang="en-US" sz="1600" dirty="0"/>
+              <a:t>私</a:t>
+            </a:r>
+            <a:r>
+              <a:rPr kumimoji="1" lang="ja-JP" altLang="en-US" sz="1600" dirty="0"/>
+              <a:t>に答えを聞き出す</a:t>
+            </a:r>
+            <a:endParaRPr kumimoji="1" lang="en-US" altLang="ja-JP" sz="1600" dirty="0"/>
+          </a:p>
+          <a:p>
+            <a:r>
+              <a:rPr kumimoji="1" lang="ja-JP" altLang="en-US" sz="1600" dirty="0"/>
+              <a:t>ソーシャルエンジニアリングはダメです</a:t>
+            </a:r>
           </a:p>
         </p:txBody>
       </p:sp>
@@ -7872,7 +9309,111 @@
             <a:pPr marL="0" indent="0">
               <a:buNone/>
             </a:pPr>
-            <a:endParaRPr kumimoji="1" lang="ja-JP" altLang="en-US" dirty="0"/>
+            <a:r>
+              <a:rPr lang="ja-JP" altLang="en-US" b="0" i="0" dirty="0">
+                <a:effectLst/>
+                <a:latin typeface="-apple-system"/>
+              </a:rPr>
+              <a:t>シーザー暗号は</a:t>
+            </a:r>
+            <a:r>
+              <a:rPr lang="en-US" altLang="ja-JP" b="0" i="0" dirty="0">
+                <a:effectLst/>
+                <a:latin typeface="-apple-system"/>
+              </a:rPr>
+              <a:t>3</a:t>
+            </a:r>
+            <a:r>
+              <a:rPr lang="ja-JP" altLang="en-US" b="0" i="0" dirty="0">
+                <a:effectLst/>
+                <a:latin typeface="-apple-system"/>
+              </a:rPr>
+              <a:t>文字分シフトする</a:t>
+            </a:r>
+            <a:endParaRPr lang="en-US" altLang="ja-JP" dirty="0">
+              <a:latin typeface="-apple-system"/>
+            </a:endParaRPr>
+          </a:p>
+          <a:p>
+            <a:pPr marL="0" indent="0">
+              <a:buNone/>
+            </a:pPr>
+            <a:r>
+              <a:rPr lang="en-US" altLang="ja-JP" b="0" i="0" dirty="0">
+                <a:effectLst/>
+                <a:latin typeface="-apple-system"/>
+              </a:rPr>
+              <a:t>A -&gt; B -&gt; C -&gt; D</a:t>
+            </a:r>
+          </a:p>
+          <a:p>
+            <a:pPr marL="0" indent="0">
+              <a:buNone/>
+            </a:pPr>
+            <a:endParaRPr lang="en-US" altLang="ja-JP" b="0" i="0" dirty="0">
+              <a:effectLst/>
+              <a:latin typeface="-apple-system"/>
+            </a:endParaRPr>
+          </a:p>
+          <a:p>
+            <a:pPr marL="0" indent="0">
+              <a:buNone/>
+            </a:pPr>
+            <a:r>
+              <a:rPr lang="ja-JP" altLang="en-US" dirty="0">
+                <a:latin typeface="-apple-system"/>
+              </a:rPr>
+              <a:t>復号時は逆に</a:t>
+            </a:r>
+            <a:r>
+              <a:rPr lang="en-US" altLang="ja-JP" dirty="0">
+                <a:latin typeface="-apple-system"/>
+              </a:rPr>
+              <a:t>3</a:t>
+            </a:r>
+            <a:r>
+              <a:rPr lang="ja-JP" altLang="en-US" dirty="0">
+                <a:latin typeface="-apple-system"/>
+              </a:rPr>
+              <a:t>文字シフト</a:t>
+            </a:r>
+            <a:endParaRPr lang="en-US" altLang="ja-JP" dirty="0">
+              <a:latin typeface="-apple-system"/>
+            </a:endParaRPr>
+          </a:p>
+          <a:p>
+            <a:pPr marL="0" indent="0">
+              <a:buNone/>
+            </a:pPr>
+            <a:r>
+              <a:rPr lang="en-US" altLang="ja-JP" b="0" i="0" dirty="0">
+                <a:effectLst/>
+                <a:latin typeface="-apple-system"/>
+              </a:rPr>
+              <a:t>D -&gt; A</a:t>
+            </a:r>
+          </a:p>
+          <a:p>
+            <a:pPr marL="0" indent="0">
+              <a:buNone/>
+            </a:pPr>
+            <a:endParaRPr lang="en-US" altLang="ja-JP" dirty="0">
+              <a:latin typeface="-apple-system"/>
+            </a:endParaRPr>
+          </a:p>
+          <a:p>
+            <a:pPr marL="0" indent="0">
+              <a:buNone/>
+            </a:pPr>
+            <a:r>
+              <a:rPr lang="ja-JP" altLang="en-US" dirty="0">
+                <a:latin typeface="-apple-system"/>
+              </a:rPr>
+              <a:t>これを英字のみに適応し</a:t>
+            </a:r>
+            <a:endParaRPr lang="en-US" altLang="ja-JP" dirty="0">
+              <a:latin typeface="-apple-system"/>
+            </a:endParaRPr>
           </a:p>
         </p:txBody>
       </p:sp>
@@ -7942,6 +9483,130 @@
           </a:p>
         </p:txBody>
       </p:sp>
+      <p:sp>
+        <p:nvSpPr>
+          <p:cNvPr id="5" name="テキスト ボックス 4">
+            <a:extLst>
+              <a:ext uri="{FF2B5EF4-FFF2-40B4-BE49-F238E27FC236}">
+                <a16:creationId xmlns:a16="http://schemas.microsoft.com/office/drawing/2014/main" id="{FD880613-9E12-EC16-7638-98B5F70E49EE}"/>
+              </a:ext>
+            </a:extLst>
+          </p:cNvPr>
+          <p:cNvSpPr txBox="1"/>
+          <p:nvPr/>
+        </p:nvSpPr>
+        <p:spPr>
+          <a:xfrm>
+            <a:off x="5513703" y="4286616"/>
+            <a:ext cx="4590937" cy="1569660"/>
+          </a:xfrm>
+          <a:prstGeom prst="rect">
+            <a:avLst/>
+          </a:prstGeom>
+          <a:noFill/>
+        </p:spPr>
+        <p:txBody>
+          <a:bodyPr wrap="none" rtlCol="0">
+            <a:spAutoFit/>
+          </a:bodyPr>
+          <a:lstStyle/>
+          <a:p>
+            <a:r>
+              <a:rPr lang="en-US" altLang="ja-JP" sz="3200" b="0" i="0" dirty="0" err="1">
+                <a:effectLst/>
+                <a:latin typeface="-apple-system"/>
+              </a:rPr>
+              <a:t>Iodj</a:t>
+            </a:r>
+            <a:r>
+              <a:rPr lang="en-US" altLang="ja-JP" sz="3200" b="0" i="0" dirty="0">
+                <a:effectLst/>
+                <a:latin typeface="-apple-system"/>
+              </a:rPr>
+              <a:t>{3dvb_f4hvhu_f1skhu}</a:t>
+            </a:r>
+          </a:p>
+          <a:p>
+            <a:pPr algn="ctr"/>
+            <a:r>
+              <a:rPr kumimoji="1" lang="ja-JP" altLang="en-US" sz="3200" dirty="0">
+                <a:latin typeface="-apple-system"/>
+              </a:rPr>
+              <a:t>↓</a:t>
+            </a:r>
+            <a:endParaRPr kumimoji="1" lang="en-US" altLang="ja-JP" sz="3200" dirty="0">
+              <a:latin typeface="-apple-system"/>
+            </a:endParaRPr>
+          </a:p>
+          <a:p>
+            <a:r>
+              <a:rPr kumimoji="1" lang="en-US" altLang="ja-JP" sz="3200" dirty="0">
+                <a:solidFill>
+                  <a:schemeClr val="accent4"/>
+                </a:solidFill>
+                <a:latin typeface="-apple-system"/>
+              </a:rPr>
+              <a:t>Flag{3asy_c4eser_c1pher}</a:t>
+            </a:r>
+            <a:endParaRPr kumimoji="1" lang="ja-JP" altLang="en-US" sz="3200" dirty="0">
+              <a:solidFill>
+                <a:schemeClr val="accent4"/>
+              </a:solidFill>
+              <a:latin typeface="-apple-system"/>
+            </a:endParaRPr>
+          </a:p>
+        </p:txBody>
+      </p:sp>
+      <p:sp>
+        <p:nvSpPr>
+          <p:cNvPr id="6" name="テキスト ボックス 5">
+            <a:extLst>
+              <a:ext uri="{FF2B5EF4-FFF2-40B4-BE49-F238E27FC236}">
+                <a16:creationId xmlns:a16="http://schemas.microsoft.com/office/drawing/2014/main" id="{943EB836-F48D-A296-F936-6AFFAF0DCCCF}"/>
+              </a:ext>
+            </a:extLst>
+          </p:cNvPr>
+          <p:cNvSpPr txBox="1"/>
+          <p:nvPr/>
+        </p:nvSpPr>
+        <p:spPr>
+          <a:xfrm>
+            <a:off x="838200" y="6127234"/>
+            <a:ext cx="3416320" cy="369332"/>
+          </a:xfrm>
+          <a:prstGeom prst="rect">
+            <a:avLst/>
+          </a:prstGeom>
+          <a:noFill/>
+        </p:spPr>
+        <p:txBody>
+          <a:bodyPr wrap="none" rtlCol="0">
+            <a:spAutoFit/>
+          </a:bodyPr>
+          <a:lstStyle/>
+          <a:p>
+            <a:r>
+              <a:rPr kumimoji="1" lang="ja-JP" altLang="en-US" dirty="0">
+                <a:solidFill>
+                  <a:srgbClr val="00B0F0"/>
+                </a:solidFill>
+                <a:hlinkClick r:id="rId3">
+                  <a:extLst>
+                    <a:ext uri="{A12FA001-AC4F-418D-AE19-62706E023703}">
+                      <ahyp:hlinkClr xmlns:ahyp="http://schemas.microsoft.com/office/drawing/2018/hyperlinkcolor" val="tx"/>
+                    </a:ext>
+                  </a:extLst>
+                </a:hlinkClick>
+              </a:rPr>
+              <a:t>変換できるサイト</a:t>
+            </a:r>
+            <a:r>
+              <a:rPr kumimoji="1" lang="ja-JP" altLang="en-US" dirty="0"/>
+              <a:t>を使うと楽！</a:t>
+            </a:r>
+          </a:p>
+        </p:txBody>
+      </p:sp>
     </p:spTree>
     <p:extLst>
       <p:ext uri="{BB962C8B-B14F-4D97-AF65-F5344CB8AC3E}">
@@ -8036,7 +9701,93 @@
             <a:pPr marL="0" indent="0">
               <a:buNone/>
             </a:pPr>
-            <a:endParaRPr kumimoji="1" lang="ja-JP" altLang="en-US" dirty="0"/>
+            <a:r>
+              <a:rPr kumimoji="1" lang="en-US" altLang="ja-JP" dirty="0"/>
+              <a:t>Windows</a:t>
+            </a:r>
+            <a:r>
+              <a:rPr kumimoji="1" lang="ja-JP" altLang="en-US" dirty="0"/>
+              <a:t>なら</a:t>
+            </a:r>
+            <a:r>
+              <a:rPr kumimoji="1" lang="en-US" altLang="ja-JP" dirty="0" err="1"/>
+              <a:t>Powershell</a:t>
+            </a:r>
+            <a:r>
+              <a:rPr kumimoji="1" lang="ja-JP" altLang="en-US" dirty="0"/>
+              <a:t>で</a:t>
+            </a:r>
+            <a:endParaRPr kumimoji="1" lang="en-US" altLang="ja-JP" dirty="0"/>
+          </a:p>
+          <a:p>
+            <a:pPr marL="0" indent="0">
+              <a:buNone/>
+            </a:pPr>
+            <a:endParaRPr lang="en-US" altLang="ja-JP" dirty="0"/>
+          </a:p>
+          <a:p>
+            <a:pPr marL="0" indent="0">
+              <a:buNone/>
+            </a:pPr>
+            <a:endParaRPr kumimoji="1" lang="en-US" altLang="ja-JP" dirty="0"/>
+          </a:p>
+          <a:p>
+            <a:pPr marL="0" indent="0">
+              <a:buNone/>
+            </a:pPr>
+            <a:r>
+              <a:rPr lang="en-US" altLang="ja-JP" dirty="0"/>
+              <a:t>Mac, Linux</a:t>
+            </a:r>
+            <a:r>
+              <a:rPr lang="ja-JP" altLang="en-US" dirty="0"/>
+              <a:t>ならターミナルで</a:t>
+            </a:r>
+            <a:endParaRPr lang="en-US" altLang="ja-JP" dirty="0"/>
+          </a:p>
+          <a:p>
+            <a:pPr marL="0" indent="0">
+              <a:buNone/>
+            </a:pPr>
+            <a:endParaRPr kumimoji="1" lang="en-US" altLang="ja-JP" dirty="0"/>
+          </a:p>
+          <a:p>
+            <a:pPr marL="0" indent="0">
+              <a:buNone/>
+            </a:pPr>
+            <a:endParaRPr lang="en-US" altLang="ja-JP" dirty="0"/>
+          </a:p>
+          <a:p>
+            <a:pPr marL="0" indent="0">
+              <a:buNone/>
+            </a:pPr>
+            <a:endParaRPr kumimoji="1" lang="en-US" altLang="ja-JP" dirty="0"/>
+          </a:p>
+          <a:p>
+            <a:pPr marL="0" indent="0">
+              <a:buNone/>
+            </a:pPr>
+            <a:r>
+              <a:rPr lang="en-US" altLang="ja-JP" dirty="0"/>
+              <a:t>16</a:t>
+            </a:r>
+            <a:r>
+              <a:rPr lang="ja-JP" altLang="en-US" dirty="0"/>
+              <a:t>進数文字列をアスキー変換で　</a:t>
+            </a:r>
+            <a:r>
+              <a:rPr lang="en-US" altLang="ja-JP" dirty="0">
+                <a:solidFill>
+                  <a:schemeClr val="accent4"/>
+                </a:solidFill>
+              </a:rPr>
+              <a:t>Flag{W0w!_c0ngr47ura7i0ns}</a:t>
+            </a:r>
+            <a:endParaRPr kumimoji="1" lang="en-US" altLang="ja-JP" dirty="0">
+              <a:solidFill>
+                <a:schemeClr val="accent4"/>
+              </a:solidFill>
+            </a:endParaRPr>
           </a:p>
         </p:txBody>
       </p:sp>
@@ -8101,6 +9852,252 @@
             <a:r>
               <a:rPr lang="en-US" altLang="ja-JP" dirty="0"/>
               <a:t>)</a:t>
+            </a:r>
+            <a:endParaRPr kumimoji="1" lang="ja-JP" altLang="en-US" dirty="0"/>
+          </a:p>
+        </p:txBody>
+      </p:sp>
+      <p:sp>
+        <p:nvSpPr>
+          <p:cNvPr id="5" name="四角形: 角を丸くする 4">
+            <a:extLst>
+              <a:ext uri="{FF2B5EF4-FFF2-40B4-BE49-F238E27FC236}">
+                <a16:creationId xmlns:a16="http://schemas.microsoft.com/office/drawing/2014/main" id="{10FC5EFC-C057-97C7-411F-5DA576BC087A}"/>
+              </a:ext>
+            </a:extLst>
+          </p:cNvPr>
+          <p:cNvSpPr/>
+          <p:nvPr/>
+        </p:nvSpPr>
+        <p:spPr>
+          <a:xfrm>
+            <a:off x="5486400" y="1766828"/>
+            <a:ext cx="4658264" cy="577970"/>
+          </a:xfrm>
+          <a:prstGeom prst="roundRect">
+            <a:avLst/>
+          </a:prstGeom>
+          <a:solidFill>
+            <a:schemeClr val="tx2">
+              <a:lumMod val="50000"/>
+            </a:schemeClr>
+          </a:solidFill>
+          <a:ln>
+            <a:noFill/>
+          </a:ln>
+        </p:spPr>
+        <p:style>
+          <a:lnRef idx="2">
+            <a:schemeClr val="accent1">
+              <a:shade val="50000"/>
+            </a:schemeClr>
+          </a:lnRef>
+          <a:fillRef idx="1">
+            <a:schemeClr val="accent1"/>
+          </a:fillRef>
+          <a:effectRef idx="0">
+            <a:schemeClr val="accent1"/>
+          </a:effectRef>
+          <a:fontRef idx="minor">
+            <a:schemeClr val="lt1"/>
+          </a:fontRef>
+        </p:style>
+        <p:txBody>
+          <a:bodyPr rtlCol="0" anchor="ctr"/>
+          <a:lstStyle/>
+          <a:p>
+            <a:pPr algn="ctr"/>
+            <a:r>
+              <a:rPr lang="en-US" altLang="ja-JP" sz="2400" dirty="0"/>
+              <a:t>Select-String *.txt -Pattern flag</a:t>
+            </a:r>
+            <a:endParaRPr kumimoji="1" lang="ja-JP" altLang="en-US" sz="2400" dirty="0"/>
+          </a:p>
+        </p:txBody>
+      </p:sp>
+      <p:grpSp>
+        <p:nvGrpSpPr>
+          <p:cNvPr id="18" name="グループ化 17">
+            <a:extLst>
+              <a:ext uri="{FF2B5EF4-FFF2-40B4-BE49-F238E27FC236}">
+                <a16:creationId xmlns:a16="http://schemas.microsoft.com/office/drawing/2014/main" id="{DA99D053-A9CD-FA7B-BC19-312B714926AC}"/>
+              </a:ext>
+            </a:extLst>
+          </p:cNvPr>
+          <p:cNvGrpSpPr/>
+          <p:nvPr/>
+        </p:nvGrpSpPr>
+        <p:grpSpPr>
+          <a:xfrm>
+            <a:off x="5400136" y="3308226"/>
+            <a:ext cx="6199337" cy="947302"/>
+            <a:chOff x="5158598" y="3308226"/>
+            <a:chExt cx="6199337" cy="947302"/>
+          </a:xfrm>
+        </p:grpSpPr>
+        <p:sp>
+          <p:nvSpPr>
+            <p:cNvPr id="6" name="四角形: 角を丸くする 5">
+              <a:extLst>
+                <a:ext uri="{FF2B5EF4-FFF2-40B4-BE49-F238E27FC236}">
+                  <a16:creationId xmlns:a16="http://schemas.microsoft.com/office/drawing/2014/main" id="{4BADF447-2CDA-041A-3DC5-71176F42F553}"/>
+                </a:ext>
+              </a:extLst>
+            </p:cNvPr>
+            <p:cNvSpPr/>
+            <p:nvPr/>
+          </p:nvSpPr>
+          <p:spPr>
+            <a:xfrm>
+              <a:off x="5995354" y="3308226"/>
+              <a:ext cx="4037164" cy="577970"/>
+            </a:xfrm>
+            <a:prstGeom prst="roundRect">
+              <a:avLst/>
+            </a:prstGeom>
+            <a:solidFill>
+              <a:schemeClr val="tx2">
+                <a:lumMod val="50000"/>
+              </a:schemeClr>
+            </a:solidFill>
+            <a:ln>
+              <a:noFill/>
+            </a:ln>
+          </p:spPr>
+          <p:style>
+            <a:lnRef idx="2">
+              <a:schemeClr val="accent1">
+                <a:shade val="50000"/>
+              </a:schemeClr>
+            </a:lnRef>
+            <a:fillRef idx="1">
+              <a:schemeClr val="accent1"/>
+            </a:fillRef>
+            <a:effectRef idx="0">
+              <a:schemeClr val="accent1"/>
+            </a:effectRef>
+            <a:fontRef idx="minor">
+              <a:schemeClr val="lt1"/>
+            </a:fontRef>
+          </p:style>
+          <p:txBody>
+            <a:bodyPr rtlCol="0" anchor="ctr"/>
+            <a:lstStyle/>
+            <a:p>
+              <a:pPr algn="ctr"/>
+              <a:r>
+                <a:rPr lang="en-US" altLang="ja-JP" sz="2400" dirty="0"/>
+                <a:t> grep -</a:t>
+              </a:r>
+              <a:r>
+                <a:rPr lang="en-US" altLang="ja-JP" sz="2400" dirty="0" err="1"/>
+                <a:t>i</a:t>
+              </a:r>
+              <a:r>
+                <a:rPr lang="en-US" altLang="ja-JP" sz="2400" dirty="0"/>
+                <a:t> "flag" *.txt</a:t>
+              </a:r>
+              <a:endParaRPr kumimoji="1" lang="ja-JP" altLang="en-US" sz="2400" dirty="0"/>
+            </a:p>
+          </p:txBody>
+        </p:sp>
+        <p:sp>
+          <p:nvSpPr>
+            <p:cNvPr id="16" name="テキスト ボックス 15">
+              <a:extLst>
+                <a:ext uri="{FF2B5EF4-FFF2-40B4-BE49-F238E27FC236}">
+                  <a16:creationId xmlns:a16="http://schemas.microsoft.com/office/drawing/2014/main" id="{65F2ED6C-ADB0-0082-62D1-FC8C909E2F19}"/>
+                </a:ext>
+              </a:extLst>
+            </p:cNvPr>
+            <p:cNvSpPr txBox="1"/>
+            <p:nvPr/>
+          </p:nvSpPr>
+          <p:spPr>
+            <a:xfrm>
+              <a:off x="5158598" y="3886196"/>
+              <a:ext cx="6199337" cy="369332"/>
+            </a:xfrm>
+            <a:prstGeom prst="rect">
+              <a:avLst/>
+            </a:prstGeom>
+            <a:noFill/>
+          </p:spPr>
+          <p:txBody>
+            <a:bodyPr wrap="square" rtlCol="0">
+              <a:spAutoFit/>
+            </a:bodyPr>
+            <a:lstStyle/>
+            <a:p>
+              <a:pPr algn="ctr"/>
+              <a:r>
+                <a:rPr lang="en-US" altLang="ja-JP" dirty="0"/>
+                <a:t>(-</a:t>
+              </a:r>
+              <a:r>
+                <a:rPr lang="en-US" altLang="ja-JP" dirty="0" err="1"/>
+                <a:t>i</a:t>
+              </a:r>
+              <a:r>
+                <a:rPr lang="ja-JP" altLang="en-US" dirty="0"/>
+                <a:t>は大文字小文字を区別しないオプション</a:t>
+              </a:r>
+              <a:r>
+                <a:rPr lang="en-US" altLang="ja-JP" dirty="0"/>
+                <a:t>)</a:t>
+              </a:r>
+              <a:endParaRPr kumimoji="1" lang="ja-JP" altLang="en-US" dirty="0"/>
+            </a:p>
+          </p:txBody>
+        </p:sp>
+      </p:grpSp>
+      <p:sp>
+        <p:nvSpPr>
+          <p:cNvPr id="19" name="テキスト ボックス 18">
+            <a:extLst>
+              <a:ext uri="{FF2B5EF4-FFF2-40B4-BE49-F238E27FC236}">
+                <a16:creationId xmlns:a16="http://schemas.microsoft.com/office/drawing/2014/main" id="{F35E3B0A-3CF8-ED5D-B477-CD00DF12E9C8}"/>
+              </a:ext>
+            </a:extLst>
+          </p:cNvPr>
+          <p:cNvSpPr txBox="1"/>
+          <p:nvPr/>
+        </p:nvSpPr>
+        <p:spPr>
+          <a:xfrm>
+            <a:off x="5727938" y="2607730"/>
+            <a:ext cx="5412059" cy="369332"/>
+          </a:xfrm>
+          <a:prstGeom prst="rect">
+            <a:avLst/>
+          </a:prstGeom>
+          <a:noFill/>
+        </p:spPr>
+        <p:txBody>
+          <a:bodyPr wrap="none" rtlCol="0">
+            <a:spAutoFit/>
+          </a:bodyPr>
+          <a:lstStyle/>
+          <a:p>
+            <a:r>
+              <a:rPr kumimoji="1" lang="en-US" altLang="ja-JP" dirty="0"/>
+              <a:t>*.txt</a:t>
+            </a:r>
+            <a:r>
+              <a:rPr kumimoji="1" lang="ja-JP" altLang="en-US" dirty="0"/>
+              <a:t>の中から文字列</a:t>
+            </a:r>
+            <a:r>
+              <a:rPr lang="ja-JP" altLang="en-US" dirty="0"/>
+              <a:t>「</a:t>
+            </a:r>
+            <a:r>
+              <a:rPr lang="en-US" altLang="ja-JP" dirty="0"/>
+              <a:t>flag</a:t>
+            </a:r>
+            <a:r>
+              <a:rPr lang="ja-JP" altLang="en-US" dirty="0"/>
+              <a:t>」を持つファイルを探す</a:t>
             </a:r>
             <a:endParaRPr kumimoji="1" lang="ja-JP" altLang="en-US" dirty="0"/>
           </a:p>
